--- a/Week 2 - Graph Theory/Graph Traversal.pptx
+++ b/Week 2 - Graph Theory/Graph Traversal.pptx
@@ -5,20 +5,21 @@
     <p:sldMasterId id="2147483648" r:id="rId4"/>
   </p:sldMasterIdLst>
   <p:notesMasterIdLst>
-    <p:notesMasterId r:id="rId16"/>
+    <p:notesMasterId r:id="rId17"/>
   </p:notesMasterIdLst>
   <p:sldIdLst>
     <p:sldId id="257" r:id="rId5"/>
     <p:sldId id="298" r:id="rId6"/>
-    <p:sldId id="355" r:id="rId7"/>
-    <p:sldId id="356" r:id="rId8"/>
-    <p:sldId id="349" r:id="rId9"/>
-    <p:sldId id="336" r:id="rId10"/>
-    <p:sldId id="350" r:id="rId11"/>
-    <p:sldId id="351" r:id="rId12"/>
-    <p:sldId id="352" r:id="rId13"/>
-    <p:sldId id="353" r:id="rId14"/>
-    <p:sldId id="354" r:id="rId15"/>
+    <p:sldId id="357" r:id="rId7"/>
+    <p:sldId id="355" r:id="rId8"/>
+    <p:sldId id="356" r:id="rId9"/>
+    <p:sldId id="349" r:id="rId10"/>
+    <p:sldId id="336" r:id="rId11"/>
+    <p:sldId id="350" r:id="rId12"/>
+    <p:sldId id="351" r:id="rId13"/>
+    <p:sldId id="352" r:id="rId14"/>
+    <p:sldId id="353" r:id="rId15"/>
+    <p:sldId id="354" r:id="rId16"/>
   </p:sldIdLst>
   <p:sldSz cx="12192000" cy="6858000"/>
   <p:notesSz cx="6858000" cy="9144000"/>
@@ -131,6 +132,101 @@
     <p1510:client id="{DB5FF2ED-5567-445A-B3E0-3393544B04A6}" v="675" dt="2022-05-11T04:00:20.336"/>
   </p1510:revLst>
 </p1510:revInfo>
+</file>
+
+<file path=ppt/ink/ink1.xml><?xml version="1.0" encoding="utf-8"?>
+<inkml:ink xmlns:inkml="http://www.w3.org/2003/InkML">
+  <inkml:definitions>
+    <inkml:context xml:id="ctx0">
+      <inkml:inkSource xml:id="inkSrc0">
+        <inkml:traceFormat>
+          <inkml:channel name="X" type="integer" min="-2.14748E9" max="2.14748E9" units="cm"/>
+          <inkml:channel name="Y" type="integer" min="-2.14748E9" max="2.14748E9" units="cm"/>
+          <inkml:channel name="F" type="integer" max="32767" units="dev"/>
+        </inkml:traceFormat>
+        <inkml:channelProperties>
+          <inkml:channelProperty channel="X" name="resolution" value="1000" units="1/cm"/>
+          <inkml:channelProperty channel="Y" name="resolution" value="1000" units="1/cm"/>
+          <inkml:channelProperty channel="F" name="resolution" value="0" units="1/dev"/>
+        </inkml:channelProperties>
+      </inkml:inkSource>
+      <inkml:timestamp xml:id="ts0" timeString="2024-04-04T04:06:24.661"/>
+    </inkml:context>
+    <inkml:brush xml:id="br0">
+      <inkml:brushProperty name="width" value="0.05292" units="cm"/>
+      <inkml:brushProperty name="height" value="0.05292" units="cm"/>
+      <inkml:brushProperty name="color" value="#FF0000"/>
+    </inkml:brush>
+  </inkml:definitions>
+  <inkml:trace contextRef="#ctx0" brushRef="#br0">5272 14326 24575,'39'0'0,"-11"0"0,1 0 0,5 0 0,2 0-3116,10 0 1,6 0 3115,-5 0 0,4 0 0,3 0-1212,-7 0 1,1 0 0,2 0 0,3 0 1211,-4 0 0,2 0 0,2 0 0,2 0 0,0 0 0,0 0-252,-4 0 0,0 0 0,1 0 0,1 0 0,0 0 0,2 0 0,0 0 252,-4 0 0,1 0 0,1 0 0,1 0 0,0 0 0,0 0 0,0 0 0,-1 0 0,-1 0-317,2 0 1,0 0 0,-1 0-1,0 0 1,0 0 0,-1 0 0,1 0-1,0 0 317,0 0 0,1 0 0,0 0 0,0 0 0,-1 0 0,0 0 0,-1 0 0,-1 0-145,1 0 0,0 0 1,-2 0-1,0 0 0,-1 0 1,0 0-1,0 0 145,4 0 0,0 0 0,-1 0 0,0 0 0,1 0 0,0 0 0,-4 0 0,0 0 0,1 0 0,0 0 0,0 0 0,0 0 0,-2 0 0,3 0 0,0 0 0,-2-1 0,1 1 0,0 0 0,2 1 0,-4 1 0,2 0 0,0 1 0,1 0 0,-1 0 0,-1 0 0,-1-1 0,1-1 0,-2-1 0,-1 1 0,0-1 0,0 1 0,1 0 0,0 1 0,0 1 0,0 0 0,0 0 0,-1 0 0,1 0 0,7 1 0,0-1 0,0 1 0,0-1 0,0 1 0,0 0 0,0 0 0,0 1 0,-1-1 0,0 1 0,-4-1 0,-1 0 0,1 1 0,-2-1 0,1 0 405,1 0 1,-1 1 0,0-2 0,0 1 0,-3-2-406,2-1 0,-1-1 0,-2-1 0,-3 1 0,3 0 0,-2 0 0,-3 0 1517,5 0 0,-6 0-1517,-3 0 0,4 0 1607,-10-8 0,3-2-1607,19 8 0,3 0 1282,-5-6 0,4-1-1282,-14 4 0,4 1 0,1 0 0,0-1-1237,0 0 0,1-1 0,0 1 0,2-1 1237,-2 2 0,2 1 0,1-1 0,0-1 0,-1 0 0,-1-3 0,-2-2 0,1 0 0,1 1 0,2 2-552,-3 4 1,2 2-1,0 1 1,2 1 0,-1-2-1,1-1 552,2-4 0,0-1 0,1-1 0,1-1 0,0 1 0,3 2-217,-8 2 0,2 1 0,2 0 0,0 1 0,0 0 1,1 0-1,-1 0 0,0-2 217,0 0 0,1-1 0,-1 0 0,0 0 0,1-1 0,-1 1 0,1 0 0,0 1-95,-3 1 1,-1 0 0,2 1 0,-1 0-1,0 0 1,0 0 0,0 0 0,-1-1-1,-1 0 95,8-1 0,-2-2 0,0 1 0,0-1 0,-1 1 0,0 0 0,0 1 0,-3 3 0,0 0 0,0 1 0,0 0 0,0 1 0,0-2 0,0-1 0,1-1 0,0-2 0,0 0 0,0-1 0,1 0 0,1 1 0,2 0 0,-5 2 0,2 0 0,1 1 0,1-1 0,1 1 0,-1 0 0,-1 0 0,-1 0 0,-3-1 0,4 1 0,-2-1 0,-2 0 0,0 0 0,0 0 0,1-1 0,2 1 0,1-1 0,3-1 0,1 0 0,1 0 0,-2 0 0,-1 0 0,-4 2 0,-3 0 0,10 1 0,-6 3 0,-2-2 0,1-2 0,-1-4 0,0-3 0,-1 0 0,-2 3 0,1 4 0,-2 3 0,-3-2 624,10-7 1,-2 1-625,-14 6 0,0 3 0,3 0 0,2-1 0,3 0 0,2 0 0,2 0 0,-2 0 0,2 0 0,1 0 0,2 0 0,0 0 0,-1 0 0,1 0 0,1 0 0,0 0 0,1 0 0,-1 0 0,-1 0 0,1 0 0,-1 0 0,1 0 0,0 0 0,0 0 0,1 0 0,1 0 0,0 0 0,0 0 0,0 0 0,-1 0 0,-1 0 0,-2 0 0,1 0 0,0 0 0,1 0 0,2 0 0,-5 0 0,2 0 0,2 0 0,0 0 0,0 0 0,0 0 0,-2 0 0,-2 0 0,6 0 0,-3 0 0,-1 0 0,0 0 0,1 0 0,2 0 0,-8 0 0,3 0 0,1 0 0,0 0 0,0 0 0,-1 0 0,-2 0 0,-2 0-250,9 0 0,-3 0 1,-1 0-1,-1 0 0,1 0 250,2 0 0,-1 0 0,1 0 0,0 0 0,-1 0 18,-1 0 1,0 0 0,-1 0 0,1 0 0,-1 0-19,-1 0 0,1 0 0,-1 0 0,0 0 0,0 0 0,1 0 0,-1 0 0,1 0 0,-1 0 0,-1 0 0,8 0 0,0 0 0,-2 0 0,-2 0 0,3 0 0,-3 0 0,0 0 0,4 1 0,0 0 0,-3-3 338,-10-6 0,-3-2 1,1 2-339,8 5 0,1 3 0,0-4 554,-1-9 1,0-5 0,-4 6-555,-2 9 0,-1 1 0,-3-3 0,1-2 0,-1 2 0,6 4 0,1 2 420,-3-2 1,4 1-1,0 1-420,-4 2 0,0 1 0,1 1 0,1 0 180,-1 2 0,1 0 0,0 1 0,1 1-180,7 1 0,2 0 0,-1 1 0,-2-1 0,4 0 0,-2 0 0,-1 1 0,-4 1 0,-1 1 0,-1-4 0,-5-6 0,-2-4 0,0 4 313,11 14 0,0 1-313,3-15 0,1-2 0,-1 8 0,-3-1 0,-19-7 0,-1-2 579,2 0 0,-1 2-579,7 17 2800,-17-14-2800,13 14 4607,-13-18-4607,-1 0 2242,-3 0-2242,-18 0 197,17 0-197,-12 0 0,12 0 0,-17 0 0,0 0 0,17 0 0,-12 0 0,12 0 0,-17 0 0</inkml:trace>
+</inkml:ink>
+</file>
+
+<file path=ppt/ink/ink2.xml><?xml version="1.0" encoding="utf-8"?>
+<inkml:ink xmlns:inkml="http://www.w3.org/2003/InkML">
+  <inkml:definitions>
+    <inkml:context xml:id="ctx0">
+      <inkml:inkSource xml:id="inkSrc0">
+        <inkml:traceFormat>
+          <inkml:channel name="X" type="integer" min="-2.14748E9" max="2.14748E9" units="cm"/>
+          <inkml:channel name="Y" type="integer" min="-2.14748E9" max="2.14748E9" units="cm"/>
+          <inkml:channel name="F" type="integer" max="32767" units="dev"/>
+        </inkml:traceFormat>
+        <inkml:channelProperties>
+          <inkml:channelProperty channel="X" name="resolution" value="1000" units="1/cm"/>
+          <inkml:channelProperty channel="Y" name="resolution" value="1000" units="1/cm"/>
+          <inkml:channelProperty channel="F" name="resolution" value="0" units="1/dev"/>
+        </inkml:channelProperties>
+      </inkml:inkSource>
+      <inkml:timestamp xml:id="ts0" timeString="2024-04-04T04:07:42.059"/>
+    </inkml:context>
+    <inkml:brush xml:id="br0">
+      <inkml:brushProperty name="width" value="0.05292" units="cm"/>
+      <inkml:brushProperty name="height" value="0.05292" units="cm"/>
+      <inkml:brushProperty name="color" value="#FF0000"/>
+    </inkml:brush>
+  </inkml:definitions>
+  <inkml:trace contextRef="#ctx0" brushRef="#br0">7271 9466 24575,'54'0'0,"0"0"0,0 0 0,0 0 0,0 0 0,0 0 0,0 0 0,0 0 0,0 0 0,0 0 0,0 0 0,0 0 0,0 0 0,0 0 0,0 0 0,0 0 0,0 0 0,0 0 0,0 0 0,-1 0 0,1 0 0,0 0 0,0 0 0,2 0 0,-1 0 0,0 0 0,0 0 0,0 0 0,0 0 0,1 0 0,-1 0 0,0 0 0,0 0 0,0 0 0,0 0 0,1 0 0,-1 0 0,0 0 0,0 0 0,0 0 0,0 0 0</inkml:trace>
+  <inkml:trace contextRef="#ctx0" brushRef="#br0" timeOffset="4070">6232 7839 24575,'24'-44'0,"-1"1"0,0-1 0,0 1 0,0-1 0,0 1 0,0-1 0,1 1 0,0-4 0,1 1 0,0-1 0,-1 1 0,1-1 0,0 1 0</inkml:trace>
+  <inkml:trace contextRef="#ctx0" brushRef="#br0" timeOffset="6450">2940 8309 24575,'-46'-29'0,"1"0"0,-1 0 0,1 0 0,-1 0 0,1 0 0,-1 0 0,1 0 0,-1 0 0,-5-4 0,-3-2 0,-1 0 0,4 2 0,5 3 0,10 5 0,11 7 0,8 1 0,0 12 0,12-12 0,-12 17 0,17 0 0,0 0 0,-18-18 0,14 14 0,-13-13 0,17 17 0,0 0 0,0-18 0,0 14 0,0-14 0</inkml:trace>
+  <inkml:trace contextRef="#ctx0" brushRef="#br0" timeOffset="63026">4527 16521 24575,'55'3'0,"-1"0"0,1 0 0,-1 0 0,1-1 0,-1 1 0,0 0 0,1 0 0,-1 0 0,1 0 0,-1-1 0,1 1 0,-1 0 0,0 0 0,1 0 0,-1 0 0,1-1 0,-1 1 0,1 0 0,-1 0 0,1 0 0,-1 0 0,0-1 0,1 1 0,-1 0 0,1 0 0,-1 0 0,1 0 0,-1-1 0,1 1 0,-1 0 0,0 0 0,1 0 0,-1 0 0,1-1 0,-1 1 0,1 0 0,-1 0 0,1 0 0,-1 0 0,0-1 0,1 1 0,-1 0 0,1 0 0,-1 0 0,1 0 0,-1-1 0,0 1 0,1 0 0,-1 0 0,5 0 0,2 0 0,1 0 0,2 1 0,1-1 0,1 1 0,1-1 0,1 1 0,1-1 0,0 1 0,1 0 0,-1-1 0,1 1 0,0 0 0,0-1 0,-1 1 0,0 0 0,-2-1 0,0 1 0,-1-1 0,-1 1 0,-2-1 0,-1 0 0,-1 0 0,-3 0 0,-2 0 0,-1 0 0,-3 0 0,-3-1 0,-2 1 0,-3-1 0,-3 0 0,-3 0 0,-3-1 0,-3 1 0,-4-1 0,-4 0 0,-4 0 0,-4 0 0,-4-1 0,10 0 0,6 2 0,1-4 0,14-24 0,-15 23 0,1-1 0,19-22 0,-7 26 0,7 0 0,-26 0 0,13 0 0,-13 0 0,17 0 0,0 0 0,0 0 0,0 0 0,9 0 0,-6-17 0,6 13 0,-27-14 0,32 18 0,-27 0 0,1 0 0,2 0 0,11 0 0,7 0 0,-5 0 0,6 0 0,-9 0 0,0 0 0,-17 0 0,13 0 0,-13 0 0,17 0 0,0 0 0,9 0 0,-7 0 0,7 0 0,-9 0 0,1 0 0,-1 0 0,0 0 0,0 0-729,-7 0 0,1 0 729,-2 0 0,2 0 0,18 0 0,2 0 0,-12 0 0,1 0-692,-2 1 0,2 0 0,-2-3 692,2-6 0,1-1 0,-4 6 0,3 3 0,-1-2-578,15-7 0,-3 1 578,-18 7 0,-3 2 0,4-4 0,-11 6 0,-25 14 1210,-17-12-1210,12 12 2083,-12-17-2083,34 0 1397,5 0-1397,17 0 0,-11 1 0,1-2-825,14-16 825,-2 14 0,1 1 0,-10-7 0,-1 1-1710,13 7 0,-1 2 1710,-11 0 0,-3-2 0,0-8 0,-1 0-216,5 7 0,-1 0 216,14-15 0,-5 15 0,1 4 0,1-2 0,-6 0 0,0 0 0,7 0 0,-16 0 0,1 0 0,19 0 0,-7 0 0,7 0 0,-9 0 0,0 0 0,-12 0 0,3 0 0,4 0 0,1 0-552,5 0 1,1 0 551,2 0 0,1 0-2042,3 0 0,2 0 2042,5 0 0,1 0 0,-16 0 0,1 1 0,1-2 289,1-4 0,1-2 0,-2 1-289,6 4 0,-3 0-227,4-7 0,-2 0 227,-11 9 0,0 0 0,4 0 0,0 0 0,0 1 0,1-2 0,12-7 0,0-1 0,-18 7 0,0 0 0,16-7 0,0 0 0,-20 9 0,1 0 0,12 0 0,1 0 0,-13 0 0,1 0 0,10 0 0,-1 0 403,2 0-403,-6-8 0,0-1 0,7 5 0,-11-6 0,-1 2 0,10 8 0,5 0 0,-19 0 0,1 0 0,1 0 0,1 0 1755,11 0 1,3 0-1756,4 0 0,0 0 890,-2 0 1,-2 0-891,-14 0 0,-1 0 0,22 0 0,-30 0 0,17 0 0,-7 0 0,1 0 58,-2 0 0,1 0-58,11 1 0,1-2 0,-4-7 0,-1-1 0,4 6 0,1 1 0,-4-7 0,0 1 0,5 7 0,-2 2 0,-12-1 0,-1 0 0,-1 0 0,-2 0 601,12 0-601,9 0 0,-18 0 0,-1 0 0,23 0 0,-22 0 0,-3 0 1810,-5 0-1810,13 0 0,-14 0 0,1 0 0,-4 0 1199,-1 0-1199,-13 0 30,40 0-30,-38 0 0,21 0 0,-10 0 0,-13 0 0,14 0 0,-1 0 0,-12 0 0,29 0 0,-12 0 0,0 0 0,-5 0 0</inkml:trace>
+  <inkml:trace contextRef="#ctx0" brushRef="#br0" timeOffset="149609">4527 13738 24575,'55'-1'0,"0"-1"0,0 0 0,0 1 0,0-1 0,0 0 0,0 0 0,1 1 0,-1-1 0,0 0 0,0 1 0,0-1 0,0 0 0,0 1 0,0-1 0,0 0 0,0 1 0,0-1 0,0 0 0,0 1 0,0-1 0,0 0 0,0 1 0,0-1 0,0 0 0,0 0 0,0 1 0,0-1 0,0 0 0,0 1 0,0-1 0,0 0 0,0 1 0,0-1 0,0 0 0,0 1 0,0-1 0,0 0 0,0 1 0,0-1 0,0 0 0,0 1 0,0-1 0,0 0 0,0 0 0,0 1 0,0-1 0,1 0 0,-1 1 0,0-1 0,0 0 0,0 1 0,0-1 0,0 0 0,0 1 0,0-1 0,0 0 0,0 1 0,0-1 0,0 0 0,0 1 0,0-1 0,0 0 0,0 1 0,0-1 0,0 0 0,0 0 0,0 1 0,0-1 0,0 0 0,0 1 0,0-1 0,0 0 0,0 1 0,0-1 0,0 0 0,0 1 0,0-1 0,0 0 0,0 1 0,0-1 0,0 0 0,0 1 0,0-1 0,0 0 0,0 0 0,0 1 0,0-1 0,1 0 0,-1 1 0,0-1 0,0 0 0,0 1 0,0-1 0,0 0 0,0 1 0,0-1 0,3 0 0,2 0 0,0 1 0,1-1 0,1 0 0,0 0 0,1 1 0,1-1 0,0 0 0,1 0 0,0 0 0,1 1 0,0-1 0,1 0 0,0 0 0,0 1 0,0-1 0,1 0 0,0 0 0,1 0 0,-1 1 0,0-1 0,1 0 0,0 0 0,-1 1 0,1-1 0,-1 0 0,0 0 0,1 1 0,-1-1 0,0 0 0,-1 0 0,0 1 0,0-1 0,0 0 0,-1 0 0,0 1 0,-1-1 0,0 0 0,-1 1 0,-1-1 0,0 0 0,-1 1 0,0-1 0,-1 0 0,-1 0 0,-1 1 0,0-1 0,-2 0 0,0 1 0,-1-1 0,-2 0 0,0 1 0,-2-1 0,0 1 0,-2-1 0,-1 0 0,-1 1 0,-1-1 0,-1 1 0,-2-1 0,-1 0 0,-2 1 0,-1-1 0,-2 1 0,-1-1 0,-1 1 0,-2-1 0,-2 1 0,-1-1 0,-3 1 0,0-1 0,-3 1 0,-1-1 0,-2 1 0,-2-1 0,-2 1 0,-2-1-2311,48-7 1,-19 1 2310,-6 6 0,0 2 0,2-2-1920,9-9 0,2-3 1,-1 4 1919,-9 7 0,-1 3 0,0-2 0,1-3 0,0-1 0,0 0-63,5 0 1,0 1 0,-1-2 62,-5 0 0,-1 0 0,3 0 0,2 1 0,3 1 0,2 0 0,-2-1-599,-2-3 0,-1-1 0,-1 1 1,2 2 598,2 4 0,2 3 0,-1 0 0,0-1 0,0-3 0,0-1 0,-1 0 0,0 1 0,-3 3 0,0 1 0,-1 1 0,0-1-452,1 1 1,-1 0 0,0-1 0,0-2 451,0-3 0,-1-2 0,0-1 0,1 2 0,-1 3 0,-1 2 0,2 1 0,3-2 0,-3-2 0,3 0 0,1-1 0,2 0 0,1 0 0,1 2 0,-4 0 0,0 0 0,2 1 0,1 0 0,0 0 0,1 0 0,1 0 0,-1 0-119,-1 0 0,1 0 1,1-1-1,1 1 0,-1-1 1,0 1-1,-1-1 1,-1 1-1,-1-1 119,4 0 0,-1 0 0,0 0 0,-2 0 0,-1 0 0,-1 0 0,-2 0 168,6 0 0,1 0 0,-3 0 0,-8 0 0,-9-3-168,5-11 2717,-22 12-2717,1-12 4063,4 17-4063,17 0 0,-7 0 0,1 0 2290,-2 0 0,1 0-2290,19 0 0,3 0-1623,0-1 1,1 2 1622,-16 4 0,1 2 0,1-2 0,0-3 0,2-1 0,-1 1-752,0 3 1,0 1 0,0 0 751,3 0 0,1 0 0,0 0 0,6 0 0,1 0 0,-1 3-808,1 6 1,0 2 0,0-1 807,-12-5 0,0-1 0,1 0 0,0 1 0,3 0 0,1 1 0,0 0 0,-1 0 0,-2 2 0,-1 1 0,1 0 0,2-2-486,-3-3 1,1-2 0,2-1 0,0 2-1,-1 1 486,3 3 0,-1 3 0,1 0 0,0-1 0,2-1-98,2-4 1,2-1-1,0-2 1,2 1 0,0 1 97,-9 0 0,0 0 0,1 1 0,0 0 0,1 0 0,0-1 0,-1 0 170,1-2 1,1-1-1,0 0 1,0 0-1,0-1 1,-2 1-1,0-1-170,1 1 0,-1-1 0,0 0 0,-1 0 0,-1 0 0,-2-1 489,14 2 0,-1-1 0,-4-1 0,-8-1-489,-1-3 0,-9 0 4537,-8 0-4537,-9 0 0,22 0 0,-1 0 0,3 0 2028,3 0 0,3 0-2028,-5 0 0,3 0 0,1 0-1411,5 0 0,2 0 0,0 0 1411,1 0 0,1 0 0,-1 0 0,2 0 0,0 0 0,-2 0 0,-11 0 0,-1 0 0,-1 0 0,-2 0 0,-1 0 0,0 0-781,17 0 1,-1 0 780,1-1 0,-1 2 0,-15 3 0,0 2 0,-1 1 0,8 4 0,-1 0 0,3-1 0,0 2-429,-3 5 1,-3 1 428,-10-7 0,-1-1 0,3 0 0,-3 2 0,9 23 0,-13-24 0,2 0 0,1 11 0,1 4 177,12 3 1,1 1-178,-2-5 0,-3 2 0,-4 9 0,0 2 0,3-8 0,-2 1 0,-14-2 0,-1 3 0,12 10 0,0-1 0,-12-18 0,-1-1 0,5 10 0,-2 2 1557,-12-5 1,0-2-1558,7-5 0,-2 0 0,-13 6 0,-1 0 0,15-3 0,1-2 1901,-14 19-1901,13 6 1271,-17-27-1271,0 14 0,0-13 2093,0 17-2093,0 0 0,0 1 0,0-1 0,0 9 0,0-7-363,2-9 0,-4 1 363,-6-2 0,-1-1 0,8 9 0,-2 1 0,-15-5 0,1-1 0,15-4 0,-1-1 0,-13 4 0,-2 0 0,6-3 0,2 1 0,0 8 0,-2 0 0,-10-8 0,1-1 0,8 3 0,2-1-200,-20 10 200,14 6 0,17-27 0,-18 14 0,14-30 0,-14 29 0,1-12 1355,13 17-1355,-31-17 215,30 13-215,-29-31 0,29 40 0,-12-38 0,-1 38 0,14-40 0,-31 31 0,31-31 0,-16 14 0,-4-1 0,0-12 0,-6 30 0,-5-14 0,13 1 0,1-4 0,-14-1 0,13-13 0,-5 14 0,-3-1 0,-13-13-371,11 14 0,-2-1 371,5-14 0,0-1 0,-6 5 0,0 3 0,5 4 0,-1-2 0,-6-9 0,0 1 0,11 8 0,0 2 0,-11-4 0,-3-3-835,-3-4 1,-1-1 834,3 7 0,0-1 0,-12-7 0,1-2 0,11 1 0,1 0 0,-3 0 0,-1 0 0,4-1 0,2 2 0,8 8 0,-1 0 0,-18-7 0,-2 0-1132,9 7 0,-1-1 1132,2-6 0,-2-3 0,1 0 0,-13 1 0,1 0 0,15 0 0,1 0 0,-1 0 0,-15 0 0,-1 0 0,1 0 0,0 0 0,15 0 0,0 0 0,1 0 0,-8 1 0,1-2 0,-3-7 0,0-1-654,4 7 1,1 0 653,3-7 0,-1 0 0,-11 9 0,0 0 0,6-8 0,0-1 0,-2 6 0,-2 1 0,-3-7 0,2 1 0,9 8 0,1 0 0,-11-13 0,-1 0 0,13 10 0,0-1 0,-3-9 0,-1 0 0,-3 11 0,-2 4 0,-5-1 0,-1-2-671,4-7 0,0-1 671,10 7 0,-1 3 0,3-5 0,-7-12 0,0-3 0,8 12 0,-1 1 0,1-2 607,-8-12 1,0 1-608,-4 8 0,5 0 0,21-8 0,4 3 2059,-15 12-2059,9-14 1481,19 18-1481,-19 0 2569,26 0-2569,0 0 0,0-17 0,-17 12 0,-5-12 0,-4 15 0,-4 4 0,0-3 0,-1 2-1657,-19 6 0,-5 3 1657,12-3 0,-3 0 0,-2 1-1422,-2 1 1,-3 1-1,-2 0 1,-1 0 1421,8-2 0,0 0 0,-2-1 0,-1 1 0,-2 1-544,6-2 1,-1 1 0,-2 0 0,-1 0-1,0 1 1,1-1 0,1 0 543,-6 1 0,1-1 0,0 1 0,0 0 0,0-1 0,0 1-424,1 1 0,1 1 0,-1-1 1,1 0-1,-1 0 0,1-2 424,-1-1 0,1-2 0,0 0 0,0-1 0,0 1 0,1 0-173,4 0 0,1 2 0,0 0 0,0-1 0,0-1 0,-2 0 173,-2-3 0,0-2 0,-2 0 0,1 0 0,-1 0 0,0 2 0,-2 2 0,-1 2 0,-1 1 0,1 0 0,0-1 0,2-1 0,5-3 0,0-1 0,2-1 0,0 0 0,-1 0 0,1 1 0,-3 1 0,0 2 0,0-1 0,0 1 0,1-1 0,2-2 0,-2 0 0,2 0 0,0-2 0,2 1 0,-1-1 268,-6 1 0,1 0 1,2 0-1,1 0-268,-1 0 0,3 0 0,1 0 0,3 0 0,1 0 0,-1 0 0,-1 0 0,0 0 0,0 0 520,0 0 1,1 0 0,0 0-521,-1 0 0,-1 0 0,1 0 0,2 0 0,-1 0 0,1 0 442,0 0 0,1 0 1,-2 0-443,0 0 0,-3 0 0,-1 0 0,1 0 169,-1 0 0,1 0 0,-1-1 0,-2 2-169,3 2 0,-1 1 0,-2 0 0,0 0 0,-1-1-303,3-2 1,0 0 0,-2-2 0,0 2 0,-1-1 0,-1 2 302,1 2 0,-2 1 0,0 1 0,-1 0 0,-1-1 0,0 0 0,0-1-201,3-2 0,0-1 1,0 0-1,-1-1 0,0-1 1,-1 1-1,1 1 0,0-1 201,-1 2 0,0 0 0,0 1 0,-1-1 0,1 1 0,-1-1 0,0 0 0,0 0-98,3-1 1,-1-1 0,0 0 0,0 0 0,-1 0-1,1 0 1,-1-1 0,1 1 0,0 0 97,-5 0 0,0 0 0,0 0 0,1 0 0,-1 0 0,0 0 0,0 0 0,-1 0-39,5 0 1,0 0 0,-1 0 0,0 0 0,0 0 0,1 0 0,-1 0-1,1 0 1,0 0 38,-5 0 0,1 0 0,-1 0 0,1 0 0,1 0 0,-1 0 0,1 0 0,1 0 0,3 0 0,0 0 0,1 0 0,0 0 0,0 0 0,1 0 0,-1 0 0,1 0 0,-7 0 0,0-1 0,1 1 0,-1 0 0,1 0 0,0 0 0,0 1 0,0 0 0,0 1 0,1 1 0,-1 0 0,1-1 0,1 1 0,-1 0 0,4 0 0,0 0 0,0 0 0,1 0 0,0 1 0,0-1 0,2 0 30,-3 1 0,0-1 0,1 1 0,1 0 0,0-1 0,2 1-30,-4-1 0,2 0 0,1 0 0,0 1 0,3 0 224,-3 3 1,1 0 0,2 0 0,0-2-225,-7-2 0,2-2 0,-2 2 0,-4 5 0,0 3 0,1-4 0,10-5 0,2-3 0,1 0 1281,-17 1 1,5 0-1282,21 0 0,5 0 3832,9 0-3832,17 0 0,0 0 0,0 0 0</inkml:trace>
+  <inkml:trace contextRef="#ctx0" brushRef="#br0" timeOffset="152438">5096 13738 24575,'-40'0'0,"1"0"0,-8 0 0,-2 0 0,3 0 0,1 0-1255,4 0 0,1 0 1255,-1 0 0,0 0 0,3 0 0,-3 0-1441,-3 0 1,-5-1 0,-1 2 1440,-4 4 0,0 1 0,-2 1-522,8-2 0,-1 0 0,-1 1 1,1-1 521,4 0 0,1 0 0,0 1 0,1 0 0,-10 5 0,2 2 0,-2-2-441,10-5 1,-2-1 0,1 0 0,4 1 440,-11 5 0,2 0-199,3-6 0,-1 0 0,5 2 199,9 7 0,3-2 1057,-6-10 0,2 3-1057,5 17 0,1-1 3386,-11-16-3386,0 29 0,-9-12-331,27-3 0,1 1 331,-4 0 0,0 0 0,-15 19 1359,-1 0-1359,1 0 0,20-15 0,-1 0 0,0-4 0,1 2 0,0 10 0,-1 1 0,-5-11 0,2-1 0,11 6 0,0 3 0,-20 12 0,3-1 0,20 9-215,-7-18 1,-5 3 0,6-2 214,12-3 0,1 1 0,-14 16 0,-2 2-697,6-4 1,2 1 696,-1 3 0,0 0 0,1-5 0,3-1 0,6-3 0,2-1 0,-1-4 0,0-1 0,0-4 0,0-1 1412,0 5 0,0-2-1412,0 11 0,7-14 0,3-1 0,12 11 0,17 0 0,-12-19 0,3-1 0,3 6 0,3-2 0,13-2 0,0 0-361,-11 3 0,-2 0 361,10-3 0,0-3 0,-10-8 0,-2 2 0,-3 5 0,1 0 333,10-5 0,-2-2-333,4 12 0,-16-3 0,1-3 0,-1-14 0,0 0 0,-2 16 0,0-1 0,4-15 0,-1 0 0,-4 20 0,-2 0 0,16-16 0,-11 16 0,1 0 0,15-18 0,-15 14 0,-2-1 1782,-5-13-1782,13 31 0,-5-30 0,12 12 0,6 1 0,-9-14 355,0 13-355,-17 1 1550,13-14-1550,-14 14 0,19-1 0,7-13 660,-23 31-660,20-31 0,-22 14 0,0-1 0,12-12 0,-12 12 0,17 9 0,1-19 0,-21 15 0,1-1 0,19-16 0,9 12 0,-7 1 0,7-14 0,-26 13 0,13 1 0,-13-14 0,-1 13 0,14-17 0,-31 0 0,14 0 0,-1 0 0,-12 18 0,12-14 0,-17 14 0,18-18 0,-14 0 0,13 0 0</inkml:trace>
+</inkml:ink>
+</file>
+
+<file path=ppt/ink/ink3.xml><?xml version="1.0" encoding="utf-8"?>
+<inkml:ink xmlns:inkml="http://www.w3.org/2003/InkML">
+  <inkml:definitions>
+    <inkml:context xml:id="ctx0">
+      <inkml:inkSource xml:id="inkSrc0">
+        <inkml:traceFormat>
+          <inkml:channel name="X" type="integer" min="-2.14748E9" max="2.14748E9" units="cm"/>
+          <inkml:channel name="Y" type="integer" min="-2.14748E9" max="2.14748E9" units="cm"/>
+          <inkml:channel name="F" type="integer" max="32767" units="dev"/>
+        </inkml:traceFormat>
+        <inkml:channelProperties>
+          <inkml:channelProperty channel="X" name="resolution" value="1000" units="1/cm"/>
+          <inkml:channelProperty channel="Y" name="resolution" value="1000" units="1/cm"/>
+          <inkml:channelProperty channel="F" name="resolution" value="0" units="1/dev"/>
+        </inkml:channelProperties>
+      </inkml:inkSource>
+      <inkml:timestamp xml:id="ts0" timeString="2024-04-04T04:12:17.623"/>
+    </inkml:context>
+    <inkml:brush xml:id="br0">
+      <inkml:brushProperty name="width" value="0.05292" units="cm"/>
+      <inkml:brushProperty name="height" value="0.05292" units="cm"/>
+      <inkml:brushProperty name="color" value="#FF0000"/>
+    </inkml:brush>
+    <inkml:brush xml:id="br1">
+      <inkml:brushProperty name="width" value="0.05292" units="cm"/>
+      <inkml:brushProperty name="height" value="0.05292" units="cm"/>
+      <inkml:brushProperty name="color" value="#00B050"/>
+    </inkml:brush>
+  </inkml:definitions>
+  <inkml:trace contextRef="#ctx0" brushRef="#br0">13896 16149 24575,'32'0'0,"12"0"0,-17 0 0,2 0-1274,3 0 0,2 0 1274,13 0 0,2 0 0,-6 0 0,1 0 0,-6 0 0,2 0 0,-3 0 0,2-1 0,0 2-621,5 4 1,5 2 0,-7-2 620,-7-3 0,-2 1 0,10 6 0,1-1 252,-5-8 1,-4 0-253,9 18 0,-16-16 0,0 0 0,20 15 0,-6-17 0,5 0 0,-7 0 0,-19 0 0,14 0 1139,-30 0-1139,29 0 2166,-29 0-2166,30 0 599,-31 0-599,31 0 0,-31 0 0,14 0 0,8 0 0,-20 0 0,20 0 0,-26 0 0,18 0 0,-14 0 0,14 0 0,-18 0 0,17 0 0,-13 0 0,14 0 0,-18 0 0,17 0 0,-12 0 0,12 0 0</inkml:trace>
+  <inkml:trace contextRef="#ctx0" brushRef="#br1" timeOffset="41749">7683 16776 24575,'21'0'0,"14"0"0,5 0 0,3 0 0,-15 0 0,1 0-517,4 0 0,-1 0 517,14 0 0,-13 0 0,-1 0 0,7 0 339,0 17-339,1-12 0,-1 12 0,9 1 0,-19-16 0,1 0 0,22 15 0,-13-17 0,-4 18 171,-13-14-171,-1 14 0,14-18 0,-30 0 524,29 0-524,-29 0 0,12 0 0,1 0 0,-14 17 0,40-13 0,-38 14 0,20-18 0,-8 0 0,-14 0 0,31 0 0,-31 0 0,14 0 0,-1 0 0,-13 0 0,31 0 0,-30 0 0,29 0 0,-12 0 0,17 0 0,-17 0 0,22 0 0,-20 0 0,24 0 0,-9 0 0,0 0 0,0 0 0,0 0 0,-11 0 0,1 0-632,5 0 0,2 0 632,3 0 0,2 0 0,-2 0 0,3 0 0,-1 0 0,-3 0 0,-1 0 0,1 0-1227,13 0 0,1 0 0,0 0 1227,-5 0 0,-1 0 0,0 0 0,1 0 0,-1 0 0,-1 0 0,11 0 0,-3 0 0,-12 0 0,-4 0 0,2 0 0,-9 0 0,1 0-651,15 0 651,-5 1 0,5-2-669,1-8 0,2 0 669,-9 8 0,3 1 0,0-3-61,3-7 1,1-4 0,2 3 60,-7 9 0,3 2 0,-1 1 0,-1-4 0,5-8 0,-1-3 0,-1 4 0,2 7 0,1 3 0,-2-1 0,-4-5 0,-2-1 0,1 2-755,4 5 0,0 1 0,0-2 755,0-4 0,1-2 0,-1 2-339,-6 3 0,0 1 0,0-1 339,1-3 0,-1-2 0,1 2 0,13 4 0,1 2 0,-16-1 0,1 0 0,0 0 0,2 0 0,0 0 0,1 0 0,-1 0 0,0 0 0,0 0-16,-2 0 1,-1 0 0,2 0 15,5 0 0,2 0 0,1 0 848,5 1 1,2 0 0,0-3-849,-9-3 0,2-3 0,-1 1 0,-3 1 0,3 4 0,-2 1 0,-2-3 0,-3-4 0,-1-3 0,-4 4 0,-6 6 0,-3 2 1114,3 0 0,1-2-1114,-2-7 0,3-1 201,17 6 1,2 2-202,-10-8 0,3 0-94,4 8 1,5 3 0,-2-3 93,-9-4 0,-1-2 0,0 2 0,7 3 0,1 1 0,-2-1 0,-4-3 0,-2-2 0,1 2 0,4 4 0,1 1 0,-2 1 0,-7-1 0,-1 0 0,1 0 0,3 0 0,1 0 0,-3 0 0,1 0 0,0 0-700,13 0 1,-1 0 699,-11 0 0,1 0 0,11 0 0,-2 0 0,-19 0 0,-1 0-203,11 0 1,-1 0 202,-11 0 0,1 0 0,11 0 0,3 0 0,5 0 0,-2 0 0,-11 0 0,0 0-98,17 0 1,1 0 97,-9 0 0,0 0 0,-9 0 0,3 0 0,2 0-313,-2 0 1,3 0 0,0 0 0,1 0 312,4 0 0,0 0 0,2 0 0,2 0-613,0 0 1,3 0-1,0 0 1,2 0-1,-1 0 613,-8 0 0,1 0 0,1 0 0,-1 0 0,-2 0 0,-1 0-269,12 0 1,-3 0 0,-2 0-1,-3 0 269,2 0 0,-3 0 0,-11 0 0,-3 0 550,9 0-550,-15-7 0,5-4 0,7 0 0,5-3 0,2 0-109,3 0 1,2 0 0,2-1 108,-4 1 0,2 0 0,1 0 0,1-1 0,-7 2 0,1 0 0,0 0 0,1 0 0,0 0 0,3 0 0,0 0 0,1 1 0,0-1 0,0 1-252,-6 0 0,1 0 0,0 0 0,0 1 0,0-1 0,-1 1 252,7-1 0,-1 0 0,0 0 0,-1 2 0,-1-1-135,-5 2 1,-2 1 0,1 0 0,-1 1 0,0 0 134,1 2 0,0 1 0,0 0 0,-1 0 0,-1-1 65,5-3 0,-2-2 1,-1 0-1,1 3-65,0 5 0,1 2 0,-1 0 0,1-2 0,4-5 0,1-3 0,-1 0 0,0 2 0,-7 6 0,-1 1 0,0 1 0,4-1 0,1-2 0,4 0 0,1 0 0,1-1 0,-1 0 0,-7-1 0,1 1 0,-1-1 0,1 0 0,1 1 0,2 0 0,0 2 0,1 1 0,2 1 0,0 0 0,0-1 0,0 1 0,-1-2 0,-1-1 0,1-1 0,-1 0 0,0-1 0,-1 1 0,0 0 0,-2 2-203,0 0 1,0 2 0,-2 0 0,0 1 0,-2-1 0,-1 1 202,9-1 0,-1 0 0,-4 0 0,-3 0 259,8 0 1,-2 0-260,-6 0 0,2 0 0,1 0 0,-1 0 0,0 0 0,4 0 9,-5 0 1,3 0 0,3 0 0,0 0-1,-2 0-9,-4 0 0,0 0 0,0 0 0,1 0 0,1 0 0,-2 0 0,3 0 0,0 0 0,0 0 0,0 0 0,-2 0 0,5 0 0,-2 0 0,0 0 0,0 0 0,-1 0 0,-2 0 0,0 0 0,0 0 0,0 0 0,0 0 126,1 0 1,1 0-1,0 0 1,-2 0-1,-3 0-126,11 0 0,-3 0 0,0 0-2,-7 0 0,2 0 1,-2 0-1,-3 0 2,14 0 0,-3 0 1056,-4 0 1,0 0-1057,-4 0 0,-3 0 0,-11-2 0,-1 4 1717,7 10 1,0 2-1718,15-8 0,-22 8 0,-1-1 0,19-13 3774,-9 0-3774,0 0 2862,0 17-2862,1-13 1575,-1 14-1575,0-18 0,-7 0 0,1 0-1094,13 0 1094,-14 0 0,1 0 0,-5 0 0,1 0 0,14 0 0,1 0 0,-2 0 0,1 0 0,9 0 0,1 0 0,-5 0 0,-1 0 0,-1 0 0,0 0 0,3 0 0,0 0 0,-5 0 0,-1 0 0,-4 0 0,0 0 0,6 0 0,-3 0 0,-9 0 0,-2 0-278,2 0 1,-1 0 277,-3 0 0,-1 0 0,15 0 0,-7 0 0,2 0 0,-3 0 0,0 0 0,5 0 0,0 0 0,-5 0 0,0 0 0,2 0 0,0 0-667,-7 0 1,1 0 666,13 0 0,-1 0 0,-11 0 0,-1 0-263,12 0 0,-3 0 263,4 0 0,-7 0 0,0 0 0,6 0 0,-10 0 0,0 0 0,8 0 0,7-18 1624,-9 14-1624,0-13 0,-11 15 0,1 4 0,14-2 0,-10 0 0,0 0 0,8 0 0,7-27 0,-9 21 0,0-20 0,1 26 573,-1 0-573,0-18 0,0 14 0,9-13 0,-6-1 0,5 14 1467,-25-14-1467,13 1 0,-31 13 646,31-14-646,-13 1 0,17-5 0,0-17-526,-13 20 0,-4-1 526,-10-13 0,0 0 0,18 11 0,1-2 0,-8-25 0,-2-2 0,0 27 0,1 0 0,8-13 0,-7 0-362,-19-2 362,13 15 0,1 0 0,-14-17 0,14 17 0,-1 0 0,-13-15 0,31 0 0,-30-1 0,16 22 0,1-3 0,-18-11 0,-1-1 0,18 10 0,1 0 0,-18-18 0,-3-1 0,16-1 0,-7 15 0,-3-1 0,-5 0 0,1 2 0,14-17 0,-15 11 0,-4 1 0,2-10 0,0-6 0,0 27 0,0-14 0,0 13 0,0 0 1118,0-13-1118,-17 31 0,-5-31 0,0 13 0,-21 1 0,19-23-261,-24 20 261,28 1 0,1-2 0,-21-14 0,1 0 0,0 17 0,0-13 0,6 24 0,1 0 0,8-7 0,2-3 0,-10 2 0,-2-1 0,5-3 0,2-2 0,6 4 0,-2 1-735,-12-5 1,-4 2 734,4 3 0,1 1 0,3-2 0,-2 2-428,-9 9 1,2-1 427,18-7 0,0 1 0,-15 5 0,0 2 0,-7-12 0,12 5 0,-1-1 0,4 3 0,-1 0 0,-5 4 0,1-2 0,3-9 0,1 0 0,-7 10 0,0 3 0,1-2 0,2 0 0,3 2 0,-1 0 0,-10 0 0,1 1 0,10 7 0,1-2 0,-8-15 0,-2 1-914,-12 13 0,-1 4 914,12-9 0,-3 0-682,-3 2 1,-5 1 0,3 2 681,-4 1 0,-1 1 0,3-3 0,-4-2 0,0 2 0,6 4 0,0 3 0,-1-3-603,-2-4 0,-2-2 1,1 1 602,1 5 0,-1 0 0,1-1 0,6-3 0,1-2 0,-1 2 0,-1 3 0,-1 3 0,0 0 0,-1-1 0,0 0 0,-1 0 0,5 0 0,-2 0 0,0 0 0,0 0-671,0 0 0,1 0 0,-2 0 1,0 0 670,-4 0 0,-2 0 0,0 0 0,1 0-510,-1 0 1,0 0 0,1 0 0,-2 0 509,8 0 0,-1 0 0,0 0 0,1 0 0,2 0 332,-4 0 1,2 0 0,1 0 0,3 0-333,-3 0 0,3 0 0,5 0 2069,-14 0-2069,52 0 3746,0 0-3746,-26 0 0,-10 0 0,-4 0 1877,2 0 1,-3 0-1878,-3 0 0,-4 0 0,1 0-1095,7 0 1,1 0 0,-2 0 1094,-8 0 0,-3 0 0,-4 0-976,13 0 0,-4 0 0,-1 0 0,-1 0 1,-1 0 975,3 0 0,-2 0 0,0 0 0,-1 0 0,-1 0 0,-1 0-467,0 0 1,-1 0 0,-1 0 0,-1 0 0,0 0 0,1 0 0,0 0 466,2 0 0,1 0 0,0 0 0,1 0 0,-2 0 0,1 0 0,-1 0-198,3 0 1,1 0 0,-1 0 0,0 0-1,0 0 1,-2 0 0,0 0 0,-2 0 197,3 0 0,-1 0 0,-3 0 0,0 0 0,0 0 0,0 0 0,0 0 0,1 0 0,2 0 0,1 0-131,-7 0 1,2 0 0,2 0-1,0 0 1,0 0 0,-2 0-1,-2 0 131,7 0 0,-1 0 0,-3 0 0,-1 0 0,0 0 0,1 0 0,0 0 0,1 0 0,2 0 0,3 0 0,-11 0 0,2 0 0,3 0 0,0 0 0,0 0 0,-1 0 0,5 0 0,-1 0 0,0 0 0,0 0 0,-1 0 0,0 0 0,0 0 0,4 0 0,-1 0 0,0 0 0,0 0 0,0 0 0,0 0 0,0 0 0,1 0 0,-4 0 0,2 0 0,-1 0 0,1 0 0,-1 0 0,1 0 0,-1 0 0,-1 0 0,-1 0 0,-1 1 0,1-1 0,0 0 0,1 0 0,1-1 0,-4-1 0,1-1 0,0-1 0,1 1 0,1 0 0,0 0 0,3 2 0,1 1 0,0 0 0,1 0 0,0-1 0,1-1 0,-6-3 0,0-2 0,2 0 0,1-1 0,3 0 361,-11-2 1,3 0 0,2 0-362,4 2 0,1 1 0,7-2 2566,-19-17-2566,59 26 3837,7 0-3837,19 0 5738,-26 0-5738,17 0 3158,-56 0-3158,11 0 0,-20 0 0,-9 0-1512,8 0 0,-2 0 1512,10 0 0,-1 0 0,-1 0-1228,-2 0 0,0 0 1,-2 0 1227,5 0 0,-1-1 0,-1 2 0,-2-1-1141,-3 0 0,-2 0 1,-1 0-1,-2 0 1141,8 0 0,-2 0 0,-1 0 0,0 0 0,-1 0 0,2 0-610,-8 0 0,1 0 0,0 0 0,0 0 0,-1 0 610,8 0 0,-1 0 0,0 0 0,1-1 0,-1 2 0,1-1-266,-8 0 1,1 0-1,0 0 1,0 0 0,-1 0 265,6 0 0,-1 0 0,0 0 0,-1 0 0,-1 0 0,-1 0-93,7-1 1,-1 1 0,-1-1 0,0 1 0,-1 0 0,0 0 0,-1 0 0,0 2 92,3-1 0,-1 2 0,-1 0 0,1 0 0,-1 1 0,-1-1 0,1 1 0,1-2 0,-1 1 0,-5-2 0,0 0 0,0-1 0,1 0 0,-1 0 0,1 0 0,0 2 0,1 0 0,2 2 0,2 1 0,0 1 0,0 1 0,0 0 0,0-1 0,-2-1 0,-1-1 0,3-2 0,-2-1 0,-2-1 0,0 0 0,-1-1 0,1 1 0,0-1 0,1 1 0,2 1 0,2 1 0,-6 2 0,3 1 0,1 1 0,1-1 0,0 1 0,-2-1 0,-2-1 0,1-2 0,-3-1 0,-2 0 0,-1-2 0,1 1 0,-1 0 0,3 0 0,2 0 0,3 1 0,-2 2 0,2 0 0,2 0 0,2 1 0,0-1 0,-1-1 303,-10-1 1,0-1-1,1-1 1,2 1-1,3 0-303,-8 0 0,5 0 0,4 0 0,-7 0 0,14 0 0,26 0 2781,17 0-2781,-18 0 0,-19 0 0,-9 0 685,-4 0 1,-6 0-686,8-1 0,-4 1 0,-3-1 0,1 3 93,1 1 0,1 2 0,-1 0 0,-1-1-93,7-3 0,-2 0 0,-1-2 0,0 2 0,0 1-548,-3 4 0,0 1 0,0 1 0,-2 0 0,-1-2 548,5-1 0,0-2 0,-1 1 0,-2-1 0,-1 0 0,-2 1-273,8 0 1,-2 0 0,-2 1 0,-1-1 0,-1 1-1,0 0 1,2-1 0,1 1 0,2-2 272,-3 1 0,2-1 0,2 1 0,0-1 0,0 0 0,-1-1 0,-2 1-78,3-1 1,-2 1 0,-1-1 0,-2 0 0,1 1 0,1-2 0,2 1-1,3-1 1,4 0 77,-16 0 0,6-1 0,2 0 0,-2-1 70,7 1 0,-1-1 0,0 1 1,1 0-1,2 1-70,-2 3 0,2 1 0,1 0 0,-1-1 189,0-2 1,1-2-1,-1 0 1,1 2-190,-10 4 0,0 1 0,0-2 0,-3-5 0,0-1 0,3 2 0,8 4 0,2 2 0,0-2 0,-2-3 0,0-2 0,2 2 838,-3 6 1,1 2-839,5-1 0,-2 1 0,2-3 0,-12-5 0,1 3 0,15 7 0,0 5 0,-1-3 0,-3-6 0,-2-2 0,2 2 0,-3 11 0,2 1 1377,-3-9 1,0 0-1378,6 7 0,2-1 0,-7-13 0,15 12 0,-1 3 3239,-19 3-3239,24-1 0,3-3 0,-1-1 0,-17 14 0,-5-7 0,24-2 0,1-1 0,-16 1 3699,31 0-3699,-31 13 2327,30-31-2327,-29 31 0,29-13 0,-30 17 0,31 0 0,-17-20 0,-1 1 0,15 28-711,-15-19 0,0 1 711,18 22 0,-4-23 0,-1-1 0,-9 11 0,14 0 0,-14 0 0,18 9 0,2-18 0,-4-1 0,-15 6 0,16 3 0,-2-6 0,-15-24 0,18 45 0,0-32 0,0 19 0,0-1 0,0 9 0,0-7 2844,0-10-2844,0 3 0,0-12 0,0 17 0,0-17 0,0 13 0,18-31 0,-14 31 0,13-13 0,1 26 0,-14-24 0,14 19 0,-1-38 0,-13 30 0,14-31 0,8 31 0,-19-31 0,15 13 0,-1 1 0,-17-14 0,31 31 0,-13-13 0,17 17 0,-17-17 0,13-5 0,-31 1 0,31-14 0,-31 40 0,31-20 0,-13 6 0,0 5 0,21-31 0,-19 31 0,7-30 0,4 29 0,-31-29 0,31 12 0,-13 1 0,17-14 0,0 13 0,0 1 0,9-14 0,-19 5 0,1 0 0,22-9 0,-23 0 0,-1 0 0,11 0 0,0 17 0,0-13 0,1 14 0,8-18 0,-25 0 0,21 26 0,-40-20 0,31 21 0,-30-27 0,29 0 0,-29 0 0,30 17 0,-14-13 0,1 14 0,13-1 0,-13-13 0,0 14 0,21-18 0,-36 17 0,36-12 0,-38 12 0,29 1 0,-29-14 0,30 13 0,-31-17 0,31 0 0,-31 18 0,31-14 0,-31 14 0,14-18 0,-1 17 0,-12-13 0,29 14 0,-12-1 0,0-13 0,21 14 0,-36-1 0,37-12 0,-40 12 0,31-17 0,-31 26 0,31-19 0,-31 19 0,14-9 0,-1-12 0,-12 12 0,29 1 0,-29-14 0,30 31 0,-31-31 0,13 13 0,1-17 0,-14 18 0,14-14 0,8 14 0,-20-1 0,38-13 0,-40 31 0,31-30 0,-31 30 0,31-31 0,-31 39 0,14-36 0,-1 19 0,-12-9 0,30-12 0,-31 12 0,31-17 0,-13 18 0,10-8 0,1 1 0,-5 11 0,16-4 0</inkml:trace>
+</inkml:ink>
 </file>
 
 <file path=ppt/notesMasters/notesMaster1.xml><?xml version="1.0" encoding="utf-8"?>
@@ -641,7 +737,7 @@
     </p:spTree>
     <p:extLst>
       <p:ext uri="{BB962C8B-B14F-4D97-AF65-F5344CB8AC3E}">
-        <p14:creationId xmlns:p14="http://schemas.microsoft.com/office/powerpoint/2010/main" val="1957312391"/>
+        <p14:creationId xmlns:p14="http://schemas.microsoft.com/office/powerpoint/2010/main" val="405618044"/>
       </p:ext>
     </p:extLst>
   </p:cSld>
@@ -717,6 +813,90 @@
             <a:fld id="{FE90CCE9-4AAE-4E1F-85AD-521A406D6524}" type="slidenum">
               <a:rPr lang="en-PH" smtClean="0"/>
               <a:t>11</a:t>
+            </a:fld>
+            <a:endParaRPr lang="en-PH"/>
+          </a:p>
+        </p:txBody>
+      </p:sp>
+    </p:spTree>
+    <p:extLst>
+      <p:ext uri="{BB962C8B-B14F-4D97-AF65-F5344CB8AC3E}">
+        <p14:creationId xmlns:p14="http://schemas.microsoft.com/office/powerpoint/2010/main" val="1957312391"/>
+      </p:ext>
+    </p:extLst>
+  </p:cSld>
+  <p:clrMapOvr>
+    <a:masterClrMapping/>
+  </p:clrMapOvr>
+</p:notes>
+</file>
+
+<file path=ppt/notesSlides/notesSlide12.xml><?xml version="1.0" encoding="utf-8"?>
+<p:notes xmlns:a="http://schemas.openxmlformats.org/drawingml/2006/main" xmlns:r="http://schemas.openxmlformats.org/officeDocument/2006/relationships" xmlns:p="http://schemas.openxmlformats.org/presentationml/2006/main">
+  <p:cSld>
+    <p:spTree>
+      <p:nvGrpSpPr>
+        <p:cNvPr id="1" name=""/>
+        <p:cNvGrpSpPr/>
+        <p:nvPr/>
+      </p:nvGrpSpPr>
+      <p:grpSpPr>
+        <a:xfrm>
+          <a:off x="0" y="0"/>
+          <a:ext cx="0" cy="0"/>
+          <a:chOff x="0" y="0"/>
+          <a:chExt cx="0" cy="0"/>
+        </a:xfrm>
+      </p:grpSpPr>
+      <p:sp>
+        <p:nvSpPr>
+          <p:cNvPr id="2" name="Slide Image Placeholder 1"/>
+          <p:cNvSpPr>
+            <a:spLocks noGrp="1" noRot="1" noChangeAspect="1"/>
+          </p:cNvSpPr>
+          <p:nvPr>
+            <p:ph type="sldImg"/>
+          </p:nvPr>
+        </p:nvSpPr>
+        <p:spPr/>
+      </p:sp>
+      <p:sp>
+        <p:nvSpPr>
+          <p:cNvPr id="3" name="Notes Placeholder 2"/>
+          <p:cNvSpPr>
+            <a:spLocks noGrp="1"/>
+          </p:cNvSpPr>
+          <p:nvPr>
+            <p:ph type="body" idx="1"/>
+          </p:nvPr>
+        </p:nvSpPr>
+        <p:spPr/>
+        <p:txBody>
+          <a:bodyPr/>
+          <a:lstStyle/>
+          <a:p>
+            <a:endParaRPr lang="en-PH" dirty="0"/>
+          </a:p>
+        </p:txBody>
+      </p:sp>
+      <p:sp>
+        <p:nvSpPr>
+          <p:cNvPr id="4" name="Slide Number Placeholder 3"/>
+          <p:cNvSpPr>
+            <a:spLocks noGrp="1"/>
+          </p:cNvSpPr>
+          <p:nvPr>
+            <p:ph type="sldNum" sz="quarter" idx="5"/>
+          </p:nvPr>
+        </p:nvSpPr>
+        <p:spPr/>
+        <p:txBody>
+          <a:bodyPr/>
+          <a:lstStyle/>
+          <a:p>
+            <a:fld id="{FE90CCE9-4AAE-4E1F-85AD-521A406D6524}" type="slidenum">
+              <a:rPr lang="en-PH" smtClean="0"/>
+              <a:t>12</a:t>
             </a:fld>
             <a:endParaRPr lang="en-PH"/>
           </a:p>
@@ -893,7 +1073,7 @@
     </p:spTree>
     <p:extLst>
       <p:ext uri="{BB962C8B-B14F-4D97-AF65-F5344CB8AC3E}">
-        <p14:creationId xmlns:p14="http://schemas.microsoft.com/office/powerpoint/2010/main" val="1414162635"/>
+        <p14:creationId xmlns:p14="http://schemas.microsoft.com/office/powerpoint/2010/main" val="3222616378"/>
       </p:ext>
     </p:extLst>
   </p:cSld>
@@ -977,7 +1157,7 @@
     </p:spTree>
     <p:extLst>
       <p:ext uri="{BB962C8B-B14F-4D97-AF65-F5344CB8AC3E}">
-        <p14:creationId xmlns:p14="http://schemas.microsoft.com/office/powerpoint/2010/main" val="2014738523"/>
+        <p14:creationId xmlns:p14="http://schemas.microsoft.com/office/powerpoint/2010/main" val="1414162635"/>
       </p:ext>
     </p:extLst>
   </p:cSld>
@@ -1061,7 +1241,7 @@
     </p:spTree>
     <p:extLst>
       <p:ext uri="{BB962C8B-B14F-4D97-AF65-F5344CB8AC3E}">
-        <p14:creationId xmlns:p14="http://schemas.microsoft.com/office/powerpoint/2010/main" val="771997237"/>
+        <p14:creationId xmlns:p14="http://schemas.microsoft.com/office/powerpoint/2010/main" val="2014738523"/>
       </p:ext>
     </p:extLst>
   </p:cSld>
@@ -1145,7 +1325,7 @@
     </p:spTree>
     <p:extLst>
       <p:ext uri="{BB962C8B-B14F-4D97-AF65-F5344CB8AC3E}">
-        <p14:creationId xmlns:p14="http://schemas.microsoft.com/office/powerpoint/2010/main" val="3542072802"/>
+        <p14:creationId xmlns:p14="http://schemas.microsoft.com/office/powerpoint/2010/main" val="771997237"/>
       </p:ext>
     </p:extLst>
   </p:cSld>
@@ -1229,7 +1409,7 @@
     </p:spTree>
     <p:extLst>
       <p:ext uri="{BB962C8B-B14F-4D97-AF65-F5344CB8AC3E}">
-        <p14:creationId xmlns:p14="http://schemas.microsoft.com/office/powerpoint/2010/main" val="2644407270"/>
+        <p14:creationId xmlns:p14="http://schemas.microsoft.com/office/powerpoint/2010/main" val="3542072802"/>
       </p:ext>
     </p:extLst>
   </p:cSld>
@@ -1313,7 +1493,7 @@
     </p:spTree>
     <p:extLst>
       <p:ext uri="{BB962C8B-B14F-4D97-AF65-F5344CB8AC3E}">
-        <p14:creationId xmlns:p14="http://schemas.microsoft.com/office/powerpoint/2010/main" val="1657467082"/>
+        <p14:creationId xmlns:p14="http://schemas.microsoft.com/office/powerpoint/2010/main" val="2644407270"/>
       </p:ext>
     </p:extLst>
   </p:cSld>
@@ -1397,7 +1577,7 @@
     </p:spTree>
     <p:extLst>
       <p:ext uri="{BB962C8B-B14F-4D97-AF65-F5344CB8AC3E}">
-        <p14:creationId xmlns:p14="http://schemas.microsoft.com/office/powerpoint/2010/main" val="405618044"/>
+        <p14:creationId xmlns:p14="http://schemas.microsoft.com/office/powerpoint/2010/main" val="1657467082"/>
       </p:ext>
     </p:extLst>
   </p:cSld>
@@ -4814,6 +4994,2564 @@
 </file>
 
 <file path=ppt/slides/slide10.xml><?xml version="1.0" encoding="utf-8"?>
+<p:sld xmlns:a="http://schemas.openxmlformats.org/drawingml/2006/main" xmlns:r="http://schemas.openxmlformats.org/officeDocument/2006/relationships" xmlns:p="http://schemas.openxmlformats.org/presentationml/2006/main">
+  <p:cSld>
+    <p:bg>
+      <p:bgPr>
+        <a:blipFill dpi="0" rotWithShape="1">
+          <a:blip r:embed="rId3">
+            <a:alphaModFix amt="99000"/>
+            <a:lum/>
+          </a:blip>
+          <a:srcRect/>
+          <a:stretch>
+            <a:fillRect t="89000" r="85000" b="-1000"/>
+          </a:stretch>
+        </a:blipFill>
+        <a:effectLst/>
+      </p:bgPr>
+    </p:bg>
+    <p:spTree>
+      <p:nvGrpSpPr>
+        <p:cNvPr id="1" name=""/>
+        <p:cNvGrpSpPr/>
+        <p:nvPr/>
+      </p:nvGrpSpPr>
+      <p:grpSpPr>
+        <a:xfrm>
+          <a:off x="0" y="0"/>
+          <a:ext cx="0" cy="0"/>
+          <a:chOff x="0" y="0"/>
+          <a:chExt cx="0" cy="0"/>
+        </a:xfrm>
+      </p:grpSpPr>
+      <p:sp>
+        <p:nvSpPr>
+          <p:cNvPr id="2" name="Title 1">
+            <a:extLst>
+              <a:ext uri="{FF2B5EF4-FFF2-40B4-BE49-F238E27FC236}">
+                <a16:creationId xmlns:a16="http://schemas.microsoft.com/office/drawing/2014/main" id="{6A3DCE86-C2BA-4713-9E7A-73589E8D6CCF}"/>
+              </a:ext>
+            </a:extLst>
+          </p:cNvPr>
+          <p:cNvSpPr>
+            <a:spLocks noGrp="1"/>
+          </p:cNvSpPr>
+          <p:nvPr>
+            <p:ph type="ctrTitle"/>
+          </p:nvPr>
+        </p:nvSpPr>
+        <p:spPr>
+          <a:xfrm>
+            <a:off x="1524000" y="497150"/>
+            <a:ext cx="9144000" cy="718459"/>
+          </a:xfrm>
+        </p:spPr>
+        <p:txBody>
+          <a:bodyPr>
+            <a:normAutofit fontScale="90000"/>
+          </a:bodyPr>
+          <a:lstStyle/>
+          <a:p>
+            <a:r>
+              <a:rPr lang="en-US" b="1" dirty="0"/>
+              <a:t>Depth First Search</a:t>
+            </a:r>
+            <a:endParaRPr lang="en-PH" b="1" dirty="0"/>
+          </a:p>
+        </p:txBody>
+      </p:sp>
+      <p:sp>
+        <p:nvSpPr>
+          <p:cNvPr id="4" name="Footer Placeholder 3">
+            <a:extLst>
+              <a:ext uri="{FF2B5EF4-FFF2-40B4-BE49-F238E27FC236}">
+                <a16:creationId xmlns:a16="http://schemas.microsoft.com/office/drawing/2014/main" id="{638E7DE1-45EE-476A-A474-0F3C264AEDA3}"/>
+              </a:ext>
+            </a:extLst>
+          </p:cNvPr>
+          <p:cNvSpPr>
+            <a:spLocks noGrp="1"/>
+          </p:cNvSpPr>
+          <p:nvPr>
+            <p:ph type="ftr" sz="quarter" idx="11"/>
+          </p:nvPr>
+        </p:nvSpPr>
+        <p:spPr>
+          <a:xfrm>
+            <a:off x="0" y="6139541"/>
+            <a:ext cx="12192000" cy="718459"/>
+          </a:xfrm>
+          <a:ln w="28575">
+            <a:solidFill>
+              <a:schemeClr val="accent5">
+                <a:lumMod val="50000"/>
+              </a:schemeClr>
+            </a:solidFill>
+          </a:ln>
+        </p:spPr>
+        <p:txBody>
+          <a:bodyPr/>
+          <a:lstStyle/>
+          <a:p>
+            <a:pPr algn="r"/>
+            <a:r>
+              <a:rPr lang="en-PH" b="1" dirty="0">
+                <a:solidFill>
+                  <a:schemeClr val="tx1"/>
+                </a:solidFill>
+              </a:rPr>
+              <a:t>CCALCOMP</a:t>
+            </a:r>
+          </a:p>
+        </p:txBody>
+      </p:sp>
+      <p:sp>
+        <p:nvSpPr>
+          <p:cNvPr id="3" name="Title 1">
+            <a:extLst>
+              <a:ext uri="{FF2B5EF4-FFF2-40B4-BE49-F238E27FC236}">
+                <a16:creationId xmlns:a16="http://schemas.microsoft.com/office/drawing/2014/main" id="{3E741B53-3742-63BE-6C0A-5A2CE756D436}"/>
+              </a:ext>
+            </a:extLst>
+          </p:cNvPr>
+          <p:cNvSpPr txBox="1">
+            <a:spLocks/>
+          </p:cNvSpPr>
+          <p:nvPr/>
+        </p:nvSpPr>
+        <p:spPr>
+          <a:xfrm>
+            <a:off x="4352096" y="2635500"/>
+            <a:ext cx="5313123" cy="2378034"/>
+          </a:xfrm>
+          <a:prstGeom prst="rect">
+            <a:avLst/>
+          </a:prstGeom>
+        </p:spPr>
+        <p:txBody>
+          <a:bodyPr vert="horz" lIns="91440" tIns="45720" rIns="91440" bIns="45720" rtlCol="0" anchor="b">
+            <a:normAutofit fontScale="97500"/>
+          </a:bodyPr>
+          <a:lstStyle>
+            <a:lvl1pPr algn="ctr" defTabSz="914400" rtl="0" eaLnBrk="1" latinLnBrk="0" hangingPunct="1">
+              <a:lnSpc>
+                <a:spcPct val="90000"/>
+              </a:lnSpc>
+              <a:spcBef>
+                <a:spcPct val="0"/>
+              </a:spcBef>
+              <a:buNone/>
+              <a:defRPr sz="6000" kern="1200">
+                <a:solidFill>
+                  <a:schemeClr val="tx1"/>
+                </a:solidFill>
+                <a:latin typeface="+mj-lt"/>
+                <a:ea typeface="+mj-ea"/>
+                <a:cs typeface="+mj-cs"/>
+              </a:defRPr>
+            </a:lvl1pPr>
+          </a:lstStyle>
+          <a:p>
+            <a:pPr algn="l"/>
+            <a:endParaRPr lang="en-US" sz="3000" b="1" dirty="0"/>
+          </a:p>
+          <a:p>
+            <a:pPr algn="l"/>
+            <a:endParaRPr lang="en-US" sz="3000" b="1" i="0" dirty="0">
+              <a:effectLst/>
+            </a:endParaRPr>
+          </a:p>
+          <a:p>
+            <a:pPr algn="l"/>
+            <a:endParaRPr lang="en-US" sz="3000" dirty="0"/>
+          </a:p>
+          <a:p>
+            <a:pPr algn="l"/>
+            <a:endParaRPr lang="en-US" sz="3000" b="1" i="0" dirty="0">
+              <a:effectLst/>
+            </a:endParaRPr>
+          </a:p>
+          <a:p>
+            <a:pPr algn="l"/>
+            <a:endParaRPr lang="en-US" sz="3000" b="1" dirty="0"/>
+          </a:p>
+          <a:p>
+            <a:pPr algn="l"/>
+            <a:endParaRPr lang="en-US" sz="3000" b="1" i="0" dirty="0">
+              <a:effectLst/>
+            </a:endParaRPr>
+          </a:p>
+          <a:p>
+            <a:pPr algn="l"/>
+            <a:endParaRPr lang="en-US" sz="3000" b="1" dirty="0"/>
+          </a:p>
+          <a:p>
+            <a:pPr algn="l"/>
+            <a:endParaRPr lang="en-US" sz="3000" b="1" i="0" dirty="0">
+              <a:effectLst/>
+            </a:endParaRPr>
+          </a:p>
+          <a:p>
+            <a:pPr algn="l"/>
+            <a:endParaRPr lang="en-US" sz="3000" b="1" dirty="0"/>
+          </a:p>
+          <a:p>
+            <a:pPr algn="l"/>
+            <a:endParaRPr lang="en-US" sz="3000" b="1" i="0" dirty="0">
+              <a:effectLst/>
+            </a:endParaRPr>
+          </a:p>
+          <a:p>
+            <a:pPr algn="l"/>
+            <a:endParaRPr lang="en-US" sz="3000" b="1" dirty="0"/>
+          </a:p>
+          <a:p>
+            <a:pPr algn="l"/>
+            <a:endParaRPr lang="en-US" sz="3000" b="0" i="0" dirty="0">
+              <a:effectLst/>
+            </a:endParaRPr>
+          </a:p>
+        </p:txBody>
+      </p:sp>
+      <p:sp>
+        <p:nvSpPr>
+          <p:cNvPr id="5" name="Oval 4" descr="Man with facial hair">
+            <a:extLst>
+              <a:ext uri="{FF2B5EF4-FFF2-40B4-BE49-F238E27FC236}">
+                <a16:creationId xmlns:a16="http://schemas.microsoft.com/office/drawing/2014/main" id="{63A1CEE5-8454-5AFC-3986-C716BF7E15FA}"/>
+              </a:ext>
+            </a:extLst>
+          </p:cNvPr>
+          <p:cNvSpPr/>
+          <p:nvPr/>
+        </p:nvSpPr>
+        <p:spPr>
+          <a:xfrm>
+            <a:off x="4912160" y="2380268"/>
+            <a:ext cx="695856" cy="585227"/>
+          </a:xfrm>
+          <a:prstGeom prst="ellipse">
+            <a:avLst/>
+          </a:prstGeom>
+          <a:blipFill dpi="0" rotWithShape="1">
+            <a:blip r:embed="rId4"/>
+            <a:srcRect/>
+            <a:stretch>
+              <a:fillRect/>
+            </a:stretch>
+          </a:blipFill>
+        </p:spPr>
+        <p:style>
+          <a:lnRef idx="2">
+            <a:schemeClr val="accent1">
+              <a:shade val="50000"/>
+            </a:schemeClr>
+          </a:lnRef>
+          <a:fillRef idx="1">
+            <a:schemeClr val="accent1"/>
+          </a:fillRef>
+          <a:effectRef idx="0">
+            <a:schemeClr val="accent1"/>
+          </a:effectRef>
+          <a:fontRef idx="minor">
+            <a:schemeClr val="lt1"/>
+          </a:fontRef>
+        </p:style>
+        <p:txBody>
+          <a:bodyPr rtlCol="0" anchor="ctr"/>
+          <a:lstStyle/>
+          <a:p>
+            <a:pPr algn="ctr"/>
+            <a:endParaRPr lang="en-PH" sz="1200" dirty="0"/>
+          </a:p>
+        </p:txBody>
+      </p:sp>
+      <p:cxnSp>
+        <p:nvCxnSpPr>
+          <p:cNvPr id="23" name="Straight Connector 22">
+            <a:extLst>
+              <a:ext uri="{FF2B5EF4-FFF2-40B4-BE49-F238E27FC236}">
+                <a16:creationId xmlns:a16="http://schemas.microsoft.com/office/drawing/2014/main" id="{C4718157-2E5D-0E4B-3C97-5E586A411FCC}"/>
+              </a:ext>
+            </a:extLst>
+          </p:cNvPr>
+          <p:cNvCxnSpPr>
+            <a:cxnSpLocks/>
+            <a:stCxn id="5" idx="3"/>
+            <a:endCxn id="65" idx="7"/>
+          </p:cNvCxnSpPr>
+          <p:nvPr/>
+        </p:nvCxnSpPr>
+        <p:spPr>
+          <a:xfrm flipH="1">
+            <a:off x="4716553" y="2879790"/>
+            <a:ext cx="297513" cy="636758"/>
+          </a:xfrm>
+          <a:prstGeom prst="line">
+            <a:avLst/>
+          </a:prstGeom>
+          <a:ln>
+            <a:headEnd type="none" w="med" len="med"/>
+            <a:tailEnd type="none" w="med" len="med"/>
+          </a:ln>
+        </p:spPr>
+        <p:style>
+          <a:lnRef idx="3">
+            <a:schemeClr val="dk1"/>
+          </a:lnRef>
+          <a:fillRef idx="0">
+            <a:schemeClr val="dk1"/>
+          </a:fillRef>
+          <a:effectRef idx="2">
+            <a:schemeClr val="dk1"/>
+          </a:effectRef>
+          <a:fontRef idx="minor">
+            <a:schemeClr val="tx1"/>
+          </a:fontRef>
+        </p:style>
+      </p:cxnSp>
+      <p:cxnSp>
+        <p:nvCxnSpPr>
+          <p:cNvPr id="25" name="Straight Connector 24">
+            <a:extLst>
+              <a:ext uri="{FF2B5EF4-FFF2-40B4-BE49-F238E27FC236}">
+                <a16:creationId xmlns:a16="http://schemas.microsoft.com/office/drawing/2014/main" id="{D081D08D-0368-61AA-69A6-5FE139B91F48}"/>
+              </a:ext>
+            </a:extLst>
+          </p:cNvPr>
+          <p:cNvCxnSpPr>
+            <a:cxnSpLocks/>
+            <a:stCxn id="5" idx="1"/>
+            <a:endCxn id="74" idx="5"/>
+          </p:cNvCxnSpPr>
+          <p:nvPr/>
+        </p:nvCxnSpPr>
+        <p:spPr>
+          <a:xfrm flipH="1" flipV="1">
+            <a:off x="3953507" y="1861070"/>
+            <a:ext cx="1060559" cy="604903"/>
+          </a:xfrm>
+          <a:prstGeom prst="line">
+            <a:avLst/>
+          </a:prstGeom>
+          <a:ln>
+            <a:headEnd type="none" w="med" len="med"/>
+            <a:tailEnd type="none" w="med" len="med"/>
+          </a:ln>
+        </p:spPr>
+        <p:style>
+          <a:lnRef idx="3">
+            <a:schemeClr val="dk1"/>
+          </a:lnRef>
+          <a:fillRef idx="0">
+            <a:schemeClr val="dk1"/>
+          </a:fillRef>
+          <a:effectRef idx="2">
+            <a:schemeClr val="dk1"/>
+          </a:effectRef>
+          <a:fontRef idx="minor">
+            <a:schemeClr val="tx1"/>
+          </a:fontRef>
+        </p:style>
+      </p:cxnSp>
+      <p:sp>
+        <p:nvSpPr>
+          <p:cNvPr id="60" name="Oval 59" descr="Man with facial hair">
+            <a:extLst>
+              <a:ext uri="{FF2B5EF4-FFF2-40B4-BE49-F238E27FC236}">
+                <a16:creationId xmlns:a16="http://schemas.microsoft.com/office/drawing/2014/main" id="{F89895EF-1293-B363-6E0A-C52EBBF1486D}"/>
+              </a:ext>
+            </a:extLst>
+          </p:cNvPr>
+          <p:cNvSpPr/>
+          <p:nvPr/>
+        </p:nvSpPr>
+        <p:spPr>
+          <a:xfrm>
+            <a:off x="2926957" y="3464535"/>
+            <a:ext cx="695856" cy="585227"/>
+          </a:xfrm>
+          <a:prstGeom prst="ellipse">
+            <a:avLst/>
+          </a:prstGeom>
+          <a:blipFill dpi="0" rotWithShape="1">
+            <a:blip r:embed="rId5"/>
+            <a:srcRect/>
+            <a:stretch>
+              <a:fillRect/>
+            </a:stretch>
+          </a:blipFill>
+        </p:spPr>
+        <p:style>
+          <a:lnRef idx="2">
+            <a:schemeClr val="accent1">
+              <a:shade val="50000"/>
+            </a:schemeClr>
+          </a:lnRef>
+          <a:fillRef idx="1">
+            <a:schemeClr val="accent1"/>
+          </a:fillRef>
+          <a:effectRef idx="0">
+            <a:schemeClr val="accent1"/>
+          </a:effectRef>
+          <a:fontRef idx="minor">
+            <a:schemeClr val="lt1"/>
+          </a:fontRef>
+        </p:style>
+        <p:txBody>
+          <a:bodyPr rtlCol="0" anchor="ctr"/>
+          <a:lstStyle/>
+          <a:p>
+            <a:pPr algn="ctr"/>
+            <a:endParaRPr lang="en-PH" sz="1200" dirty="0"/>
+          </a:p>
+        </p:txBody>
+      </p:sp>
+      <p:sp>
+        <p:nvSpPr>
+          <p:cNvPr id="65" name="Oval 64" descr="Man with facial hair">
+            <a:extLst>
+              <a:ext uri="{FF2B5EF4-FFF2-40B4-BE49-F238E27FC236}">
+                <a16:creationId xmlns:a16="http://schemas.microsoft.com/office/drawing/2014/main" id="{35078AE6-2ADF-644E-37F8-21FD3B7268A6}"/>
+              </a:ext>
+            </a:extLst>
+          </p:cNvPr>
+          <p:cNvSpPr/>
+          <p:nvPr/>
+        </p:nvSpPr>
+        <p:spPr>
+          <a:xfrm>
+            <a:off x="4122603" y="3430843"/>
+            <a:ext cx="695856" cy="585227"/>
+          </a:xfrm>
+          <a:prstGeom prst="ellipse">
+            <a:avLst/>
+          </a:prstGeom>
+          <a:blipFill dpi="0" rotWithShape="1">
+            <a:blip r:embed="rId6"/>
+            <a:srcRect/>
+            <a:stretch>
+              <a:fillRect/>
+            </a:stretch>
+          </a:blipFill>
+        </p:spPr>
+        <p:style>
+          <a:lnRef idx="2">
+            <a:schemeClr val="accent1">
+              <a:shade val="50000"/>
+            </a:schemeClr>
+          </a:lnRef>
+          <a:fillRef idx="1">
+            <a:schemeClr val="accent1"/>
+          </a:fillRef>
+          <a:effectRef idx="0">
+            <a:schemeClr val="accent1"/>
+          </a:effectRef>
+          <a:fontRef idx="minor">
+            <a:schemeClr val="lt1"/>
+          </a:fontRef>
+        </p:style>
+        <p:txBody>
+          <a:bodyPr rtlCol="0" anchor="ctr"/>
+          <a:lstStyle/>
+          <a:p>
+            <a:pPr algn="ctr"/>
+            <a:endParaRPr lang="en-PH" sz="1200" dirty="0"/>
+          </a:p>
+        </p:txBody>
+      </p:sp>
+      <p:sp>
+        <p:nvSpPr>
+          <p:cNvPr id="68" name="Oval 67" descr="Man with facial hair">
+            <a:extLst>
+              <a:ext uri="{FF2B5EF4-FFF2-40B4-BE49-F238E27FC236}">
+                <a16:creationId xmlns:a16="http://schemas.microsoft.com/office/drawing/2014/main" id="{3114BD07-9FDA-1D23-DC95-22C3E8D5EAFE}"/>
+              </a:ext>
+            </a:extLst>
+          </p:cNvPr>
+          <p:cNvSpPr/>
+          <p:nvPr/>
+        </p:nvSpPr>
+        <p:spPr>
+          <a:xfrm>
+            <a:off x="2097156" y="2380268"/>
+            <a:ext cx="695856" cy="585227"/>
+          </a:xfrm>
+          <a:prstGeom prst="ellipse">
+            <a:avLst/>
+          </a:prstGeom>
+          <a:blipFill dpi="0" rotWithShape="1">
+            <a:blip r:embed="rId7"/>
+            <a:srcRect/>
+            <a:stretch>
+              <a:fillRect/>
+            </a:stretch>
+          </a:blipFill>
+        </p:spPr>
+        <p:style>
+          <a:lnRef idx="2">
+            <a:schemeClr val="accent1">
+              <a:shade val="50000"/>
+            </a:schemeClr>
+          </a:lnRef>
+          <a:fillRef idx="1">
+            <a:schemeClr val="accent1"/>
+          </a:fillRef>
+          <a:effectRef idx="0">
+            <a:schemeClr val="accent1"/>
+          </a:effectRef>
+          <a:fontRef idx="minor">
+            <a:schemeClr val="lt1"/>
+          </a:fontRef>
+        </p:style>
+        <p:txBody>
+          <a:bodyPr rtlCol="0" anchor="ctr"/>
+          <a:lstStyle/>
+          <a:p>
+            <a:pPr algn="ctr"/>
+            <a:endParaRPr lang="en-PH" sz="1200" dirty="0"/>
+          </a:p>
+        </p:txBody>
+      </p:sp>
+      <p:sp>
+        <p:nvSpPr>
+          <p:cNvPr id="74" name="Oval 73" descr="Man with facial hair">
+            <a:extLst>
+              <a:ext uri="{FF2B5EF4-FFF2-40B4-BE49-F238E27FC236}">
+                <a16:creationId xmlns:a16="http://schemas.microsoft.com/office/drawing/2014/main" id="{6BBEF8C2-C8CC-AF77-3AEF-33FF14E887BA}"/>
+              </a:ext>
+            </a:extLst>
+          </p:cNvPr>
+          <p:cNvSpPr/>
+          <p:nvPr/>
+        </p:nvSpPr>
+        <p:spPr>
+          <a:xfrm>
+            <a:off x="3359557" y="1361548"/>
+            <a:ext cx="695856" cy="585227"/>
+          </a:xfrm>
+          <a:prstGeom prst="ellipse">
+            <a:avLst/>
+          </a:prstGeom>
+          <a:blipFill dpi="0" rotWithShape="1">
+            <a:blip r:embed="rId8"/>
+            <a:srcRect/>
+            <a:stretch>
+              <a:fillRect/>
+            </a:stretch>
+          </a:blipFill>
+        </p:spPr>
+        <p:style>
+          <a:lnRef idx="2">
+            <a:schemeClr val="accent1">
+              <a:shade val="50000"/>
+            </a:schemeClr>
+          </a:lnRef>
+          <a:fillRef idx="1">
+            <a:schemeClr val="accent1"/>
+          </a:fillRef>
+          <a:effectRef idx="0">
+            <a:schemeClr val="accent1"/>
+          </a:effectRef>
+          <a:fontRef idx="minor">
+            <a:schemeClr val="lt1"/>
+          </a:fontRef>
+        </p:style>
+        <p:txBody>
+          <a:bodyPr rtlCol="0" anchor="ctr"/>
+          <a:lstStyle/>
+          <a:p>
+            <a:pPr algn="ctr"/>
+            <a:endParaRPr lang="en-PH" sz="1200" dirty="0"/>
+          </a:p>
+        </p:txBody>
+      </p:sp>
+      <p:cxnSp>
+        <p:nvCxnSpPr>
+          <p:cNvPr id="76" name="Straight Connector 75">
+            <a:extLst>
+              <a:ext uri="{FF2B5EF4-FFF2-40B4-BE49-F238E27FC236}">
+                <a16:creationId xmlns:a16="http://schemas.microsoft.com/office/drawing/2014/main" id="{AF1A4223-31F3-6A97-2060-0DE0EE85D91D}"/>
+              </a:ext>
+            </a:extLst>
+          </p:cNvPr>
+          <p:cNvCxnSpPr>
+            <a:cxnSpLocks/>
+            <a:stCxn id="68" idx="7"/>
+            <a:endCxn id="74" idx="3"/>
+          </p:cNvCxnSpPr>
+          <p:nvPr/>
+        </p:nvCxnSpPr>
+        <p:spPr>
+          <a:xfrm flipV="1">
+            <a:off x="2691106" y="1861070"/>
+            <a:ext cx="770357" cy="604903"/>
+          </a:xfrm>
+          <a:prstGeom prst="line">
+            <a:avLst/>
+          </a:prstGeom>
+          <a:ln>
+            <a:headEnd type="none" w="med" len="med"/>
+            <a:tailEnd type="none" w="med" len="med"/>
+          </a:ln>
+        </p:spPr>
+        <p:style>
+          <a:lnRef idx="3">
+            <a:schemeClr val="dk1"/>
+          </a:lnRef>
+          <a:fillRef idx="0">
+            <a:schemeClr val="dk1"/>
+          </a:fillRef>
+          <a:effectRef idx="2">
+            <a:schemeClr val="dk1"/>
+          </a:effectRef>
+          <a:fontRef idx="minor">
+            <a:schemeClr val="tx1"/>
+          </a:fontRef>
+        </p:style>
+      </p:cxnSp>
+      <p:cxnSp>
+        <p:nvCxnSpPr>
+          <p:cNvPr id="79" name="Straight Connector 78">
+            <a:extLst>
+              <a:ext uri="{FF2B5EF4-FFF2-40B4-BE49-F238E27FC236}">
+                <a16:creationId xmlns:a16="http://schemas.microsoft.com/office/drawing/2014/main" id="{CE1792BF-ED07-C692-F0F6-8F1BC2261412}"/>
+              </a:ext>
+            </a:extLst>
+          </p:cNvPr>
+          <p:cNvCxnSpPr>
+            <a:cxnSpLocks/>
+            <a:stCxn id="60" idx="1"/>
+            <a:endCxn id="68" idx="5"/>
+          </p:cNvCxnSpPr>
+          <p:nvPr/>
+        </p:nvCxnSpPr>
+        <p:spPr>
+          <a:xfrm flipH="1" flipV="1">
+            <a:off x="2691106" y="2879790"/>
+            <a:ext cx="337757" cy="670450"/>
+          </a:xfrm>
+          <a:prstGeom prst="line">
+            <a:avLst/>
+          </a:prstGeom>
+          <a:ln>
+            <a:headEnd type="none" w="med" len="med"/>
+            <a:tailEnd type="none" w="med" len="med"/>
+          </a:ln>
+        </p:spPr>
+        <p:style>
+          <a:lnRef idx="3">
+            <a:schemeClr val="dk1"/>
+          </a:lnRef>
+          <a:fillRef idx="0">
+            <a:schemeClr val="dk1"/>
+          </a:fillRef>
+          <a:effectRef idx="2">
+            <a:schemeClr val="dk1"/>
+          </a:effectRef>
+          <a:fontRef idx="minor">
+            <a:schemeClr val="tx1"/>
+          </a:fontRef>
+        </p:style>
+      </p:cxnSp>
+      <p:sp>
+        <p:nvSpPr>
+          <p:cNvPr id="86" name="Oval 85" descr="Man with facial hair">
+            <a:extLst>
+              <a:ext uri="{FF2B5EF4-FFF2-40B4-BE49-F238E27FC236}">
+                <a16:creationId xmlns:a16="http://schemas.microsoft.com/office/drawing/2014/main" id="{8B878285-B960-D0BD-E06D-E2B659E2D59F}"/>
+              </a:ext>
+            </a:extLst>
+          </p:cNvPr>
+          <p:cNvSpPr/>
+          <p:nvPr/>
+        </p:nvSpPr>
+        <p:spPr>
+          <a:xfrm>
+            <a:off x="1313042" y="3393369"/>
+            <a:ext cx="695856" cy="585227"/>
+          </a:xfrm>
+          <a:prstGeom prst="ellipse">
+            <a:avLst/>
+          </a:prstGeom>
+          <a:blipFill dpi="0" rotWithShape="1">
+            <a:blip r:embed="rId9"/>
+            <a:srcRect/>
+            <a:stretch>
+              <a:fillRect/>
+            </a:stretch>
+          </a:blipFill>
+        </p:spPr>
+        <p:style>
+          <a:lnRef idx="2">
+            <a:schemeClr val="accent1">
+              <a:shade val="50000"/>
+            </a:schemeClr>
+          </a:lnRef>
+          <a:fillRef idx="1">
+            <a:schemeClr val="accent1"/>
+          </a:fillRef>
+          <a:effectRef idx="0">
+            <a:schemeClr val="accent1"/>
+          </a:effectRef>
+          <a:fontRef idx="minor">
+            <a:schemeClr val="lt1"/>
+          </a:fontRef>
+        </p:style>
+        <p:txBody>
+          <a:bodyPr rtlCol="0" anchor="ctr"/>
+          <a:lstStyle/>
+          <a:p>
+            <a:pPr algn="ctr"/>
+            <a:endParaRPr lang="en-PH" sz="1200" dirty="0"/>
+          </a:p>
+        </p:txBody>
+      </p:sp>
+      <p:cxnSp>
+        <p:nvCxnSpPr>
+          <p:cNvPr id="87" name="Straight Connector 86">
+            <a:extLst>
+              <a:ext uri="{FF2B5EF4-FFF2-40B4-BE49-F238E27FC236}">
+                <a16:creationId xmlns:a16="http://schemas.microsoft.com/office/drawing/2014/main" id="{0B76348E-D5E8-FF94-99F0-FF92970B66E0}"/>
+              </a:ext>
+            </a:extLst>
+          </p:cNvPr>
+          <p:cNvCxnSpPr>
+            <a:cxnSpLocks/>
+            <a:stCxn id="68" idx="3"/>
+            <a:endCxn id="86" idx="7"/>
+          </p:cNvCxnSpPr>
+          <p:nvPr/>
+        </p:nvCxnSpPr>
+        <p:spPr>
+          <a:xfrm flipH="1">
+            <a:off x="1906992" y="2879790"/>
+            <a:ext cx="292070" cy="599284"/>
+          </a:xfrm>
+          <a:prstGeom prst="line">
+            <a:avLst/>
+          </a:prstGeom>
+          <a:ln>
+            <a:headEnd type="none" w="med" len="med"/>
+            <a:tailEnd type="none" w="med" len="med"/>
+          </a:ln>
+        </p:spPr>
+        <p:style>
+          <a:lnRef idx="3">
+            <a:schemeClr val="dk1"/>
+          </a:lnRef>
+          <a:fillRef idx="0">
+            <a:schemeClr val="dk1"/>
+          </a:fillRef>
+          <a:effectRef idx="2">
+            <a:schemeClr val="dk1"/>
+          </a:effectRef>
+          <a:fontRef idx="minor">
+            <a:schemeClr val="tx1"/>
+          </a:fontRef>
+        </p:style>
+      </p:cxnSp>
+      <p:sp>
+        <p:nvSpPr>
+          <p:cNvPr id="91" name="Oval 90" descr="Man with facial hair">
+            <a:extLst>
+              <a:ext uri="{FF2B5EF4-FFF2-40B4-BE49-F238E27FC236}">
+                <a16:creationId xmlns:a16="http://schemas.microsoft.com/office/drawing/2014/main" id="{5D990BB9-C604-F0E3-E59C-8923FAC243A6}"/>
+              </a:ext>
+            </a:extLst>
+          </p:cNvPr>
+          <p:cNvSpPr/>
+          <p:nvPr/>
+        </p:nvSpPr>
+        <p:spPr>
+          <a:xfrm>
+            <a:off x="5912199" y="3426463"/>
+            <a:ext cx="695856" cy="585227"/>
+          </a:xfrm>
+          <a:prstGeom prst="ellipse">
+            <a:avLst/>
+          </a:prstGeom>
+          <a:blipFill dpi="0" rotWithShape="1">
+            <a:blip r:embed="rId10"/>
+            <a:srcRect/>
+            <a:stretch>
+              <a:fillRect/>
+            </a:stretch>
+          </a:blipFill>
+        </p:spPr>
+        <p:style>
+          <a:lnRef idx="2">
+            <a:schemeClr val="accent1">
+              <a:shade val="50000"/>
+            </a:schemeClr>
+          </a:lnRef>
+          <a:fillRef idx="1">
+            <a:schemeClr val="accent1"/>
+          </a:fillRef>
+          <a:effectRef idx="0">
+            <a:schemeClr val="accent1"/>
+          </a:effectRef>
+          <a:fontRef idx="minor">
+            <a:schemeClr val="lt1"/>
+          </a:fontRef>
+        </p:style>
+        <p:txBody>
+          <a:bodyPr rtlCol="0" anchor="ctr"/>
+          <a:lstStyle/>
+          <a:p>
+            <a:pPr algn="ctr"/>
+            <a:endParaRPr lang="en-PH" sz="1200" dirty="0"/>
+          </a:p>
+        </p:txBody>
+      </p:sp>
+      <p:sp>
+        <p:nvSpPr>
+          <p:cNvPr id="132" name="TextBox 131">
+            <a:extLst>
+              <a:ext uri="{FF2B5EF4-FFF2-40B4-BE49-F238E27FC236}">
+                <a16:creationId xmlns:a16="http://schemas.microsoft.com/office/drawing/2014/main" id="{CF6924C2-10A8-20E5-0873-7B536FA09D7F}"/>
+              </a:ext>
+            </a:extLst>
+          </p:cNvPr>
+          <p:cNvSpPr txBox="1"/>
+          <p:nvPr/>
+        </p:nvSpPr>
+        <p:spPr>
+          <a:xfrm>
+            <a:off x="4945585" y="3044414"/>
+            <a:ext cx="629005" cy="276999"/>
+          </a:xfrm>
+          <a:prstGeom prst="rect">
+            <a:avLst/>
+          </a:prstGeom>
+          <a:noFill/>
+        </p:spPr>
+        <p:txBody>
+          <a:bodyPr wrap="square" rtlCol="0">
+            <a:spAutoFit/>
+          </a:bodyPr>
+          <a:lstStyle/>
+          <a:p>
+            <a:r>
+              <a:rPr lang="en-PH" sz="1200" b="1" dirty="0"/>
+              <a:t>Jethro</a:t>
+            </a:r>
+          </a:p>
+        </p:txBody>
+      </p:sp>
+      <p:sp>
+        <p:nvSpPr>
+          <p:cNvPr id="133" name="TextBox 132">
+            <a:extLst>
+              <a:ext uri="{FF2B5EF4-FFF2-40B4-BE49-F238E27FC236}">
+                <a16:creationId xmlns:a16="http://schemas.microsoft.com/office/drawing/2014/main" id="{C0AEDEC3-603E-74F8-598F-E4D59A5FAD4D}"/>
+              </a:ext>
+            </a:extLst>
+          </p:cNvPr>
+          <p:cNvSpPr txBox="1"/>
+          <p:nvPr/>
+        </p:nvSpPr>
+        <p:spPr>
+          <a:xfrm>
+            <a:off x="2979527" y="4065850"/>
+            <a:ext cx="551767" cy="276999"/>
+          </a:xfrm>
+          <a:prstGeom prst="rect">
+            <a:avLst/>
+          </a:prstGeom>
+          <a:noFill/>
+        </p:spPr>
+        <p:txBody>
+          <a:bodyPr wrap="square" rtlCol="0">
+            <a:spAutoFit/>
+          </a:bodyPr>
+          <a:lstStyle/>
+          <a:p>
+            <a:r>
+              <a:rPr lang="en-PH" sz="1200" b="1" dirty="0" err="1"/>
+              <a:t>Ronn</a:t>
+            </a:r>
+            <a:endParaRPr lang="en-PH" sz="1200" b="1" dirty="0"/>
+          </a:p>
+        </p:txBody>
+      </p:sp>
+      <p:sp>
+        <p:nvSpPr>
+          <p:cNvPr id="135" name="TextBox 134">
+            <a:extLst>
+              <a:ext uri="{FF2B5EF4-FFF2-40B4-BE49-F238E27FC236}">
+                <a16:creationId xmlns:a16="http://schemas.microsoft.com/office/drawing/2014/main" id="{05EFB568-9C1A-6F2A-7A68-2A70CE2C46A9}"/>
+              </a:ext>
+            </a:extLst>
+          </p:cNvPr>
+          <p:cNvSpPr txBox="1"/>
+          <p:nvPr/>
+        </p:nvSpPr>
+        <p:spPr>
+          <a:xfrm>
+            <a:off x="3435393" y="1955063"/>
+            <a:ext cx="544183" cy="276999"/>
+          </a:xfrm>
+          <a:prstGeom prst="rect">
+            <a:avLst/>
+          </a:prstGeom>
+          <a:noFill/>
+        </p:spPr>
+        <p:txBody>
+          <a:bodyPr wrap="square" rtlCol="0">
+            <a:spAutoFit/>
+          </a:bodyPr>
+          <a:lstStyle/>
+          <a:p>
+            <a:r>
+              <a:rPr lang="en-PH" sz="1200" b="1" dirty="0"/>
+              <a:t>Nica</a:t>
+            </a:r>
+          </a:p>
+        </p:txBody>
+      </p:sp>
+      <p:sp>
+        <p:nvSpPr>
+          <p:cNvPr id="136" name="TextBox 135">
+            <a:extLst>
+              <a:ext uri="{FF2B5EF4-FFF2-40B4-BE49-F238E27FC236}">
+                <a16:creationId xmlns:a16="http://schemas.microsoft.com/office/drawing/2014/main" id="{051D467A-6BE1-BC43-A4E5-26773EE58827}"/>
+              </a:ext>
+            </a:extLst>
+          </p:cNvPr>
+          <p:cNvSpPr txBox="1"/>
+          <p:nvPr/>
+        </p:nvSpPr>
+        <p:spPr>
+          <a:xfrm>
+            <a:off x="5948408" y="4059933"/>
+            <a:ext cx="659647" cy="276999"/>
+          </a:xfrm>
+          <a:prstGeom prst="rect">
+            <a:avLst/>
+          </a:prstGeom>
+          <a:noFill/>
+        </p:spPr>
+        <p:txBody>
+          <a:bodyPr wrap="square" rtlCol="0">
+            <a:spAutoFit/>
+          </a:bodyPr>
+          <a:lstStyle/>
+          <a:p>
+            <a:r>
+              <a:rPr lang="en-PH" sz="1200" b="1" dirty="0" err="1"/>
+              <a:t>Jonnah</a:t>
+            </a:r>
+            <a:endParaRPr lang="en-PH" sz="1200" b="1" dirty="0"/>
+          </a:p>
+        </p:txBody>
+      </p:sp>
+      <p:sp>
+        <p:nvSpPr>
+          <p:cNvPr id="138" name="TextBox 137">
+            <a:extLst>
+              <a:ext uri="{FF2B5EF4-FFF2-40B4-BE49-F238E27FC236}">
+                <a16:creationId xmlns:a16="http://schemas.microsoft.com/office/drawing/2014/main" id="{92602348-F076-25E5-04FA-5CFE51C23ACB}"/>
+              </a:ext>
+            </a:extLst>
+          </p:cNvPr>
+          <p:cNvSpPr txBox="1"/>
+          <p:nvPr/>
+        </p:nvSpPr>
+        <p:spPr>
+          <a:xfrm>
+            <a:off x="1416338" y="3956962"/>
+            <a:ext cx="551767" cy="276999"/>
+          </a:xfrm>
+          <a:prstGeom prst="rect">
+            <a:avLst/>
+          </a:prstGeom>
+          <a:noFill/>
+        </p:spPr>
+        <p:txBody>
+          <a:bodyPr wrap="square" rtlCol="0">
+            <a:spAutoFit/>
+          </a:bodyPr>
+          <a:lstStyle/>
+          <a:p>
+            <a:r>
+              <a:rPr lang="en-PH" sz="1200" b="1" dirty="0"/>
+              <a:t>Neal</a:t>
+            </a:r>
+          </a:p>
+        </p:txBody>
+      </p:sp>
+      <p:sp>
+        <p:nvSpPr>
+          <p:cNvPr id="139" name="TextBox 138">
+            <a:extLst>
+              <a:ext uri="{FF2B5EF4-FFF2-40B4-BE49-F238E27FC236}">
+                <a16:creationId xmlns:a16="http://schemas.microsoft.com/office/drawing/2014/main" id="{5D603AEE-A5D1-BEA0-252E-6AFA444A7647}"/>
+              </a:ext>
+            </a:extLst>
+          </p:cNvPr>
+          <p:cNvSpPr txBox="1"/>
+          <p:nvPr/>
+        </p:nvSpPr>
+        <p:spPr>
+          <a:xfrm>
+            <a:off x="2097156" y="3002711"/>
+            <a:ext cx="695856" cy="276999"/>
+          </a:xfrm>
+          <a:prstGeom prst="rect">
+            <a:avLst/>
+          </a:prstGeom>
+          <a:noFill/>
+        </p:spPr>
+        <p:txBody>
+          <a:bodyPr wrap="square" rtlCol="0">
+            <a:spAutoFit/>
+          </a:bodyPr>
+          <a:lstStyle/>
+          <a:p>
+            <a:r>
+              <a:rPr lang="en-PH" sz="1200" b="1" dirty="0"/>
+              <a:t>J-</a:t>
+            </a:r>
+            <a:r>
+              <a:rPr lang="en-PH" sz="1200" b="1" dirty="0" err="1"/>
+              <a:t>Rhyzz</a:t>
+            </a:r>
+            <a:endParaRPr lang="en-PH" sz="1200" b="1" dirty="0"/>
+          </a:p>
+        </p:txBody>
+      </p:sp>
+      <p:cxnSp>
+        <p:nvCxnSpPr>
+          <p:cNvPr id="81" name="Straight Connector 80">
+            <a:extLst>
+              <a:ext uri="{FF2B5EF4-FFF2-40B4-BE49-F238E27FC236}">
+                <a16:creationId xmlns:a16="http://schemas.microsoft.com/office/drawing/2014/main" id="{2F156CB5-55ED-800E-8CBC-2F70BE5B71B6}"/>
+              </a:ext>
+            </a:extLst>
+          </p:cNvPr>
+          <p:cNvCxnSpPr>
+            <a:cxnSpLocks/>
+            <a:stCxn id="91" idx="1"/>
+            <a:endCxn id="5" idx="5"/>
+          </p:cNvCxnSpPr>
+          <p:nvPr/>
+        </p:nvCxnSpPr>
+        <p:spPr>
+          <a:xfrm flipH="1" flipV="1">
+            <a:off x="5506110" y="2879790"/>
+            <a:ext cx="507995" cy="632378"/>
+          </a:xfrm>
+          <a:prstGeom prst="line">
+            <a:avLst/>
+          </a:prstGeom>
+          <a:ln>
+            <a:headEnd type="none" w="med" len="med"/>
+            <a:tailEnd type="none" w="med" len="med"/>
+          </a:ln>
+        </p:spPr>
+        <p:style>
+          <a:lnRef idx="3">
+            <a:schemeClr val="dk1"/>
+          </a:lnRef>
+          <a:fillRef idx="0">
+            <a:schemeClr val="dk1"/>
+          </a:fillRef>
+          <a:effectRef idx="2">
+            <a:schemeClr val="dk1"/>
+          </a:effectRef>
+          <a:fontRef idx="minor">
+            <a:schemeClr val="tx1"/>
+          </a:fontRef>
+        </p:style>
+      </p:cxnSp>
+      <p:sp>
+        <p:nvSpPr>
+          <p:cNvPr id="85" name="TextBox 84">
+            <a:extLst>
+              <a:ext uri="{FF2B5EF4-FFF2-40B4-BE49-F238E27FC236}">
+                <a16:creationId xmlns:a16="http://schemas.microsoft.com/office/drawing/2014/main" id="{8061A0F7-35C3-0E8E-1F6A-9A37BC351FFF}"/>
+              </a:ext>
+            </a:extLst>
+          </p:cNvPr>
+          <p:cNvSpPr txBox="1"/>
+          <p:nvPr/>
+        </p:nvSpPr>
+        <p:spPr>
+          <a:xfrm>
+            <a:off x="4149206" y="4055854"/>
+            <a:ext cx="659647" cy="276999"/>
+          </a:xfrm>
+          <a:prstGeom prst="rect">
+            <a:avLst/>
+          </a:prstGeom>
+          <a:noFill/>
+        </p:spPr>
+        <p:txBody>
+          <a:bodyPr wrap="square" rtlCol="0">
+            <a:spAutoFit/>
+          </a:bodyPr>
+          <a:lstStyle/>
+          <a:p>
+            <a:r>
+              <a:rPr lang="en-PH" sz="1200" b="1" dirty="0"/>
+              <a:t>Tristan</a:t>
+            </a:r>
+          </a:p>
+        </p:txBody>
+      </p:sp>
+      <p:sp>
+        <p:nvSpPr>
+          <p:cNvPr id="88" name="Oval 87" descr="Man with facial hair">
+            <a:extLst>
+              <a:ext uri="{FF2B5EF4-FFF2-40B4-BE49-F238E27FC236}">
+                <a16:creationId xmlns:a16="http://schemas.microsoft.com/office/drawing/2014/main" id="{3553F5F1-CDD1-515E-3AA1-A29A3186AA82}"/>
+              </a:ext>
+            </a:extLst>
+          </p:cNvPr>
+          <p:cNvSpPr/>
+          <p:nvPr/>
+        </p:nvSpPr>
+        <p:spPr>
+          <a:xfrm>
+            <a:off x="536340" y="5148437"/>
+            <a:ext cx="695856" cy="585227"/>
+          </a:xfrm>
+          <a:prstGeom prst="ellipse">
+            <a:avLst/>
+          </a:prstGeom>
+          <a:blipFill dpi="0" rotWithShape="1">
+            <a:blip r:embed="rId8"/>
+            <a:srcRect/>
+            <a:stretch>
+              <a:fillRect/>
+            </a:stretch>
+          </a:blipFill>
+        </p:spPr>
+        <p:style>
+          <a:lnRef idx="2">
+            <a:schemeClr val="accent1">
+              <a:shade val="50000"/>
+            </a:schemeClr>
+          </a:lnRef>
+          <a:fillRef idx="1">
+            <a:schemeClr val="accent1"/>
+          </a:fillRef>
+          <a:effectRef idx="0">
+            <a:schemeClr val="accent1"/>
+          </a:effectRef>
+          <a:fontRef idx="minor">
+            <a:schemeClr val="lt1"/>
+          </a:fontRef>
+        </p:style>
+        <p:txBody>
+          <a:bodyPr rtlCol="0" anchor="ctr"/>
+          <a:lstStyle/>
+          <a:p>
+            <a:pPr algn="ctr"/>
+            <a:endParaRPr lang="en-PH" sz="1200" dirty="0"/>
+          </a:p>
+        </p:txBody>
+      </p:sp>
+      <p:sp>
+        <p:nvSpPr>
+          <p:cNvPr id="89" name="Oval 88" descr="Man with facial hair">
+            <a:extLst>
+              <a:ext uri="{FF2B5EF4-FFF2-40B4-BE49-F238E27FC236}">
+                <a16:creationId xmlns:a16="http://schemas.microsoft.com/office/drawing/2014/main" id="{CB2702C9-14A7-E48C-C266-C50EFEB3D423}"/>
+              </a:ext>
+            </a:extLst>
+          </p:cNvPr>
+          <p:cNvSpPr/>
+          <p:nvPr/>
+        </p:nvSpPr>
+        <p:spPr>
+          <a:xfrm>
+            <a:off x="1586738" y="5148436"/>
+            <a:ext cx="695856" cy="585227"/>
+          </a:xfrm>
+          <a:prstGeom prst="ellipse">
+            <a:avLst/>
+          </a:prstGeom>
+          <a:blipFill dpi="0" rotWithShape="1">
+            <a:blip r:embed="rId7"/>
+            <a:srcRect/>
+            <a:stretch>
+              <a:fillRect/>
+            </a:stretch>
+          </a:blipFill>
+        </p:spPr>
+        <p:style>
+          <a:lnRef idx="2">
+            <a:schemeClr val="accent1">
+              <a:shade val="50000"/>
+            </a:schemeClr>
+          </a:lnRef>
+          <a:fillRef idx="1">
+            <a:schemeClr val="accent1"/>
+          </a:fillRef>
+          <a:effectRef idx="0">
+            <a:schemeClr val="accent1"/>
+          </a:effectRef>
+          <a:fontRef idx="minor">
+            <a:schemeClr val="lt1"/>
+          </a:fontRef>
+        </p:style>
+        <p:txBody>
+          <a:bodyPr rtlCol="0" anchor="ctr"/>
+          <a:lstStyle/>
+          <a:p>
+            <a:pPr algn="ctr"/>
+            <a:endParaRPr lang="en-PH" sz="1200" dirty="0"/>
+          </a:p>
+        </p:txBody>
+      </p:sp>
+      <p:sp>
+        <p:nvSpPr>
+          <p:cNvPr id="90" name="Oval 89" descr="Man with facial hair">
+            <a:extLst>
+              <a:ext uri="{FF2B5EF4-FFF2-40B4-BE49-F238E27FC236}">
+                <a16:creationId xmlns:a16="http://schemas.microsoft.com/office/drawing/2014/main" id="{0783158D-0173-45A6-610E-73F66965A0F7}"/>
+              </a:ext>
+            </a:extLst>
+          </p:cNvPr>
+          <p:cNvSpPr/>
+          <p:nvPr/>
+        </p:nvSpPr>
+        <p:spPr>
+          <a:xfrm>
+            <a:off x="3750020" y="5148535"/>
+            <a:ext cx="695856" cy="585227"/>
+          </a:xfrm>
+          <a:prstGeom prst="ellipse">
+            <a:avLst/>
+          </a:prstGeom>
+          <a:blipFill dpi="0" rotWithShape="1">
+            <a:blip r:embed="rId5"/>
+            <a:srcRect/>
+            <a:stretch>
+              <a:fillRect/>
+            </a:stretch>
+          </a:blipFill>
+        </p:spPr>
+        <p:style>
+          <a:lnRef idx="2">
+            <a:schemeClr val="accent1">
+              <a:shade val="50000"/>
+            </a:schemeClr>
+          </a:lnRef>
+          <a:fillRef idx="1">
+            <a:schemeClr val="accent1"/>
+          </a:fillRef>
+          <a:effectRef idx="0">
+            <a:schemeClr val="accent1"/>
+          </a:effectRef>
+          <a:fontRef idx="minor">
+            <a:schemeClr val="lt1"/>
+          </a:fontRef>
+        </p:style>
+        <p:txBody>
+          <a:bodyPr rtlCol="0" anchor="ctr"/>
+          <a:lstStyle/>
+          <a:p>
+            <a:pPr algn="ctr"/>
+            <a:endParaRPr lang="en-PH" sz="1200" dirty="0"/>
+          </a:p>
+        </p:txBody>
+      </p:sp>
+      <p:sp>
+        <p:nvSpPr>
+          <p:cNvPr id="94" name="Oval 93" descr="Man with facial hair">
+            <a:extLst>
+              <a:ext uri="{FF2B5EF4-FFF2-40B4-BE49-F238E27FC236}">
+                <a16:creationId xmlns:a16="http://schemas.microsoft.com/office/drawing/2014/main" id="{2CCEB941-A4D2-4226-99E4-782F2B0C94AE}"/>
+              </a:ext>
+            </a:extLst>
+          </p:cNvPr>
+          <p:cNvSpPr/>
+          <p:nvPr/>
+        </p:nvSpPr>
+        <p:spPr>
+          <a:xfrm>
+            <a:off x="2682126" y="5148536"/>
+            <a:ext cx="695856" cy="585227"/>
+          </a:xfrm>
+          <a:prstGeom prst="ellipse">
+            <a:avLst/>
+          </a:prstGeom>
+          <a:blipFill dpi="0" rotWithShape="1">
+            <a:blip r:embed="rId9"/>
+            <a:srcRect/>
+            <a:stretch>
+              <a:fillRect/>
+            </a:stretch>
+          </a:blipFill>
+        </p:spPr>
+        <p:style>
+          <a:lnRef idx="2">
+            <a:schemeClr val="accent1">
+              <a:shade val="50000"/>
+            </a:schemeClr>
+          </a:lnRef>
+          <a:fillRef idx="1">
+            <a:schemeClr val="accent1"/>
+          </a:fillRef>
+          <a:effectRef idx="0">
+            <a:schemeClr val="accent1"/>
+          </a:effectRef>
+          <a:fontRef idx="minor">
+            <a:schemeClr val="lt1"/>
+          </a:fontRef>
+        </p:style>
+        <p:txBody>
+          <a:bodyPr rtlCol="0" anchor="ctr"/>
+          <a:lstStyle/>
+          <a:p>
+            <a:pPr algn="ctr"/>
+            <a:endParaRPr lang="en-PH" sz="1200" dirty="0"/>
+          </a:p>
+        </p:txBody>
+      </p:sp>
+      <p:sp>
+        <p:nvSpPr>
+          <p:cNvPr id="95" name="Oval 94" descr="Man with facial hair">
+            <a:extLst>
+              <a:ext uri="{FF2B5EF4-FFF2-40B4-BE49-F238E27FC236}">
+                <a16:creationId xmlns:a16="http://schemas.microsoft.com/office/drawing/2014/main" id="{547C43A4-C8E4-41A8-76F1-740ABE798CD9}"/>
+              </a:ext>
+            </a:extLst>
+          </p:cNvPr>
+          <p:cNvSpPr/>
+          <p:nvPr/>
+        </p:nvSpPr>
+        <p:spPr>
+          <a:xfrm>
+            <a:off x="5948408" y="5148041"/>
+            <a:ext cx="695856" cy="585227"/>
+          </a:xfrm>
+          <a:prstGeom prst="ellipse">
+            <a:avLst/>
+          </a:prstGeom>
+          <a:blipFill dpi="0" rotWithShape="1">
+            <a:blip r:embed="rId6"/>
+            <a:srcRect/>
+            <a:stretch>
+              <a:fillRect/>
+            </a:stretch>
+          </a:blipFill>
+        </p:spPr>
+        <p:style>
+          <a:lnRef idx="2">
+            <a:schemeClr val="accent1">
+              <a:shade val="50000"/>
+            </a:schemeClr>
+          </a:lnRef>
+          <a:fillRef idx="1">
+            <a:schemeClr val="accent1"/>
+          </a:fillRef>
+          <a:effectRef idx="0">
+            <a:schemeClr val="accent1"/>
+          </a:effectRef>
+          <a:fontRef idx="minor">
+            <a:schemeClr val="lt1"/>
+          </a:fontRef>
+        </p:style>
+        <p:txBody>
+          <a:bodyPr rtlCol="0" anchor="ctr"/>
+          <a:lstStyle/>
+          <a:p>
+            <a:pPr algn="ctr"/>
+            <a:endParaRPr lang="en-PH" sz="1200" dirty="0"/>
+          </a:p>
+        </p:txBody>
+      </p:sp>
+      <p:sp>
+        <p:nvSpPr>
+          <p:cNvPr id="97" name="Oval 96" descr="Man with facial hair">
+            <a:extLst>
+              <a:ext uri="{FF2B5EF4-FFF2-40B4-BE49-F238E27FC236}">
+                <a16:creationId xmlns:a16="http://schemas.microsoft.com/office/drawing/2014/main" id="{2516A271-F079-44B6-A3DD-FBB15D204315}"/>
+              </a:ext>
+            </a:extLst>
+          </p:cNvPr>
+          <p:cNvSpPr/>
+          <p:nvPr/>
+        </p:nvSpPr>
+        <p:spPr>
+          <a:xfrm>
+            <a:off x="6961614" y="5146581"/>
+            <a:ext cx="695856" cy="585227"/>
+          </a:xfrm>
+          <a:prstGeom prst="ellipse">
+            <a:avLst/>
+          </a:prstGeom>
+          <a:blipFill dpi="0" rotWithShape="1">
+            <a:blip r:embed="rId10"/>
+            <a:srcRect/>
+            <a:stretch>
+              <a:fillRect/>
+            </a:stretch>
+          </a:blipFill>
+        </p:spPr>
+        <p:style>
+          <a:lnRef idx="2">
+            <a:schemeClr val="accent1">
+              <a:shade val="50000"/>
+            </a:schemeClr>
+          </a:lnRef>
+          <a:fillRef idx="1">
+            <a:schemeClr val="accent1"/>
+          </a:fillRef>
+          <a:effectRef idx="0">
+            <a:schemeClr val="accent1"/>
+          </a:effectRef>
+          <a:fontRef idx="minor">
+            <a:schemeClr val="lt1"/>
+          </a:fontRef>
+        </p:style>
+        <p:txBody>
+          <a:bodyPr rtlCol="0" anchor="ctr"/>
+          <a:lstStyle/>
+          <a:p>
+            <a:pPr algn="ctr"/>
+            <a:endParaRPr lang="en-PH" sz="1200" dirty="0"/>
+          </a:p>
+        </p:txBody>
+      </p:sp>
+      <p:sp>
+        <p:nvSpPr>
+          <p:cNvPr id="98" name="Oval 97" descr="Man with facial hair">
+            <a:extLst>
+              <a:ext uri="{FF2B5EF4-FFF2-40B4-BE49-F238E27FC236}">
+                <a16:creationId xmlns:a16="http://schemas.microsoft.com/office/drawing/2014/main" id="{A00B8EB9-AB3E-102B-45F9-164872240E58}"/>
+              </a:ext>
+            </a:extLst>
+          </p:cNvPr>
+          <p:cNvSpPr/>
+          <p:nvPr/>
+        </p:nvSpPr>
+        <p:spPr>
+          <a:xfrm>
+            <a:off x="4878523" y="5146581"/>
+            <a:ext cx="695856" cy="585227"/>
+          </a:xfrm>
+          <a:prstGeom prst="ellipse">
+            <a:avLst/>
+          </a:prstGeom>
+          <a:blipFill dpi="0" rotWithShape="1">
+            <a:blip r:embed="rId4"/>
+            <a:srcRect/>
+            <a:stretch>
+              <a:fillRect/>
+            </a:stretch>
+          </a:blipFill>
+        </p:spPr>
+        <p:style>
+          <a:lnRef idx="2">
+            <a:schemeClr val="accent1">
+              <a:shade val="50000"/>
+            </a:schemeClr>
+          </a:lnRef>
+          <a:fillRef idx="1">
+            <a:schemeClr val="accent1"/>
+          </a:fillRef>
+          <a:effectRef idx="0">
+            <a:schemeClr val="accent1"/>
+          </a:effectRef>
+          <a:fontRef idx="minor">
+            <a:schemeClr val="lt1"/>
+          </a:fontRef>
+        </p:style>
+        <p:txBody>
+          <a:bodyPr rtlCol="0" anchor="ctr"/>
+          <a:lstStyle/>
+          <a:p>
+            <a:pPr algn="ctr"/>
+            <a:endParaRPr lang="en-PH" sz="1200" dirty="0"/>
+          </a:p>
+        </p:txBody>
+      </p:sp>
+      <p:graphicFrame>
+        <p:nvGraphicFramePr>
+          <p:cNvPr id="6" name="Table 6">
+            <a:extLst>
+              <a:ext uri="{FF2B5EF4-FFF2-40B4-BE49-F238E27FC236}">
+                <a16:creationId xmlns:a16="http://schemas.microsoft.com/office/drawing/2014/main" id="{CF718AE7-B3A0-AF3B-DD8A-D3B37E4DE23D}"/>
+              </a:ext>
+            </a:extLst>
+          </p:cNvPr>
+          <p:cNvGraphicFramePr>
+            <a:graphicFrameLocks noGrp="1"/>
+          </p:cNvGraphicFramePr>
+          <p:nvPr>
+            <p:extLst>
+              <p:ext uri="{D42A27DB-BD31-4B8C-83A1-F6EECF244321}">
+                <p14:modId xmlns:p14="http://schemas.microsoft.com/office/powerpoint/2010/main" val="70841785"/>
+              </p:ext>
+            </p:extLst>
+          </p:nvPr>
+        </p:nvGraphicFramePr>
+        <p:xfrm>
+          <a:off x="9665219" y="1100048"/>
+          <a:ext cx="2059707" cy="4824239"/>
+        </p:xfrm>
+        <a:graphic>
+          <a:graphicData uri="http://schemas.openxmlformats.org/drawingml/2006/table">
+            <a:tbl>
+              <a:tblPr firstRow="1" bandRow="1">
+                <a:tableStyleId>{5940675A-B579-460E-94D1-54222C63F5DA}</a:tableStyleId>
+              </a:tblPr>
+              <a:tblGrid>
+                <a:gridCol w="2059707">
+                  <a:extLst>
+                    <a:ext uri="{9D8B030D-6E8A-4147-A177-3AD203B41FA5}">
+                      <a16:colId xmlns:a16="http://schemas.microsoft.com/office/drawing/2014/main" val="2206560095"/>
+                    </a:ext>
+                  </a:extLst>
+                </a:gridCol>
+              </a:tblGrid>
+              <a:tr h="689177">
+                <a:tc>
+                  <a:txBody>
+                    <a:bodyPr/>
+                    <a:lstStyle/>
+                    <a:p>
+                      <a:endParaRPr lang="en-PH"/>
+                    </a:p>
+                  </a:txBody>
+                  <a:tcPr/>
+                </a:tc>
+                <a:extLst>
+                  <a:ext uri="{0D108BD9-81ED-4DB2-BD59-A6C34878D82A}">
+                    <a16:rowId xmlns:a16="http://schemas.microsoft.com/office/drawing/2014/main" val="1145170285"/>
+                  </a:ext>
+                </a:extLst>
+              </a:tr>
+              <a:tr h="689177">
+                <a:tc>
+                  <a:txBody>
+                    <a:bodyPr/>
+                    <a:lstStyle/>
+                    <a:p>
+                      <a:endParaRPr lang="en-PH"/>
+                    </a:p>
+                  </a:txBody>
+                  <a:tcPr/>
+                </a:tc>
+                <a:extLst>
+                  <a:ext uri="{0D108BD9-81ED-4DB2-BD59-A6C34878D82A}">
+                    <a16:rowId xmlns:a16="http://schemas.microsoft.com/office/drawing/2014/main" val="2234402146"/>
+                  </a:ext>
+                </a:extLst>
+              </a:tr>
+              <a:tr h="689177">
+                <a:tc>
+                  <a:txBody>
+                    <a:bodyPr/>
+                    <a:lstStyle/>
+                    <a:p>
+                      <a:endParaRPr lang="en-PH"/>
+                    </a:p>
+                  </a:txBody>
+                  <a:tcPr/>
+                </a:tc>
+                <a:extLst>
+                  <a:ext uri="{0D108BD9-81ED-4DB2-BD59-A6C34878D82A}">
+                    <a16:rowId xmlns:a16="http://schemas.microsoft.com/office/drawing/2014/main" val="1159182239"/>
+                  </a:ext>
+                </a:extLst>
+              </a:tr>
+              <a:tr h="689177">
+                <a:tc>
+                  <a:txBody>
+                    <a:bodyPr/>
+                    <a:lstStyle/>
+                    <a:p>
+                      <a:endParaRPr lang="en-PH"/>
+                    </a:p>
+                  </a:txBody>
+                  <a:tcPr/>
+                </a:tc>
+                <a:extLst>
+                  <a:ext uri="{0D108BD9-81ED-4DB2-BD59-A6C34878D82A}">
+                    <a16:rowId xmlns:a16="http://schemas.microsoft.com/office/drawing/2014/main" val="2946919081"/>
+                  </a:ext>
+                </a:extLst>
+              </a:tr>
+              <a:tr h="689177">
+                <a:tc>
+                  <a:txBody>
+                    <a:bodyPr/>
+                    <a:lstStyle/>
+                    <a:p>
+                      <a:endParaRPr lang="en-PH" dirty="0"/>
+                    </a:p>
+                  </a:txBody>
+                  <a:tcPr/>
+                </a:tc>
+                <a:extLst>
+                  <a:ext uri="{0D108BD9-81ED-4DB2-BD59-A6C34878D82A}">
+                    <a16:rowId xmlns:a16="http://schemas.microsoft.com/office/drawing/2014/main" val="2030972411"/>
+                  </a:ext>
+                </a:extLst>
+              </a:tr>
+              <a:tr h="689177">
+                <a:tc>
+                  <a:txBody>
+                    <a:bodyPr/>
+                    <a:lstStyle/>
+                    <a:p>
+                      <a:endParaRPr lang="en-PH" dirty="0"/>
+                    </a:p>
+                  </a:txBody>
+                  <a:tcPr/>
+                </a:tc>
+                <a:extLst>
+                  <a:ext uri="{0D108BD9-81ED-4DB2-BD59-A6C34878D82A}">
+                    <a16:rowId xmlns:a16="http://schemas.microsoft.com/office/drawing/2014/main" val="3918752681"/>
+                  </a:ext>
+                </a:extLst>
+              </a:tr>
+              <a:tr h="689177">
+                <a:tc>
+                  <a:txBody>
+                    <a:bodyPr/>
+                    <a:lstStyle/>
+                    <a:p>
+                      <a:endParaRPr lang="en-PH" dirty="0"/>
+                    </a:p>
+                  </a:txBody>
+                  <a:tcPr/>
+                </a:tc>
+                <a:extLst>
+                  <a:ext uri="{0D108BD9-81ED-4DB2-BD59-A6C34878D82A}">
+                    <a16:rowId xmlns:a16="http://schemas.microsoft.com/office/drawing/2014/main" val="2026822622"/>
+                  </a:ext>
+                </a:extLst>
+              </a:tr>
+            </a:tbl>
+          </a:graphicData>
+        </a:graphic>
+      </p:graphicFrame>
+      <p:sp>
+        <p:nvSpPr>
+          <p:cNvPr id="7" name="Oval 6" descr="Man with facial hair">
+            <a:extLst>
+              <a:ext uri="{FF2B5EF4-FFF2-40B4-BE49-F238E27FC236}">
+                <a16:creationId xmlns:a16="http://schemas.microsoft.com/office/drawing/2014/main" id="{90F659EE-3C14-5EC5-97FD-EA14989F4281}"/>
+              </a:ext>
+            </a:extLst>
+          </p:cNvPr>
+          <p:cNvSpPr/>
+          <p:nvPr/>
+        </p:nvSpPr>
+        <p:spPr>
+          <a:xfrm>
+            <a:off x="10330497" y="5283924"/>
+            <a:ext cx="695856" cy="585227"/>
+          </a:xfrm>
+          <a:prstGeom prst="ellipse">
+            <a:avLst/>
+          </a:prstGeom>
+          <a:blipFill dpi="0" rotWithShape="1">
+            <a:blip r:embed="rId8"/>
+            <a:srcRect/>
+            <a:stretch>
+              <a:fillRect/>
+            </a:stretch>
+          </a:blipFill>
+        </p:spPr>
+        <p:style>
+          <a:lnRef idx="2">
+            <a:schemeClr val="accent1">
+              <a:shade val="50000"/>
+            </a:schemeClr>
+          </a:lnRef>
+          <a:fillRef idx="1">
+            <a:schemeClr val="accent1"/>
+          </a:fillRef>
+          <a:effectRef idx="0">
+            <a:schemeClr val="accent1"/>
+          </a:effectRef>
+          <a:fontRef idx="minor">
+            <a:schemeClr val="lt1"/>
+          </a:fontRef>
+        </p:style>
+        <p:txBody>
+          <a:bodyPr rtlCol="0" anchor="ctr"/>
+          <a:lstStyle/>
+          <a:p>
+            <a:pPr algn="ctr"/>
+            <a:endParaRPr lang="en-PH" sz="1200" dirty="0"/>
+          </a:p>
+        </p:txBody>
+      </p:sp>
+      <p:sp>
+        <p:nvSpPr>
+          <p:cNvPr id="8" name="Oval 7" descr="Man with facial hair">
+            <a:extLst>
+              <a:ext uri="{FF2B5EF4-FFF2-40B4-BE49-F238E27FC236}">
+                <a16:creationId xmlns:a16="http://schemas.microsoft.com/office/drawing/2014/main" id="{59D7B626-6F48-FDC0-B65C-1908D44B7CEA}"/>
+              </a:ext>
+            </a:extLst>
+          </p:cNvPr>
+          <p:cNvSpPr/>
+          <p:nvPr/>
+        </p:nvSpPr>
+        <p:spPr>
+          <a:xfrm>
+            <a:off x="10334785" y="4591070"/>
+            <a:ext cx="695856" cy="585227"/>
+          </a:xfrm>
+          <a:prstGeom prst="ellipse">
+            <a:avLst/>
+          </a:prstGeom>
+          <a:blipFill dpi="0" rotWithShape="1">
+            <a:blip r:embed="rId7"/>
+            <a:srcRect/>
+            <a:stretch>
+              <a:fillRect/>
+            </a:stretch>
+          </a:blipFill>
+        </p:spPr>
+        <p:style>
+          <a:lnRef idx="2">
+            <a:schemeClr val="accent1">
+              <a:shade val="50000"/>
+            </a:schemeClr>
+          </a:lnRef>
+          <a:fillRef idx="1">
+            <a:schemeClr val="accent1"/>
+          </a:fillRef>
+          <a:effectRef idx="0">
+            <a:schemeClr val="accent1"/>
+          </a:effectRef>
+          <a:fontRef idx="minor">
+            <a:schemeClr val="lt1"/>
+          </a:fontRef>
+        </p:style>
+        <p:txBody>
+          <a:bodyPr rtlCol="0" anchor="ctr"/>
+          <a:lstStyle/>
+          <a:p>
+            <a:pPr algn="ctr"/>
+            <a:endParaRPr lang="en-PH" sz="1200" dirty="0"/>
+          </a:p>
+        </p:txBody>
+      </p:sp>
+      <p:sp>
+        <p:nvSpPr>
+          <p:cNvPr id="9" name="Oval 8" descr="Man with facial hair">
+            <a:extLst>
+              <a:ext uri="{FF2B5EF4-FFF2-40B4-BE49-F238E27FC236}">
+                <a16:creationId xmlns:a16="http://schemas.microsoft.com/office/drawing/2014/main" id="{9DF3E987-D88D-3828-25E3-61FE0262788A}"/>
+              </a:ext>
+            </a:extLst>
+          </p:cNvPr>
+          <p:cNvSpPr/>
+          <p:nvPr/>
+        </p:nvSpPr>
+        <p:spPr>
+          <a:xfrm>
+            <a:off x="10348512" y="4591069"/>
+            <a:ext cx="695856" cy="585227"/>
+          </a:xfrm>
+          <a:prstGeom prst="ellipse">
+            <a:avLst/>
+          </a:prstGeom>
+          <a:blipFill dpi="0" rotWithShape="1">
+            <a:blip r:embed="rId4"/>
+            <a:srcRect/>
+            <a:stretch>
+              <a:fillRect/>
+            </a:stretch>
+          </a:blipFill>
+        </p:spPr>
+        <p:style>
+          <a:lnRef idx="2">
+            <a:schemeClr val="accent1">
+              <a:shade val="50000"/>
+            </a:schemeClr>
+          </a:lnRef>
+          <a:fillRef idx="1">
+            <a:schemeClr val="accent1"/>
+          </a:fillRef>
+          <a:effectRef idx="0">
+            <a:schemeClr val="accent1"/>
+          </a:effectRef>
+          <a:fontRef idx="minor">
+            <a:schemeClr val="lt1"/>
+          </a:fontRef>
+        </p:style>
+        <p:txBody>
+          <a:bodyPr rtlCol="0" anchor="ctr"/>
+          <a:lstStyle/>
+          <a:p>
+            <a:pPr algn="ctr"/>
+            <a:endParaRPr lang="en-PH" sz="1200" dirty="0"/>
+          </a:p>
+        </p:txBody>
+      </p:sp>
+      <p:sp>
+        <p:nvSpPr>
+          <p:cNvPr id="10" name="TextBox 9">
+            <a:extLst>
+              <a:ext uri="{FF2B5EF4-FFF2-40B4-BE49-F238E27FC236}">
+                <a16:creationId xmlns:a16="http://schemas.microsoft.com/office/drawing/2014/main" id="{C6F41C8A-F01D-8DF0-BCCB-36D107A8211E}"/>
+              </a:ext>
+            </a:extLst>
+          </p:cNvPr>
+          <p:cNvSpPr txBox="1"/>
+          <p:nvPr/>
+        </p:nvSpPr>
+        <p:spPr>
+          <a:xfrm>
+            <a:off x="10348512" y="730716"/>
+            <a:ext cx="713195" cy="369332"/>
+          </a:xfrm>
+          <a:prstGeom prst="rect">
+            <a:avLst/>
+          </a:prstGeom>
+          <a:noFill/>
+        </p:spPr>
+        <p:txBody>
+          <a:bodyPr wrap="square" rtlCol="0">
+            <a:spAutoFit/>
+          </a:bodyPr>
+          <a:lstStyle/>
+          <a:p>
+            <a:r>
+              <a:rPr lang="en-PH" dirty="0"/>
+              <a:t>Stack</a:t>
+            </a:r>
+          </a:p>
+        </p:txBody>
+      </p:sp>
+    </p:spTree>
+    <p:extLst>
+      <p:ext uri="{BB962C8B-B14F-4D97-AF65-F5344CB8AC3E}">
+        <p14:creationId xmlns:p14="http://schemas.microsoft.com/office/powerpoint/2010/main" val="2449463821"/>
+      </p:ext>
+    </p:extLst>
+  </p:cSld>
+  <p:clrMapOvr>
+    <a:masterClrMapping/>
+  </p:clrMapOvr>
+  <p:timing>
+    <p:tnLst>
+      <p:par>
+        <p:cTn id="1" dur="indefinite" restart="never" nodeType="tmRoot">
+          <p:childTnLst>
+            <p:seq concurrent="1" nextAc="seek">
+              <p:cTn id="2" dur="indefinite" nodeType="mainSeq">
+                <p:childTnLst>
+                  <p:par>
+                    <p:cTn id="3" fill="hold">
+                      <p:stCondLst>
+                        <p:cond delay="indefinite"/>
+                      </p:stCondLst>
+                      <p:childTnLst>
+                        <p:par>
+                          <p:cTn id="4" fill="hold">
+                            <p:stCondLst>
+                              <p:cond delay="0"/>
+                            </p:stCondLst>
+                            <p:childTnLst>
+                              <p:par>
+                                <p:cTn id="5" presetID="14" presetClass="entr" presetSubtype="10" fill="hold" grpId="0" nodeType="clickEffect">
+                                  <p:stCondLst>
+                                    <p:cond delay="0"/>
+                                  </p:stCondLst>
+                                  <p:childTnLst>
+                                    <p:set>
+                                      <p:cBhvr>
+                                        <p:cTn id="6" dur="1" fill="hold">
+                                          <p:stCondLst>
+                                            <p:cond delay="0"/>
+                                          </p:stCondLst>
+                                        </p:cTn>
+                                        <p:tgtEl>
+                                          <p:spTgt spid="88"/>
+                                        </p:tgtEl>
+                                        <p:attrNameLst>
+                                          <p:attrName>style.visibility</p:attrName>
+                                        </p:attrNameLst>
+                                      </p:cBhvr>
+                                      <p:to>
+                                        <p:strVal val="visible"/>
+                                      </p:to>
+                                    </p:set>
+                                    <p:animEffect transition="in" filter="randombar(horizontal)">
+                                      <p:cBhvr>
+                                        <p:cTn id="7" dur="500"/>
+                                        <p:tgtEl>
+                                          <p:spTgt spid="88"/>
+                                        </p:tgtEl>
+                                      </p:cBhvr>
+                                    </p:animEffect>
+                                  </p:childTnLst>
+                                </p:cTn>
+                              </p:par>
+                            </p:childTnLst>
+                          </p:cTn>
+                        </p:par>
+                      </p:childTnLst>
+                    </p:cTn>
+                  </p:par>
+                  <p:par>
+                    <p:cTn id="8" fill="hold">
+                      <p:stCondLst>
+                        <p:cond delay="indefinite"/>
+                      </p:stCondLst>
+                      <p:childTnLst>
+                        <p:par>
+                          <p:cTn id="9" fill="hold">
+                            <p:stCondLst>
+                              <p:cond delay="0"/>
+                            </p:stCondLst>
+                            <p:childTnLst>
+                              <p:par>
+                                <p:cTn id="10" presetID="14" presetClass="entr" presetSubtype="10" fill="hold" grpId="0" nodeType="clickEffect">
+                                  <p:stCondLst>
+                                    <p:cond delay="0"/>
+                                  </p:stCondLst>
+                                  <p:childTnLst>
+                                    <p:set>
+                                      <p:cBhvr>
+                                        <p:cTn id="11" dur="1" fill="hold">
+                                          <p:stCondLst>
+                                            <p:cond delay="0"/>
+                                          </p:stCondLst>
+                                        </p:cTn>
+                                        <p:tgtEl>
+                                          <p:spTgt spid="7"/>
+                                        </p:tgtEl>
+                                        <p:attrNameLst>
+                                          <p:attrName>style.visibility</p:attrName>
+                                        </p:attrNameLst>
+                                      </p:cBhvr>
+                                      <p:to>
+                                        <p:strVal val="visible"/>
+                                      </p:to>
+                                    </p:set>
+                                    <p:animEffect transition="in" filter="randombar(horizontal)">
+                                      <p:cBhvr>
+                                        <p:cTn id="12" dur="500"/>
+                                        <p:tgtEl>
+                                          <p:spTgt spid="7"/>
+                                        </p:tgtEl>
+                                      </p:cBhvr>
+                                    </p:animEffect>
+                                  </p:childTnLst>
+                                </p:cTn>
+                              </p:par>
+                            </p:childTnLst>
+                          </p:cTn>
+                        </p:par>
+                      </p:childTnLst>
+                    </p:cTn>
+                  </p:par>
+                  <p:par>
+                    <p:cTn id="13" fill="hold">
+                      <p:stCondLst>
+                        <p:cond delay="indefinite"/>
+                      </p:stCondLst>
+                      <p:childTnLst>
+                        <p:par>
+                          <p:cTn id="14" fill="hold">
+                            <p:stCondLst>
+                              <p:cond delay="0"/>
+                            </p:stCondLst>
+                            <p:childTnLst>
+                              <p:par>
+                                <p:cTn id="15" presetID="14" presetClass="entr" presetSubtype="10" fill="hold" grpId="0" nodeType="clickEffect">
+                                  <p:stCondLst>
+                                    <p:cond delay="0"/>
+                                  </p:stCondLst>
+                                  <p:childTnLst>
+                                    <p:set>
+                                      <p:cBhvr>
+                                        <p:cTn id="16" dur="1" fill="hold">
+                                          <p:stCondLst>
+                                            <p:cond delay="0"/>
+                                          </p:stCondLst>
+                                        </p:cTn>
+                                        <p:tgtEl>
+                                          <p:spTgt spid="89"/>
+                                        </p:tgtEl>
+                                        <p:attrNameLst>
+                                          <p:attrName>style.visibility</p:attrName>
+                                        </p:attrNameLst>
+                                      </p:cBhvr>
+                                      <p:to>
+                                        <p:strVal val="visible"/>
+                                      </p:to>
+                                    </p:set>
+                                    <p:animEffect transition="in" filter="randombar(horizontal)">
+                                      <p:cBhvr>
+                                        <p:cTn id="17" dur="500"/>
+                                        <p:tgtEl>
+                                          <p:spTgt spid="89"/>
+                                        </p:tgtEl>
+                                      </p:cBhvr>
+                                    </p:animEffect>
+                                  </p:childTnLst>
+                                </p:cTn>
+                              </p:par>
+                            </p:childTnLst>
+                          </p:cTn>
+                        </p:par>
+                      </p:childTnLst>
+                    </p:cTn>
+                  </p:par>
+                  <p:par>
+                    <p:cTn id="18" fill="hold">
+                      <p:stCondLst>
+                        <p:cond delay="indefinite"/>
+                      </p:stCondLst>
+                      <p:childTnLst>
+                        <p:par>
+                          <p:cTn id="19" fill="hold">
+                            <p:stCondLst>
+                              <p:cond delay="0"/>
+                            </p:stCondLst>
+                            <p:childTnLst>
+                              <p:par>
+                                <p:cTn id="20" presetID="14" presetClass="entr" presetSubtype="10" fill="hold" grpId="0" nodeType="clickEffect">
+                                  <p:stCondLst>
+                                    <p:cond delay="0"/>
+                                  </p:stCondLst>
+                                  <p:childTnLst>
+                                    <p:set>
+                                      <p:cBhvr>
+                                        <p:cTn id="21" dur="1" fill="hold">
+                                          <p:stCondLst>
+                                            <p:cond delay="0"/>
+                                          </p:stCondLst>
+                                        </p:cTn>
+                                        <p:tgtEl>
+                                          <p:spTgt spid="8"/>
+                                        </p:tgtEl>
+                                        <p:attrNameLst>
+                                          <p:attrName>style.visibility</p:attrName>
+                                        </p:attrNameLst>
+                                      </p:cBhvr>
+                                      <p:to>
+                                        <p:strVal val="visible"/>
+                                      </p:to>
+                                    </p:set>
+                                    <p:animEffect transition="in" filter="randombar(horizontal)">
+                                      <p:cBhvr>
+                                        <p:cTn id="22" dur="500"/>
+                                        <p:tgtEl>
+                                          <p:spTgt spid="8"/>
+                                        </p:tgtEl>
+                                      </p:cBhvr>
+                                    </p:animEffect>
+                                  </p:childTnLst>
+                                </p:cTn>
+                              </p:par>
+                            </p:childTnLst>
+                          </p:cTn>
+                        </p:par>
+                      </p:childTnLst>
+                    </p:cTn>
+                  </p:par>
+                  <p:par>
+                    <p:cTn id="23" fill="hold">
+                      <p:stCondLst>
+                        <p:cond delay="indefinite"/>
+                      </p:stCondLst>
+                      <p:childTnLst>
+                        <p:par>
+                          <p:cTn id="24" fill="hold">
+                            <p:stCondLst>
+                              <p:cond delay="0"/>
+                            </p:stCondLst>
+                            <p:childTnLst>
+                              <p:par>
+                                <p:cTn id="25" presetID="14" presetClass="entr" presetSubtype="10" fill="hold" grpId="0" nodeType="clickEffect">
+                                  <p:stCondLst>
+                                    <p:cond delay="0"/>
+                                  </p:stCondLst>
+                                  <p:childTnLst>
+                                    <p:set>
+                                      <p:cBhvr>
+                                        <p:cTn id="26" dur="1" fill="hold">
+                                          <p:stCondLst>
+                                            <p:cond delay="0"/>
+                                          </p:stCondLst>
+                                        </p:cTn>
+                                        <p:tgtEl>
+                                          <p:spTgt spid="94"/>
+                                        </p:tgtEl>
+                                        <p:attrNameLst>
+                                          <p:attrName>style.visibility</p:attrName>
+                                        </p:attrNameLst>
+                                      </p:cBhvr>
+                                      <p:to>
+                                        <p:strVal val="visible"/>
+                                      </p:to>
+                                    </p:set>
+                                    <p:animEffect transition="in" filter="randombar(horizontal)">
+                                      <p:cBhvr>
+                                        <p:cTn id="27" dur="500"/>
+                                        <p:tgtEl>
+                                          <p:spTgt spid="94"/>
+                                        </p:tgtEl>
+                                      </p:cBhvr>
+                                    </p:animEffect>
+                                  </p:childTnLst>
+                                </p:cTn>
+                              </p:par>
+                            </p:childTnLst>
+                          </p:cTn>
+                        </p:par>
+                      </p:childTnLst>
+                    </p:cTn>
+                  </p:par>
+                  <p:par>
+                    <p:cTn id="28" fill="hold">
+                      <p:stCondLst>
+                        <p:cond delay="indefinite"/>
+                      </p:stCondLst>
+                      <p:childTnLst>
+                        <p:par>
+                          <p:cTn id="29" fill="hold">
+                            <p:stCondLst>
+                              <p:cond delay="0"/>
+                            </p:stCondLst>
+                            <p:childTnLst>
+                              <p:par>
+                                <p:cTn id="30" presetID="14" presetClass="entr" presetSubtype="10" fill="hold" grpId="0" nodeType="clickEffect">
+                                  <p:stCondLst>
+                                    <p:cond delay="0"/>
+                                  </p:stCondLst>
+                                  <p:childTnLst>
+                                    <p:set>
+                                      <p:cBhvr>
+                                        <p:cTn id="31" dur="1" fill="hold">
+                                          <p:stCondLst>
+                                            <p:cond delay="0"/>
+                                          </p:stCondLst>
+                                        </p:cTn>
+                                        <p:tgtEl>
+                                          <p:spTgt spid="90"/>
+                                        </p:tgtEl>
+                                        <p:attrNameLst>
+                                          <p:attrName>style.visibility</p:attrName>
+                                        </p:attrNameLst>
+                                      </p:cBhvr>
+                                      <p:to>
+                                        <p:strVal val="visible"/>
+                                      </p:to>
+                                    </p:set>
+                                    <p:animEffect transition="in" filter="randombar(horizontal)">
+                                      <p:cBhvr>
+                                        <p:cTn id="32" dur="500"/>
+                                        <p:tgtEl>
+                                          <p:spTgt spid="90"/>
+                                        </p:tgtEl>
+                                      </p:cBhvr>
+                                    </p:animEffect>
+                                  </p:childTnLst>
+                                </p:cTn>
+                              </p:par>
+                            </p:childTnLst>
+                          </p:cTn>
+                        </p:par>
+                      </p:childTnLst>
+                    </p:cTn>
+                  </p:par>
+                  <p:par>
+                    <p:cTn id="33" fill="hold">
+                      <p:stCondLst>
+                        <p:cond delay="indefinite"/>
+                      </p:stCondLst>
+                      <p:childTnLst>
+                        <p:par>
+                          <p:cTn id="34" fill="hold">
+                            <p:stCondLst>
+                              <p:cond delay="0"/>
+                            </p:stCondLst>
+                            <p:childTnLst>
+                              <p:par>
+                                <p:cTn id="35" presetID="1" presetClass="exit" presetSubtype="0" fill="hold" grpId="1" nodeType="clickEffect">
+                                  <p:stCondLst>
+                                    <p:cond delay="0"/>
+                                  </p:stCondLst>
+                                  <p:childTnLst>
+                                    <p:set>
+                                      <p:cBhvr>
+                                        <p:cTn id="36" dur="1" fill="hold">
+                                          <p:stCondLst>
+                                            <p:cond delay="0"/>
+                                          </p:stCondLst>
+                                        </p:cTn>
+                                        <p:tgtEl>
+                                          <p:spTgt spid="8"/>
+                                        </p:tgtEl>
+                                        <p:attrNameLst>
+                                          <p:attrName>style.visibility</p:attrName>
+                                        </p:attrNameLst>
+                                      </p:cBhvr>
+                                      <p:to>
+                                        <p:strVal val="hidden"/>
+                                      </p:to>
+                                    </p:set>
+                                  </p:childTnLst>
+                                </p:cTn>
+                              </p:par>
+                            </p:childTnLst>
+                          </p:cTn>
+                        </p:par>
+                      </p:childTnLst>
+                    </p:cTn>
+                  </p:par>
+                  <p:par>
+                    <p:cTn id="37" fill="hold">
+                      <p:stCondLst>
+                        <p:cond delay="indefinite"/>
+                      </p:stCondLst>
+                      <p:childTnLst>
+                        <p:par>
+                          <p:cTn id="38" fill="hold">
+                            <p:stCondLst>
+                              <p:cond delay="0"/>
+                            </p:stCondLst>
+                            <p:childTnLst>
+                              <p:par>
+                                <p:cTn id="39" presetID="14" presetClass="entr" presetSubtype="10" fill="hold" grpId="0" nodeType="clickEffect">
+                                  <p:stCondLst>
+                                    <p:cond delay="0"/>
+                                  </p:stCondLst>
+                                  <p:childTnLst>
+                                    <p:set>
+                                      <p:cBhvr>
+                                        <p:cTn id="40" dur="1" fill="hold">
+                                          <p:stCondLst>
+                                            <p:cond delay="0"/>
+                                          </p:stCondLst>
+                                        </p:cTn>
+                                        <p:tgtEl>
+                                          <p:spTgt spid="98"/>
+                                        </p:tgtEl>
+                                        <p:attrNameLst>
+                                          <p:attrName>style.visibility</p:attrName>
+                                        </p:attrNameLst>
+                                      </p:cBhvr>
+                                      <p:to>
+                                        <p:strVal val="visible"/>
+                                      </p:to>
+                                    </p:set>
+                                    <p:animEffect transition="in" filter="randombar(horizontal)">
+                                      <p:cBhvr>
+                                        <p:cTn id="41" dur="500"/>
+                                        <p:tgtEl>
+                                          <p:spTgt spid="98"/>
+                                        </p:tgtEl>
+                                      </p:cBhvr>
+                                    </p:animEffect>
+                                  </p:childTnLst>
+                                </p:cTn>
+                              </p:par>
+                            </p:childTnLst>
+                          </p:cTn>
+                        </p:par>
+                      </p:childTnLst>
+                    </p:cTn>
+                  </p:par>
+                  <p:par>
+                    <p:cTn id="42" fill="hold">
+                      <p:stCondLst>
+                        <p:cond delay="indefinite"/>
+                      </p:stCondLst>
+                      <p:childTnLst>
+                        <p:par>
+                          <p:cTn id="43" fill="hold">
+                            <p:stCondLst>
+                              <p:cond delay="0"/>
+                            </p:stCondLst>
+                            <p:childTnLst>
+                              <p:par>
+                                <p:cTn id="44" presetID="14" presetClass="entr" presetSubtype="10" fill="hold" grpId="0" nodeType="clickEffect">
+                                  <p:stCondLst>
+                                    <p:cond delay="0"/>
+                                  </p:stCondLst>
+                                  <p:childTnLst>
+                                    <p:set>
+                                      <p:cBhvr>
+                                        <p:cTn id="45" dur="1" fill="hold">
+                                          <p:stCondLst>
+                                            <p:cond delay="0"/>
+                                          </p:stCondLst>
+                                        </p:cTn>
+                                        <p:tgtEl>
+                                          <p:spTgt spid="9"/>
+                                        </p:tgtEl>
+                                        <p:attrNameLst>
+                                          <p:attrName>style.visibility</p:attrName>
+                                        </p:attrNameLst>
+                                      </p:cBhvr>
+                                      <p:to>
+                                        <p:strVal val="visible"/>
+                                      </p:to>
+                                    </p:set>
+                                    <p:animEffect transition="in" filter="randombar(horizontal)">
+                                      <p:cBhvr>
+                                        <p:cTn id="46" dur="500"/>
+                                        <p:tgtEl>
+                                          <p:spTgt spid="9"/>
+                                        </p:tgtEl>
+                                      </p:cBhvr>
+                                    </p:animEffect>
+                                  </p:childTnLst>
+                                </p:cTn>
+                              </p:par>
+                            </p:childTnLst>
+                          </p:cTn>
+                        </p:par>
+                      </p:childTnLst>
+                    </p:cTn>
+                  </p:par>
+                  <p:par>
+                    <p:cTn id="47" fill="hold">
+                      <p:stCondLst>
+                        <p:cond delay="indefinite"/>
+                      </p:stCondLst>
+                      <p:childTnLst>
+                        <p:par>
+                          <p:cTn id="48" fill="hold">
+                            <p:stCondLst>
+                              <p:cond delay="0"/>
+                            </p:stCondLst>
+                            <p:childTnLst>
+                              <p:par>
+                                <p:cTn id="49" presetID="14" presetClass="entr" presetSubtype="10" fill="hold" grpId="0" nodeType="clickEffect">
+                                  <p:stCondLst>
+                                    <p:cond delay="0"/>
+                                  </p:stCondLst>
+                                  <p:childTnLst>
+                                    <p:set>
+                                      <p:cBhvr>
+                                        <p:cTn id="50" dur="1" fill="hold">
+                                          <p:stCondLst>
+                                            <p:cond delay="0"/>
+                                          </p:stCondLst>
+                                        </p:cTn>
+                                        <p:tgtEl>
+                                          <p:spTgt spid="95"/>
+                                        </p:tgtEl>
+                                        <p:attrNameLst>
+                                          <p:attrName>style.visibility</p:attrName>
+                                        </p:attrNameLst>
+                                      </p:cBhvr>
+                                      <p:to>
+                                        <p:strVal val="visible"/>
+                                      </p:to>
+                                    </p:set>
+                                    <p:animEffect transition="in" filter="randombar(horizontal)">
+                                      <p:cBhvr>
+                                        <p:cTn id="51" dur="500"/>
+                                        <p:tgtEl>
+                                          <p:spTgt spid="95"/>
+                                        </p:tgtEl>
+                                      </p:cBhvr>
+                                    </p:animEffect>
+                                  </p:childTnLst>
+                                </p:cTn>
+                              </p:par>
+                            </p:childTnLst>
+                          </p:cTn>
+                        </p:par>
+                      </p:childTnLst>
+                    </p:cTn>
+                  </p:par>
+                  <p:par>
+                    <p:cTn id="52" fill="hold">
+                      <p:stCondLst>
+                        <p:cond delay="indefinite"/>
+                      </p:stCondLst>
+                      <p:childTnLst>
+                        <p:par>
+                          <p:cTn id="53" fill="hold">
+                            <p:stCondLst>
+                              <p:cond delay="0"/>
+                            </p:stCondLst>
+                            <p:childTnLst>
+                              <p:par>
+                                <p:cTn id="54" presetID="14" presetClass="entr" presetSubtype="10" fill="hold" grpId="0" nodeType="clickEffect">
+                                  <p:stCondLst>
+                                    <p:cond delay="0"/>
+                                  </p:stCondLst>
+                                  <p:childTnLst>
+                                    <p:set>
+                                      <p:cBhvr>
+                                        <p:cTn id="55" dur="1" fill="hold">
+                                          <p:stCondLst>
+                                            <p:cond delay="0"/>
+                                          </p:stCondLst>
+                                        </p:cTn>
+                                        <p:tgtEl>
+                                          <p:spTgt spid="97"/>
+                                        </p:tgtEl>
+                                        <p:attrNameLst>
+                                          <p:attrName>style.visibility</p:attrName>
+                                        </p:attrNameLst>
+                                      </p:cBhvr>
+                                      <p:to>
+                                        <p:strVal val="visible"/>
+                                      </p:to>
+                                    </p:set>
+                                    <p:animEffect transition="in" filter="randombar(horizontal)">
+                                      <p:cBhvr>
+                                        <p:cTn id="56" dur="500"/>
+                                        <p:tgtEl>
+                                          <p:spTgt spid="97"/>
+                                        </p:tgtEl>
+                                      </p:cBhvr>
+                                    </p:animEffect>
+                                  </p:childTnLst>
+                                </p:cTn>
+                              </p:par>
+                            </p:childTnLst>
+                          </p:cTn>
+                        </p:par>
+                      </p:childTnLst>
+                    </p:cTn>
+                  </p:par>
+                  <p:par>
+                    <p:cTn id="57" fill="hold">
+                      <p:stCondLst>
+                        <p:cond delay="indefinite"/>
+                      </p:stCondLst>
+                      <p:childTnLst>
+                        <p:par>
+                          <p:cTn id="58" fill="hold">
+                            <p:stCondLst>
+                              <p:cond delay="0"/>
+                            </p:stCondLst>
+                            <p:childTnLst>
+                              <p:par>
+                                <p:cTn id="59" presetID="1" presetClass="exit" presetSubtype="0" fill="hold" grpId="1" nodeType="clickEffect">
+                                  <p:stCondLst>
+                                    <p:cond delay="0"/>
+                                  </p:stCondLst>
+                                  <p:childTnLst>
+                                    <p:set>
+                                      <p:cBhvr>
+                                        <p:cTn id="60" dur="1" fill="hold">
+                                          <p:stCondLst>
+                                            <p:cond delay="0"/>
+                                          </p:stCondLst>
+                                        </p:cTn>
+                                        <p:tgtEl>
+                                          <p:spTgt spid="9"/>
+                                        </p:tgtEl>
+                                        <p:attrNameLst>
+                                          <p:attrName>style.visibility</p:attrName>
+                                        </p:attrNameLst>
+                                      </p:cBhvr>
+                                      <p:to>
+                                        <p:strVal val="hidden"/>
+                                      </p:to>
+                                    </p:set>
+                                  </p:childTnLst>
+                                </p:cTn>
+                              </p:par>
+                            </p:childTnLst>
+                          </p:cTn>
+                        </p:par>
+                      </p:childTnLst>
+                    </p:cTn>
+                  </p:par>
+                  <p:par>
+                    <p:cTn id="61" fill="hold">
+                      <p:stCondLst>
+                        <p:cond delay="indefinite"/>
+                      </p:stCondLst>
+                      <p:childTnLst>
+                        <p:par>
+                          <p:cTn id="62" fill="hold">
+                            <p:stCondLst>
+                              <p:cond delay="0"/>
+                            </p:stCondLst>
+                            <p:childTnLst>
+                              <p:par>
+                                <p:cTn id="63" presetID="1" presetClass="exit" presetSubtype="0" fill="hold" grpId="1" nodeType="clickEffect">
+                                  <p:stCondLst>
+                                    <p:cond delay="0"/>
+                                  </p:stCondLst>
+                                  <p:childTnLst>
+                                    <p:set>
+                                      <p:cBhvr>
+                                        <p:cTn id="64" dur="1" fill="hold">
+                                          <p:stCondLst>
+                                            <p:cond delay="0"/>
+                                          </p:stCondLst>
+                                        </p:cTn>
+                                        <p:tgtEl>
+                                          <p:spTgt spid="7"/>
+                                        </p:tgtEl>
+                                        <p:attrNameLst>
+                                          <p:attrName>style.visibility</p:attrName>
+                                        </p:attrNameLst>
+                                      </p:cBhvr>
+                                      <p:to>
+                                        <p:strVal val="hidden"/>
+                                      </p:to>
+                                    </p:set>
+                                  </p:childTnLst>
+                                </p:cTn>
+                              </p:par>
+                            </p:childTnLst>
+                          </p:cTn>
+                        </p:par>
+                      </p:childTnLst>
+                    </p:cTn>
+                  </p:par>
+                </p:childTnLst>
+              </p:cTn>
+              <p:prevCondLst>
+                <p:cond evt="onPrev" delay="0">
+                  <p:tgtEl>
+                    <p:sldTgt/>
+                  </p:tgtEl>
+                </p:cond>
+              </p:prevCondLst>
+              <p:nextCondLst>
+                <p:cond evt="onNext" delay="0">
+                  <p:tgtEl>
+                    <p:sldTgt/>
+                  </p:tgtEl>
+                </p:cond>
+              </p:nextCondLst>
+            </p:seq>
+          </p:childTnLst>
+        </p:cTn>
+      </p:par>
+    </p:tnLst>
+    <p:bldLst>
+      <p:bldP spid="88" grpId="0" animBg="1"/>
+      <p:bldP spid="89" grpId="0" animBg="1"/>
+      <p:bldP spid="90" grpId="0" animBg="1"/>
+      <p:bldP spid="94" grpId="0" animBg="1"/>
+      <p:bldP spid="95" grpId="0" animBg="1"/>
+      <p:bldP spid="97" grpId="0" animBg="1"/>
+      <p:bldP spid="98" grpId="0" animBg="1"/>
+      <p:bldP spid="7" grpId="0" animBg="1"/>
+      <p:bldP spid="7" grpId="1" animBg="1"/>
+      <p:bldP spid="8" grpId="0" animBg="1"/>
+      <p:bldP spid="8" grpId="1" animBg="1"/>
+      <p:bldP spid="9" grpId="0" animBg="1"/>
+      <p:bldP spid="9" grpId="1" animBg="1"/>
+    </p:bldLst>
+  </p:timing>
+</p:sld>
+</file>
+
+<file path=ppt/slides/slide11.xml><?xml version="1.0" encoding="utf-8"?>
 <p:sld xmlns:a="http://schemas.openxmlformats.org/drawingml/2006/main" xmlns:r="http://schemas.openxmlformats.org/officeDocument/2006/relationships" xmlns:p="http://schemas.openxmlformats.org/presentationml/2006/main">
   <p:cSld>
     <p:bg>
@@ -8071,7 +10809,7 @@
 </p:sld>
 </file>
 
-<file path=ppt/slides/slide11.xml><?xml version="1.0" encoding="utf-8"?>
+<file path=ppt/slides/slide12.xml><?xml version="1.0" encoding="utf-8"?>
 <p:sld xmlns:a="http://schemas.openxmlformats.org/drawingml/2006/main" xmlns:r="http://schemas.openxmlformats.org/officeDocument/2006/relationships" xmlns:p="http://schemas.openxmlformats.org/presentationml/2006/main">
   <p:cSld>
     <p:bg>
@@ -12333,8 +15071,8 @@
         </p:nvSpPr>
         <p:spPr>
           <a:xfrm>
-            <a:off x="1524000" y="1516449"/>
-            <a:ext cx="9144000" cy="4290585"/>
+            <a:off x="668867" y="1516449"/>
+            <a:ext cx="10989733" cy="4290585"/>
           </a:xfrm>
           <a:prstGeom prst="rect">
             <a:avLst/>
@@ -12364,65 +15102,100 @@
             </a:lvl1pPr>
           </a:lstStyle>
           <a:p>
-            <a:pPr marL="457200" indent="-457200" algn="l">
-              <a:buFont typeface="Wingdings" panose="05000000000000000000" pitchFamily="2" charset="2"/>
-              <a:buChar char="q"/>
+            <a:pPr marL="342900" indent="-342900" algn="l">
+              <a:buFont typeface="Wingdings" pitchFamily="2" charset="2"/>
+              <a:buChar char="§"/>
             </a:pPr>
             <a:r>
-              <a:rPr lang="en-US" sz="3500" dirty="0"/>
-              <a:t>Breadth First Search</a:t>
+              <a:rPr lang="en-US" sz="2400" dirty="0">
+                <a:latin typeface="+mn-lt"/>
+              </a:rPr>
+              <a:t>Graph search or traversal refers to the process of visiting or checking each vertex in a graph.</a:t>
             </a:r>
           </a:p>
           <a:p>
-            <a:pPr marL="457200" indent="-457200" algn="l">
-              <a:buFont typeface="Wingdings" panose="05000000000000000000" pitchFamily="2" charset="2"/>
-              <a:buChar char="q"/>
+            <a:pPr marL="342900" indent="-342900" algn="l">
+              <a:buFont typeface="Wingdings" pitchFamily="2" charset="2"/>
+              <a:buChar char="§"/>
             </a:pPr>
-            <a:endParaRPr lang="en-US" sz="3500" i="0" dirty="0">
-              <a:effectLst/>
+            <a:endParaRPr lang="en-US" sz="2400" dirty="0">
+              <a:latin typeface="+mn-lt"/>
             </a:endParaRPr>
           </a:p>
           <a:p>
-            <a:pPr marL="457200" indent="-457200" algn="l">
-              <a:buFont typeface="Wingdings" panose="05000000000000000000" pitchFamily="2" charset="2"/>
-              <a:buChar char="q"/>
+            <a:pPr marL="342900" indent="-342900" algn="l">
+              <a:buFont typeface="Wingdings" pitchFamily="2" charset="2"/>
+              <a:buChar char="§"/>
             </a:pPr>
             <a:r>
-              <a:rPr lang="en-US" sz="3500" dirty="0"/>
-              <a:t>Depth First Search</a:t>
+              <a:rPr lang="en-US" sz="2400" dirty="0">
+                <a:latin typeface="+mn-lt"/>
+              </a:rPr>
+              <a:t>Many graph applications need to visit the vertices of a graph in some specific order based on the graph’s topology. This is known as a graph traversal and is similar in concept to a tree traversal.</a:t>
             </a:r>
           </a:p>
           <a:p>
-            <a:pPr marL="457200" indent="-457200" algn="l">
-              <a:buFont typeface="Wingdings" panose="05000000000000000000" pitchFamily="2" charset="2"/>
-              <a:buChar char="q"/>
+            <a:pPr marL="342900" indent="-342900" algn="l">
+              <a:buFont typeface="Wingdings" pitchFamily="2" charset="2"/>
+              <a:buChar char="§"/>
             </a:pPr>
-            <a:endParaRPr lang="en-US" sz="3500" i="0" dirty="0">
-              <a:effectLst/>
+            <a:endParaRPr lang="en-US" sz="2400" dirty="0">
+              <a:latin typeface="+mn-lt"/>
             </a:endParaRPr>
           </a:p>
           <a:p>
-            <a:pPr algn="l"/>
-            <a:endParaRPr lang="en-US" sz="3500" i="0" dirty="0">
-              <a:effectLst/>
+            <a:pPr marL="342900" indent="-342900" algn="l">
+              <a:buFont typeface="Wingdings" pitchFamily="2" charset="2"/>
+              <a:buChar char="§"/>
+            </a:pPr>
+            <a:endParaRPr lang="en-US" sz="2400" dirty="0">
+              <a:latin typeface="+mn-lt"/>
             </a:endParaRPr>
           </a:p>
           <a:p>
-            <a:pPr marL="457200" indent="-457200" algn="l">
-              <a:buFont typeface="Wingdings" panose="05000000000000000000" pitchFamily="2" charset="2"/>
-              <a:buChar char="q"/>
+            <a:pPr marL="342900" indent="-342900" algn="l">
+              <a:buFont typeface="Wingdings" pitchFamily="2" charset="2"/>
+              <a:buChar char="§"/>
             </a:pPr>
-            <a:endParaRPr lang="en-US" sz="3500" dirty="0"/>
-          </a:p>
-          <a:p>
-            <a:pPr algn="l"/>
-            <a:endParaRPr lang="en-US" sz="3500" i="0" dirty="0">
-              <a:effectLst/>
+            <a:endParaRPr lang="en-US" sz="2400" dirty="0">
+              <a:latin typeface="+mn-lt"/>
             </a:endParaRPr>
           </a:p>
           <a:p>
-            <a:pPr algn="l"/>
-            <a:endParaRPr lang="en-US" sz="3500" dirty="0"/>
+            <a:pPr marL="342900" indent="-342900" algn="l">
+              <a:buFont typeface="Wingdings" pitchFamily="2" charset="2"/>
+              <a:buChar char="§"/>
+            </a:pPr>
+            <a:endParaRPr lang="en-US" sz="2400" dirty="0">
+              <a:latin typeface="+mn-lt"/>
+            </a:endParaRPr>
+          </a:p>
+          <a:p>
+            <a:pPr marL="342900" indent="-342900" algn="l">
+              <a:buFont typeface="Wingdings" pitchFamily="2" charset="2"/>
+              <a:buChar char="§"/>
+            </a:pPr>
+            <a:endParaRPr lang="en-US" sz="2400" dirty="0">
+              <a:latin typeface="+mn-lt"/>
+            </a:endParaRPr>
+          </a:p>
+          <a:p>
+            <a:pPr marL="342900" indent="-342900" algn="l">
+              <a:buFont typeface="Wingdings" pitchFamily="2" charset="2"/>
+              <a:buChar char="§"/>
+            </a:pPr>
+            <a:endParaRPr lang="en-US" sz="2400" dirty="0">
+              <a:latin typeface="+mn-lt"/>
+            </a:endParaRPr>
+          </a:p>
+          <a:p>
+            <a:pPr marL="342900" indent="-342900" algn="l">
+              <a:buFont typeface="Wingdings" pitchFamily="2" charset="2"/>
+              <a:buChar char="§"/>
+            </a:pPr>
+            <a:endParaRPr lang="en-US" sz="2400" dirty="0">
+              <a:latin typeface="+mn-lt"/>
+            </a:endParaRPr>
           </a:p>
         </p:txBody>
       </p:sp>
@@ -12501,7 +15274,7 @@
           <a:p>
             <a:r>
               <a:rPr lang="en-PH" b="1" dirty="0"/>
-              <a:t>Breadth First Search</a:t>
+              <a:t>Graph Traversal</a:t>
             </a:r>
           </a:p>
         </p:txBody>
@@ -12567,8 +15340,8 @@
         </p:nvSpPr>
         <p:spPr>
           <a:xfrm>
-            <a:off x="1524000" y="1516449"/>
-            <a:ext cx="9144000" cy="4290585"/>
+            <a:off x="1524000" y="4748063"/>
+            <a:ext cx="3942522" cy="718459"/>
           </a:xfrm>
           <a:prstGeom prst="rect">
             <a:avLst/>
@@ -12598,93 +15371,128 @@
             </a:lvl1pPr>
           </a:lstStyle>
           <a:p>
-            <a:pPr marL="457200" indent="-457200" algn="l">
-              <a:buFont typeface="Wingdings" panose="05000000000000000000" pitchFamily="2" charset="2"/>
-              <a:buChar char="q"/>
-            </a:pPr>
+            <a:pPr algn="l"/>
             <a:r>
-              <a:rPr lang="en-US" sz="3000" b="0" i="0" dirty="0">
-                <a:effectLst/>
+              <a:rPr lang="en-US" sz="3500" dirty="0">
+                <a:latin typeface="+mn-lt"/>
               </a:rPr>
-              <a:t>Start by putting any one of the graph's vertices at the back of a queue.</a:t>
+              <a:t>Breadth First Search</a:t>
             </a:r>
           </a:p>
-          <a:p>
-            <a:pPr marL="457200" indent="-457200" algn="l">
-              <a:buFont typeface="Wingdings" panose="05000000000000000000" pitchFamily="2" charset="2"/>
-              <a:buChar char="q"/>
-            </a:pPr>
-            <a:endParaRPr lang="en-US" sz="3000" b="0" i="0" dirty="0">
-              <a:effectLst/>
-            </a:endParaRPr>
-          </a:p>
-          <a:p>
-            <a:pPr marL="457200" indent="-457200" algn="l">
-              <a:buFont typeface="Wingdings" panose="05000000000000000000" pitchFamily="2" charset="2"/>
-              <a:buChar char="q"/>
-            </a:pPr>
+        </p:txBody>
+      </p:sp>
+      <p:sp>
+        <p:nvSpPr>
+          <p:cNvPr id="6" name="TextBox 5">
+            <a:extLst>
+              <a:ext uri="{FF2B5EF4-FFF2-40B4-BE49-F238E27FC236}">
+                <a16:creationId xmlns:a16="http://schemas.microsoft.com/office/drawing/2014/main" id="{BCDFC0FD-FFE6-8D3E-822F-A9C62E5B831A}"/>
+              </a:ext>
+            </a:extLst>
+          </p:cNvPr>
+          <p:cNvSpPr txBox="1"/>
+          <p:nvPr/>
+        </p:nvSpPr>
+        <p:spPr>
+          <a:xfrm>
+            <a:off x="6784746" y="4850969"/>
+            <a:ext cx="3562626" cy="615553"/>
+          </a:xfrm>
+          <a:prstGeom prst="rect">
+            <a:avLst/>
+          </a:prstGeom>
+          <a:noFill/>
+        </p:spPr>
+        <p:txBody>
+          <a:bodyPr wrap="square">
+            <a:spAutoFit/>
+          </a:bodyPr>
+          <a:lstStyle/>
+          <a:p>
+            <a:pPr algn="l"/>
             <a:r>
-              <a:rPr lang="en-US" sz="3000" b="0" i="0" dirty="0">
-                <a:effectLst/>
-              </a:rPr>
-              <a:t>Take the front item of the queue and add it to the visited list.</a:t>
+              <a:rPr lang="en-US" sz="3400" dirty="0"/>
+              <a:t>Depth First Search</a:t>
             </a:r>
           </a:p>
-          <a:p>
-            <a:pPr marL="457200" indent="-457200" algn="l">
-              <a:buFont typeface="Wingdings" panose="05000000000000000000" pitchFamily="2" charset="2"/>
-              <a:buChar char="q"/>
-            </a:pPr>
-            <a:endParaRPr lang="en-US" sz="3000" b="0" i="0" dirty="0">
-              <a:effectLst/>
-            </a:endParaRPr>
-          </a:p>
-          <a:p>
-            <a:pPr marL="457200" indent="-457200" algn="l">
-              <a:buFont typeface="Wingdings" panose="05000000000000000000" pitchFamily="2" charset="2"/>
-              <a:buChar char="q"/>
-            </a:pPr>
-            <a:r>
-              <a:rPr lang="en-US" sz="3000" b="0" i="0" dirty="0">
-                <a:effectLst/>
-              </a:rPr>
-              <a:t>Create a list of that vertex's adjacent nodes. Add the ones which aren't in the visited list to the back of the queue.</a:t>
-            </a:r>
-          </a:p>
-          <a:p>
-            <a:pPr marL="457200" indent="-457200" algn="l">
-              <a:buFont typeface="Wingdings" panose="05000000000000000000" pitchFamily="2" charset="2"/>
-              <a:buChar char="q"/>
-            </a:pPr>
-            <a:endParaRPr lang="en-US" sz="3000" b="0" i="0" dirty="0">
-              <a:effectLst/>
-            </a:endParaRPr>
-          </a:p>
-          <a:p>
-            <a:pPr marL="457200" indent="-457200" algn="l">
-              <a:buFont typeface="Wingdings" panose="05000000000000000000" pitchFamily="2" charset="2"/>
-              <a:buChar char="q"/>
-            </a:pPr>
-            <a:r>
-              <a:rPr lang="en-US" sz="3000" b="0" i="0" dirty="0">
-                <a:effectLst/>
-              </a:rPr>
-              <a:t>Keep repeating steps 2 and 3 until the queue is empty.</a:t>
-            </a:r>
-          </a:p>
-          <a:p>
-            <a:pPr marL="457200" indent="-457200" algn="l">
-              <a:buFont typeface="Wingdings" panose="05000000000000000000" pitchFamily="2" charset="2"/>
-              <a:buChar char="q"/>
-            </a:pPr>
-            <a:endParaRPr lang="en-US" sz="3000" dirty="0"/>
-          </a:p>
-        </p:txBody>
-      </p:sp>
+        </p:txBody>
+      </p:sp>
+      <p:pic>
+        <p:nvPicPr>
+          <p:cNvPr id="9" name="Picture 8" descr="A diagram of a network&#10;&#10;Description automatically generated">
+            <a:extLst>
+              <a:ext uri="{FF2B5EF4-FFF2-40B4-BE49-F238E27FC236}">
+                <a16:creationId xmlns:a16="http://schemas.microsoft.com/office/drawing/2014/main" id="{A3E038C3-7770-FA54-5BC8-4B7ADC68E8A4}"/>
+              </a:ext>
+            </a:extLst>
+          </p:cNvPr>
+          <p:cNvPicPr>
+            <a:picLocks noChangeAspect="1"/>
+          </p:cNvPicPr>
+          <p:nvPr/>
+        </p:nvPicPr>
+        <p:blipFill>
+          <a:blip r:embed="rId4">
+            <a:extLst>
+              <a:ext uri="{28A0092B-C50C-407E-A947-70E740481C1C}">
+                <a14:useLocalDpi xmlns:a14="http://schemas.microsoft.com/office/drawing/2010/main" val="0"/>
+              </a:ext>
+            </a:extLst>
+          </a:blip>
+          <a:stretch>
+            <a:fillRect/>
+          </a:stretch>
+        </p:blipFill>
+        <p:spPr>
+          <a:xfrm>
+            <a:off x="6725480" y="1573063"/>
+            <a:ext cx="3175000" cy="3175000"/>
+          </a:xfrm>
+          <a:prstGeom prst="rect">
+            <a:avLst/>
+          </a:prstGeom>
+        </p:spPr>
+      </p:pic>
+      <p:pic>
+        <p:nvPicPr>
+          <p:cNvPr id="11" name="Picture 10" descr="A diagram of a network&#10;&#10;Description automatically generated">
+            <a:extLst>
+              <a:ext uri="{FF2B5EF4-FFF2-40B4-BE49-F238E27FC236}">
+                <a16:creationId xmlns:a16="http://schemas.microsoft.com/office/drawing/2014/main" id="{A47B5E48-182A-D80E-578B-7CCF0AD75C73}"/>
+              </a:ext>
+            </a:extLst>
+          </p:cNvPr>
+          <p:cNvPicPr>
+            <a:picLocks noChangeAspect="1"/>
+          </p:cNvPicPr>
+          <p:nvPr/>
+        </p:nvPicPr>
+        <p:blipFill>
+          <a:blip r:embed="rId5">
+            <a:extLst>
+              <a:ext uri="{28A0092B-C50C-407E-A947-70E740481C1C}">
+                <a14:useLocalDpi xmlns:a14="http://schemas.microsoft.com/office/drawing/2010/main" val="0"/>
+              </a:ext>
+            </a:extLst>
+          </a:blip>
+          <a:stretch>
+            <a:fillRect/>
+          </a:stretch>
+        </p:blipFill>
+        <p:spPr>
+          <a:xfrm>
+            <a:off x="1765421" y="1591020"/>
+            <a:ext cx="3175000" cy="3175000"/>
+          </a:xfrm>
+          <a:prstGeom prst="rect">
+            <a:avLst/>
+          </a:prstGeom>
+        </p:spPr>
+      </p:pic>
     </p:spTree>
     <p:extLst>
       <p:ext uri="{BB962C8B-B14F-4D97-AF65-F5344CB8AC3E}">
-        <p14:creationId xmlns:p14="http://schemas.microsoft.com/office/powerpoint/2010/main" val="3932374734"/>
+        <p14:creationId xmlns:p14="http://schemas.microsoft.com/office/powerpoint/2010/main" val="2373619319"/>
       </p:ext>
     </p:extLst>
   </p:cSld>
@@ -12756,7 +15564,7 @@
           <a:p>
             <a:r>
               <a:rPr lang="en-PH" b="1" dirty="0"/>
-              <a:t>Depth First Search</a:t>
+              <a:t>Breadth First Search</a:t>
             </a:r>
           </a:p>
         </p:txBody>
@@ -12822,8 +15630,8 @@
         </p:nvSpPr>
         <p:spPr>
           <a:xfrm>
-            <a:off x="1524000" y="1516449"/>
-            <a:ext cx="9144000" cy="4290585"/>
+            <a:off x="618066" y="1592941"/>
+            <a:ext cx="5020733" cy="3495634"/>
           </a:xfrm>
           <a:prstGeom prst="rect">
             <a:avLst/>
@@ -12853,100 +15661,129 @@
             </a:lvl1pPr>
           </a:lstStyle>
           <a:p>
-            <a:pPr marL="171450" indent="-171450" algn="l">
-              <a:buFont typeface="Wingdings" panose="05000000000000000000" pitchFamily="2" charset="2"/>
-              <a:buChar char="q"/>
+            <a:pPr marL="457200" indent="-457200" algn="l">
+              <a:buFont typeface="+mj-lt"/>
+              <a:buAutoNum type="arabicPeriod"/>
             </a:pPr>
             <a:r>
-              <a:rPr lang="en-US" sz="3000" b="0" i="0" dirty="0">
+              <a:rPr lang="en-US" sz="2100" b="0" i="0" dirty="0">
                 <a:effectLst/>
+                <a:latin typeface="+mn-lt"/>
               </a:rPr>
-              <a:t> Start by putting any one of the graph's vertices on top of a stack.</a:t>
+              <a:t>Start by putting any one of the graph's vertices at the back of a queue.</a:t>
             </a:r>
           </a:p>
           <a:p>
-            <a:pPr marL="171450" indent="-171450" algn="l">
-              <a:buFont typeface="Wingdings" panose="05000000000000000000" pitchFamily="2" charset="2"/>
-              <a:buChar char="q"/>
+            <a:pPr marL="457200" indent="-457200" algn="l">
+              <a:buFont typeface="+mj-lt"/>
+              <a:buAutoNum type="arabicPeriod"/>
             </a:pPr>
-            <a:endParaRPr lang="en-US" sz="3000" b="0" i="0" dirty="0">
+            <a:endParaRPr lang="en-US" sz="2100" b="0" i="0" dirty="0">
               <a:effectLst/>
+              <a:latin typeface="+mn-lt"/>
             </a:endParaRPr>
           </a:p>
           <a:p>
-            <a:pPr marL="171450" indent="-171450" algn="l">
-              <a:buFont typeface="Wingdings" panose="05000000000000000000" pitchFamily="2" charset="2"/>
-              <a:buChar char="q"/>
+            <a:pPr marL="457200" indent="-457200" algn="l">
+              <a:buFont typeface="+mj-lt"/>
+              <a:buAutoNum type="arabicPeriod"/>
             </a:pPr>
             <a:r>
-              <a:rPr lang="en-US" sz="3000" b="0" i="0" dirty="0">
+              <a:rPr lang="en-US" sz="2100" b="0" i="0" dirty="0">
                 <a:effectLst/>
+                <a:latin typeface="+mn-lt"/>
               </a:rPr>
-              <a:t> Take the top item of the stack and add it to the visited list.</a:t>
+              <a:t>Take the front item of the queue and add it to the visited list.</a:t>
             </a:r>
           </a:p>
           <a:p>
-            <a:pPr marL="171450" indent="-171450" algn="l">
-              <a:buFont typeface="Wingdings" panose="05000000000000000000" pitchFamily="2" charset="2"/>
-              <a:buChar char="q"/>
+            <a:pPr marL="457200" indent="-457200" algn="l">
+              <a:buFont typeface="+mj-lt"/>
+              <a:buAutoNum type="arabicPeriod"/>
             </a:pPr>
-            <a:endParaRPr lang="en-US" sz="3000" b="0" i="0" dirty="0">
+            <a:endParaRPr lang="en-US" sz="2100" b="0" i="0" dirty="0">
               <a:effectLst/>
+              <a:latin typeface="+mn-lt"/>
             </a:endParaRPr>
           </a:p>
           <a:p>
-            <a:pPr marL="171450" indent="-171450" algn="l">
-              <a:buFont typeface="Wingdings" panose="05000000000000000000" pitchFamily="2" charset="2"/>
-              <a:buChar char="q"/>
+            <a:pPr marL="457200" indent="-457200" algn="l">
+              <a:buFont typeface="+mj-lt"/>
+              <a:buAutoNum type="arabicPeriod"/>
             </a:pPr>
             <a:r>
-              <a:rPr lang="en-US" sz="3000" b="0" i="0" dirty="0">
+              <a:rPr lang="en-US" sz="2100" b="0" i="0" dirty="0">
                 <a:effectLst/>
+                <a:latin typeface="+mn-lt"/>
               </a:rPr>
-              <a:t> Create a list of that vertex's adjacent nodes. Add the ones which aren't in the visited list to the top of the stack.</a:t>
+              <a:t>Create a list of that vertex's adjacent nodes. Add the ones which aren't in the visited list to the back of the queue.</a:t>
             </a:r>
           </a:p>
           <a:p>
-            <a:pPr marL="171450" indent="-171450" algn="l">
-              <a:buFont typeface="Wingdings" panose="05000000000000000000" pitchFamily="2" charset="2"/>
-              <a:buChar char="q"/>
+            <a:pPr marL="457200" indent="-457200" algn="l">
+              <a:buFont typeface="+mj-lt"/>
+              <a:buAutoNum type="arabicPeriod"/>
             </a:pPr>
-            <a:endParaRPr lang="en-US" sz="3000" b="0" i="0" dirty="0">
+            <a:endParaRPr lang="en-US" sz="2100" b="0" i="0" dirty="0">
               <a:effectLst/>
+              <a:latin typeface="+mn-lt"/>
             </a:endParaRPr>
           </a:p>
           <a:p>
-            <a:pPr marL="171450" indent="-171450" algn="l">
-              <a:buFont typeface="Wingdings" panose="05000000000000000000" pitchFamily="2" charset="2"/>
-              <a:buChar char="q"/>
+            <a:pPr marL="457200" indent="-457200" algn="l">
+              <a:buFont typeface="+mj-lt"/>
+              <a:buAutoNum type="arabicPeriod"/>
             </a:pPr>
             <a:r>
-              <a:rPr lang="en-US" sz="3000" b="0" i="0" dirty="0">
+              <a:rPr lang="en-US" sz="2100" b="0" i="0" dirty="0">
                 <a:effectLst/>
+                <a:latin typeface="+mn-lt"/>
               </a:rPr>
-              <a:t> Keep repeating steps 2 and 3 until the stack is empty.</a:t>
+              <a:t>Keep repeating steps 2 and 3 until the queue is empty.</a:t>
             </a:r>
           </a:p>
-          <a:p>
-            <a:pPr marL="171450" indent="-171450" algn="l">
-              <a:buFont typeface="Wingdings" panose="05000000000000000000" pitchFamily="2" charset="2"/>
-              <a:buChar char="q"/>
-            </a:pPr>
-            <a:endParaRPr lang="en-US" sz="3000" dirty="0"/>
-          </a:p>
-          <a:p>
-            <a:pPr marL="171450" indent="-171450" algn="l">
-              <a:buFont typeface="Wingdings" panose="05000000000000000000" pitchFamily="2" charset="2"/>
-              <a:buChar char="q"/>
-            </a:pPr>
-            <a:endParaRPr lang="en-US" sz="3000" dirty="0"/>
-          </a:p>
-        </p:txBody>
-      </p:sp>
+        </p:txBody>
+      </p:sp>
+      <p:pic>
+        <p:nvPicPr>
+          <p:cNvPr id="3" name="Picture 2" descr="A diagram of a network&#10;&#10;Description automatically generated">
+            <a:extLst>
+              <a:ext uri="{FF2B5EF4-FFF2-40B4-BE49-F238E27FC236}">
+                <a16:creationId xmlns:a16="http://schemas.microsoft.com/office/drawing/2014/main" id="{DEBD71CE-D02B-4260-C6A3-31A89C05EE8B}"/>
+              </a:ext>
+            </a:extLst>
+          </p:cNvPr>
+          <p:cNvPicPr>
+            <a:picLocks noChangeAspect="1"/>
+          </p:cNvPicPr>
+          <p:nvPr/>
+        </p:nvPicPr>
+        <p:blipFill>
+          <a:blip r:embed="rId4">
+            <a:extLst>
+              <a:ext uri="{28A0092B-C50C-407E-A947-70E740481C1C}">
+                <a14:useLocalDpi xmlns:a14="http://schemas.microsoft.com/office/drawing/2010/main" val="0"/>
+              </a:ext>
+            </a:extLst>
+          </a:blip>
+          <a:stretch>
+            <a:fillRect/>
+          </a:stretch>
+        </p:blipFill>
+        <p:spPr>
+          <a:xfrm>
+            <a:off x="7895288" y="1592941"/>
+            <a:ext cx="3175000" cy="3175000"/>
+          </a:xfrm>
+          <a:prstGeom prst="rect">
+            <a:avLst/>
+          </a:prstGeom>
+        </p:spPr>
+      </p:pic>
     </p:spTree>
     <p:extLst>
       <p:ext uri="{BB962C8B-B14F-4D97-AF65-F5344CB8AC3E}">
-        <p14:creationId xmlns:p14="http://schemas.microsoft.com/office/powerpoint/2010/main" val="3869572268"/>
+        <p14:creationId xmlns:p14="http://schemas.microsoft.com/office/powerpoint/2010/main" val="3932374734"/>
       </p:ext>
     </p:extLst>
   </p:cSld>
@@ -13018,7 +15855,7 @@
           <a:p>
             <a:r>
               <a:rPr lang="en-PH" b="1" dirty="0"/>
-              <a:t>Graph Traversal</a:t>
+              <a:t>Depth First Search</a:t>
             </a:r>
           </a:p>
         </p:txBody>
@@ -13084,8 +15921,8 @@
         </p:nvSpPr>
         <p:spPr>
           <a:xfrm>
-            <a:off x="1524000" y="1516449"/>
-            <a:ext cx="9144000" cy="4290585"/>
+            <a:off x="474133" y="1921932"/>
+            <a:ext cx="6112934" cy="2472267"/>
           </a:xfrm>
           <a:prstGeom prst="rect">
             <a:avLst/>
@@ -13093,7 +15930,7 @@
         </p:spPr>
         <p:txBody>
           <a:bodyPr vert="horz" lIns="91440" tIns="45720" rIns="91440" bIns="45720" rtlCol="0" anchor="b">
-            <a:normAutofit fontScale="97500"/>
+            <a:normAutofit fontScale="90000"/>
           </a:bodyPr>
           <a:lstStyle>
             <a:lvl1pPr algn="ctr" defTabSz="914400" rtl="0" eaLnBrk="1" latinLnBrk="0" hangingPunct="1">
@@ -13116,71 +15953,128 @@
           </a:lstStyle>
           <a:p>
             <a:pPr marL="457200" indent="-457200" algn="l">
-              <a:buFont typeface="Wingdings" panose="05000000000000000000" pitchFamily="2" charset="2"/>
-              <a:buChar char="q"/>
+              <a:buFont typeface="+mj-lt"/>
+              <a:buAutoNum type="arabicPeriod"/>
             </a:pPr>
             <a:r>
-              <a:rPr lang="en-US" sz="3500" dirty="0"/>
-              <a:t>Visiting a vertex.</a:t>
+              <a:rPr lang="en-US" sz="2000" b="0" i="0" dirty="0">
+                <a:effectLst/>
+                <a:latin typeface="+mn-lt"/>
+              </a:rPr>
+              <a:t> Start by putting any one of the graph's vertices on top of a stack.</a:t>
             </a:r>
           </a:p>
           <a:p>
             <a:pPr marL="457200" indent="-457200" algn="l">
-              <a:buFont typeface="Wingdings" panose="05000000000000000000" pitchFamily="2" charset="2"/>
-              <a:buChar char="q"/>
+              <a:buFont typeface="+mj-lt"/>
+              <a:buAutoNum type="arabicPeriod"/>
             </a:pPr>
-            <a:endParaRPr lang="en-US" sz="3500" i="0" dirty="0">
+            <a:endParaRPr lang="en-US" sz="2000" b="0" i="0" dirty="0">
               <a:effectLst/>
+              <a:latin typeface="+mn-lt"/>
             </a:endParaRPr>
           </a:p>
           <a:p>
             <a:pPr marL="457200" indent="-457200" algn="l">
-              <a:buFont typeface="Wingdings" panose="05000000000000000000" pitchFamily="2" charset="2"/>
-              <a:buChar char="q"/>
+              <a:buFont typeface="+mj-lt"/>
+              <a:buAutoNum type="arabicPeriod"/>
             </a:pPr>
             <a:r>
-              <a:rPr lang="en-US" sz="3500" dirty="0"/>
-              <a:t>Exploring a vertex.</a:t>
+              <a:rPr lang="en-US" sz="2000" b="0" i="0" dirty="0">
+                <a:effectLst/>
+                <a:latin typeface="+mn-lt"/>
+              </a:rPr>
+              <a:t> Take the top item of the stack and add it to the visited list.</a:t>
             </a:r>
           </a:p>
           <a:p>
             <a:pPr marL="457200" indent="-457200" algn="l">
-              <a:buFont typeface="Wingdings" panose="05000000000000000000" pitchFamily="2" charset="2"/>
-              <a:buChar char="q"/>
+              <a:buFont typeface="+mj-lt"/>
+              <a:buAutoNum type="arabicPeriod"/>
             </a:pPr>
-            <a:endParaRPr lang="en-US" sz="3500" i="0" dirty="0">
+            <a:endParaRPr lang="en-US" sz="2000" b="0" i="0" dirty="0">
               <a:effectLst/>
+              <a:latin typeface="+mn-lt"/>
             </a:endParaRPr>
           </a:p>
           <a:p>
-            <a:pPr algn="l"/>
-            <a:endParaRPr lang="en-US" sz="3500" i="0" dirty="0">
+            <a:pPr marL="457200" indent="-457200" algn="l">
+              <a:buFont typeface="+mj-lt"/>
+              <a:buAutoNum type="arabicPeriod"/>
+            </a:pPr>
+            <a:r>
+              <a:rPr lang="en-US" sz="2000" b="0" i="0" dirty="0">
+                <a:effectLst/>
+                <a:latin typeface="+mn-lt"/>
+              </a:rPr>
+              <a:t> Create a list of that vertex's adjacent nodes. Add the ones which aren't in the visited list to the top of the stack.</a:t>
+            </a:r>
+          </a:p>
+          <a:p>
+            <a:pPr marL="457200" indent="-457200" algn="l">
+              <a:buFont typeface="+mj-lt"/>
+              <a:buAutoNum type="arabicPeriod"/>
+            </a:pPr>
+            <a:endParaRPr lang="en-US" sz="2000" b="0" i="0" dirty="0">
               <a:effectLst/>
+              <a:latin typeface="+mn-lt"/>
             </a:endParaRPr>
           </a:p>
           <a:p>
             <a:pPr marL="457200" indent="-457200" algn="l">
-              <a:buFont typeface="Wingdings" panose="05000000000000000000" pitchFamily="2" charset="2"/>
-              <a:buChar char="q"/>
+              <a:buFont typeface="+mj-lt"/>
+              <a:buAutoNum type="arabicPeriod"/>
             </a:pPr>
-            <a:endParaRPr lang="en-US" sz="3500" dirty="0"/>
-          </a:p>
-          <a:p>
-            <a:pPr algn="l"/>
-            <a:endParaRPr lang="en-US" sz="3500" i="0" dirty="0">
-              <a:effectLst/>
-            </a:endParaRPr>
-          </a:p>
-          <a:p>
-            <a:pPr algn="l"/>
-            <a:endParaRPr lang="en-US" sz="3500" dirty="0"/>
-          </a:p>
-        </p:txBody>
-      </p:sp>
+            <a:r>
+              <a:rPr lang="en-US" sz="2000" b="0" i="0" dirty="0">
+                <a:effectLst/>
+                <a:latin typeface="+mn-lt"/>
+              </a:rPr>
+              <a:t> Keep repeating steps 2 and 3 until the stack is empty.</a:t>
+            </a:r>
+          </a:p>
+        </p:txBody>
+      </p:sp>
+      <p:pic>
+        <p:nvPicPr>
+          <p:cNvPr id="3" name="Picture 2" descr="A diagram of a network&#10;&#10;Description automatically generated">
+            <a:extLst>
+              <a:ext uri="{FF2B5EF4-FFF2-40B4-BE49-F238E27FC236}">
+                <a16:creationId xmlns:a16="http://schemas.microsoft.com/office/drawing/2014/main" id="{8B2DBECF-62FA-41B0-C64D-D70E78ABC686}"/>
+              </a:ext>
+            </a:extLst>
+          </p:cNvPr>
+          <p:cNvPicPr>
+            <a:picLocks noChangeAspect="1"/>
+          </p:cNvPicPr>
+          <p:nvPr/>
+        </p:nvPicPr>
+        <p:blipFill>
+          <a:blip r:embed="rId4">
+            <a:extLst>
+              <a:ext uri="{28A0092B-C50C-407E-A947-70E740481C1C}">
+                <a14:useLocalDpi xmlns:a14="http://schemas.microsoft.com/office/drawing/2010/main" val="0"/>
+              </a:ext>
+            </a:extLst>
+          </a:blip>
+          <a:stretch>
+            <a:fillRect/>
+          </a:stretch>
+        </p:blipFill>
+        <p:spPr>
+          <a:xfrm>
+            <a:off x="7622946" y="1615396"/>
+            <a:ext cx="3175000" cy="3175000"/>
+          </a:xfrm>
+          <a:prstGeom prst="rect">
+            <a:avLst/>
+          </a:prstGeom>
+        </p:spPr>
+      </p:pic>
     </p:spTree>
     <p:extLst>
       <p:ext uri="{BB962C8B-B14F-4D97-AF65-F5344CB8AC3E}">
-        <p14:creationId xmlns:p14="http://schemas.microsoft.com/office/powerpoint/2010/main" val="3597680858"/>
+        <p14:creationId xmlns:p14="http://schemas.microsoft.com/office/powerpoint/2010/main" val="3869572268"/>
       </p:ext>
     </p:extLst>
   </p:cSld>
@@ -13251,10 +16145,9 @@
           <a:lstStyle/>
           <a:p>
             <a:r>
-              <a:rPr lang="en-US" b="1" dirty="0"/>
-              <a:t>Breadth First Search</a:t>
+              <a:rPr lang="en-PH" b="1" dirty="0"/>
+              <a:t>Graph Traversal</a:t>
             </a:r>
-            <a:endParaRPr lang="en-PH" b="1" dirty="0"/>
           </a:p>
         </p:txBody>
       </p:sp>
@@ -13293,7 +16186,7 @@
           <a:p>
             <a:pPr algn="r"/>
             <a:r>
-              <a:rPr lang="en-PH" b="1" dirty="0">
+              <a:rPr lang="en-PH" dirty="0">
                 <a:solidFill>
                   <a:schemeClr val="tx1"/>
                 </a:solidFill>
@@ -13305,10 +16198,10 @@
       </p:sp>
       <p:sp>
         <p:nvSpPr>
-          <p:cNvPr id="3" name="Title 1">
-            <a:extLst>
-              <a:ext uri="{FF2B5EF4-FFF2-40B4-BE49-F238E27FC236}">
-                <a16:creationId xmlns:a16="http://schemas.microsoft.com/office/drawing/2014/main" id="{3E741B53-3742-63BE-6C0A-5A2CE756D436}"/>
+          <p:cNvPr id="5" name="Title 1">
+            <a:extLst>
+              <a:ext uri="{FF2B5EF4-FFF2-40B4-BE49-F238E27FC236}">
+                <a16:creationId xmlns:a16="http://schemas.microsoft.com/office/drawing/2014/main" id="{3444037F-B658-D82C-5DCA-53E8AA1493D7}"/>
               </a:ext>
             </a:extLst>
           </p:cNvPr>
@@ -13319,8 +16212,8 @@
         </p:nvSpPr>
         <p:spPr>
           <a:xfrm>
-            <a:off x="4352096" y="2635500"/>
-            <a:ext cx="5313123" cy="2378034"/>
+            <a:off x="1524000" y="1516449"/>
+            <a:ext cx="9144000" cy="4290585"/>
           </a:xfrm>
           <a:prstGeom prst="rect">
             <a:avLst/>
@@ -13350,6 +16243,241 @@
             </a:lvl1pPr>
           </a:lstStyle>
           <a:p>
+            <a:pPr marL="457200" indent="-457200" algn="l">
+              <a:buFont typeface="Wingdings" panose="05000000000000000000" pitchFamily="2" charset="2"/>
+              <a:buChar char="q"/>
+            </a:pPr>
+            <a:r>
+              <a:rPr lang="en-US" sz="3500" dirty="0"/>
+              <a:t>Visiting a vertex.</a:t>
+            </a:r>
+          </a:p>
+          <a:p>
+            <a:pPr marL="457200" indent="-457200" algn="l">
+              <a:buFont typeface="Wingdings" panose="05000000000000000000" pitchFamily="2" charset="2"/>
+              <a:buChar char="q"/>
+            </a:pPr>
+            <a:endParaRPr lang="en-US" sz="3500" i="0" dirty="0">
+              <a:effectLst/>
+            </a:endParaRPr>
+          </a:p>
+          <a:p>
+            <a:pPr marL="457200" indent="-457200" algn="l">
+              <a:buFont typeface="Wingdings" panose="05000000000000000000" pitchFamily="2" charset="2"/>
+              <a:buChar char="q"/>
+            </a:pPr>
+            <a:r>
+              <a:rPr lang="en-US" sz="3500" dirty="0"/>
+              <a:t>Exploring a vertex.</a:t>
+            </a:r>
+          </a:p>
+          <a:p>
+            <a:pPr marL="457200" indent="-457200" algn="l">
+              <a:buFont typeface="Wingdings" panose="05000000000000000000" pitchFamily="2" charset="2"/>
+              <a:buChar char="q"/>
+            </a:pPr>
+            <a:endParaRPr lang="en-US" sz="3500" i="0" dirty="0">
+              <a:effectLst/>
+            </a:endParaRPr>
+          </a:p>
+          <a:p>
+            <a:pPr algn="l"/>
+            <a:endParaRPr lang="en-US" sz="3500" i="0" dirty="0">
+              <a:effectLst/>
+            </a:endParaRPr>
+          </a:p>
+          <a:p>
+            <a:pPr marL="457200" indent="-457200" algn="l">
+              <a:buFont typeface="Wingdings" panose="05000000000000000000" pitchFamily="2" charset="2"/>
+              <a:buChar char="q"/>
+            </a:pPr>
+            <a:endParaRPr lang="en-US" sz="3500" dirty="0"/>
+          </a:p>
+          <a:p>
+            <a:pPr algn="l"/>
+            <a:endParaRPr lang="en-US" sz="3500" i="0" dirty="0">
+              <a:effectLst/>
+            </a:endParaRPr>
+          </a:p>
+          <a:p>
+            <a:pPr algn="l"/>
+            <a:endParaRPr lang="en-US" sz="3500" dirty="0"/>
+          </a:p>
+        </p:txBody>
+      </p:sp>
+    </p:spTree>
+    <p:extLst>
+      <p:ext uri="{BB962C8B-B14F-4D97-AF65-F5344CB8AC3E}">
+        <p14:creationId xmlns:p14="http://schemas.microsoft.com/office/powerpoint/2010/main" val="3597680858"/>
+      </p:ext>
+    </p:extLst>
+  </p:cSld>
+  <p:clrMapOvr>
+    <a:masterClrMapping/>
+  </p:clrMapOvr>
+</p:sld>
+</file>
+
+<file path=ppt/slides/slide7.xml><?xml version="1.0" encoding="utf-8"?>
+<p:sld xmlns:a="http://schemas.openxmlformats.org/drawingml/2006/main" xmlns:r="http://schemas.openxmlformats.org/officeDocument/2006/relationships" xmlns:p="http://schemas.openxmlformats.org/presentationml/2006/main">
+  <p:cSld>
+    <p:bg>
+      <p:bgPr>
+        <a:blipFill dpi="0" rotWithShape="1">
+          <a:blip r:embed="rId3">
+            <a:alphaModFix amt="99000"/>
+            <a:lum/>
+          </a:blip>
+          <a:srcRect/>
+          <a:stretch>
+            <a:fillRect t="89000" r="85000" b="-1000"/>
+          </a:stretch>
+        </a:blipFill>
+        <a:effectLst/>
+      </p:bgPr>
+    </p:bg>
+    <p:spTree>
+      <p:nvGrpSpPr>
+        <p:cNvPr id="1" name=""/>
+        <p:cNvGrpSpPr/>
+        <p:nvPr/>
+      </p:nvGrpSpPr>
+      <p:grpSpPr>
+        <a:xfrm>
+          <a:off x="0" y="0"/>
+          <a:ext cx="0" cy="0"/>
+          <a:chOff x="0" y="0"/>
+          <a:chExt cx="0" cy="0"/>
+        </a:xfrm>
+      </p:grpSpPr>
+      <p:sp>
+        <p:nvSpPr>
+          <p:cNvPr id="2" name="Title 1">
+            <a:extLst>
+              <a:ext uri="{FF2B5EF4-FFF2-40B4-BE49-F238E27FC236}">
+                <a16:creationId xmlns:a16="http://schemas.microsoft.com/office/drawing/2014/main" id="{6A3DCE86-C2BA-4713-9E7A-73589E8D6CCF}"/>
+              </a:ext>
+            </a:extLst>
+          </p:cNvPr>
+          <p:cNvSpPr>
+            <a:spLocks noGrp="1"/>
+          </p:cNvSpPr>
+          <p:nvPr>
+            <p:ph type="ctrTitle"/>
+          </p:nvPr>
+        </p:nvSpPr>
+        <p:spPr>
+          <a:xfrm>
+            <a:off x="1524000" y="497150"/>
+            <a:ext cx="9144000" cy="718459"/>
+          </a:xfrm>
+        </p:spPr>
+        <p:txBody>
+          <a:bodyPr>
+            <a:normAutofit fontScale="90000"/>
+          </a:bodyPr>
+          <a:lstStyle/>
+          <a:p>
+            <a:r>
+              <a:rPr lang="en-US" b="1" dirty="0"/>
+              <a:t>Breadth First Search</a:t>
+            </a:r>
+            <a:endParaRPr lang="en-PH" b="1" dirty="0"/>
+          </a:p>
+        </p:txBody>
+      </p:sp>
+      <p:sp>
+        <p:nvSpPr>
+          <p:cNvPr id="4" name="Footer Placeholder 3">
+            <a:extLst>
+              <a:ext uri="{FF2B5EF4-FFF2-40B4-BE49-F238E27FC236}">
+                <a16:creationId xmlns:a16="http://schemas.microsoft.com/office/drawing/2014/main" id="{638E7DE1-45EE-476A-A474-0F3C264AEDA3}"/>
+              </a:ext>
+            </a:extLst>
+          </p:cNvPr>
+          <p:cNvSpPr>
+            <a:spLocks noGrp="1"/>
+          </p:cNvSpPr>
+          <p:nvPr>
+            <p:ph type="ftr" sz="quarter" idx="11"/>
+          </p:nvPr>
+        </p:nvSpPr>
+        <p:spPr>
+          <a:xfrm>
+            <a:off x="0" y="6139541"/>
+            <a:ext cx="12192000" cy="718459"/>
+          </a:xfrm>
+          <a:ln w="28575">
+            <a:solidFill>
+              <a:schemeClr val="accent5">
+                <a:lumMod val="50000"/>
+              </a:schemeClr>
+            </a:solidFill>
+          </a:ln>
+        </p:spPr>
+        <p:txBody>
+          <a:bodyPr/>
+          <a:lstStyle/>
+          <a:p>
+            <a:pPr algn="r"/>
+            <a:r>
+              <a:rPr lang="en-PH" b="1" dirty="0">
+                <a:solidFill>
+                  <a:schemeClr val="tx1"/>
+                </a:solidFill>
+              </a:rPr>
+              <a:t>CCALCOMP</a:t>
+            </a:r>
+          </a:p>
+        </p:txBody>
+      </p:sp>
+      <p:sp>
+        <p:nvSpPr>
+          <p:cNvPr id="3" name="Title 1">
+            <a:extLst>
+              <a:ext uri="{FF2B5EF4-FFF2-40B4-BE49-F238E27FC236}">
+                <a16:creationId xmlns:a16="http://schemas.microsoft.com/office/drawing/2014/main" id="{3E741B53-3742-63BE-6C0A-5A2CE756D436}"/>
+              </a:ext>
+            </a:extLst>
+          </p:cNvPr>
+          <p:cNvSpPr txBox="1">
+            <a:spLocks/>
+          </p:cNvSpPr>
+          <p:nvPr/>
+        </p:nvSpPr>
+        <p:spPr>
+          <a:xfrm>
+            <a:off x="4352096" y="2635500"/>
+            <a:ext cx="5313123" cy="2378034"/>
+          </a:xfrm>
+          <a:prstGeom prst="rect">
+            <a:avLst/>
+          </a:prstGeom>
+        </p:spPr>
+        <p:txBody>
+          <a:bodyPr vert="horz" lIns="91440" tIns="45720" rIns="91440" bIns="45720" rtlCol="0" anchor="b">
+            <a:normAutofit fontScale="97500"/>
+          </a:bodyPr>
+          <a:lstStyle>
+            <a:lvl1pPr algn="ctr" defTabSz="914400" rtl="0" eaLnBrk="1" latinLnBrk="0" hangingPunct="1">
+              <a:lnSpc>
+                <a:spcPct val="90000"/>
+              </a:lnSpc>
+              <a:spcBef>
+                <a:spcPct val="0"/>
+              </a:spcBef>
+              <a:buNone/>
+              <a:defRPr sz="6000" kern="1200">
+                <a:solidFill>
+                  <a:schemeClr val="tx1"/>
+                </a:solidFill>
+                <a:latin typeface="+mj-lt"/>
+                <a:ea typeface="+mj-ea"/>
+                <a:cs typeface="+mj-cs"/>
+              </a:defRPr>
+            </a:lvl1pPr>
+          </a:lstStyle>
+          <a:p>
             <a:pPr algn="l"/>
             <a:endParaRPr lang="en-US" sz="3000" b="1" dirty="0"/>
           </a:p>
@@ -14669,6 +17797,57 @@
           </a:p>
         </p:txBody>
       </p:sp>
+      <mc:AlternateContent xmlns:mc="http://schemas.openxmlformats.org/markup-compatibility/2006">
+        <mc:Choice xmlns:p14="http://schemas.microsoft.com/office/powerpoint/2010/main" Requires="p14">
+          <p:contentPart p14:bwMode="auto" r:id="rId11">
+            <p14:nvContentPartPr>
+              <p14:cNvPr id="6" name="Ink 5">
+                <a:extLst>
+                  <a:ext uri="{FF2B5EF4-FFF2-40B4-BE49-F238E27FC236}">
+                    <a16:creationId xmlns:a16="http://schemas.microsoft.com/office/drawing/2014/main" id="{250FA927-5C1D-508C-58CF-C4C8CAEDC822}"/>
+                  </a:ext>
+                </a:extLst>
+              </p14:cNvPr>
+              <p14:cNvContentPartPr/>
+              <p14:nvPr/>
+            </p14:nvContentPartPr>
+            <p14:xfrm>
+              <a:off x="1897920" y="4987800"/>
+              <a:ext cx="7048800" cy="212760"/>
+            </p14:xfrm>
+          </p:contentPart>
+        </mc:Choice>
+        <mc:Fallback>
+          <p:pic>
+            <p:nvPicPr>
+              <p:cNvPr id="6" name="Ink 5">
+                <a:extLst>
+                  <a:ext uri="{FF2B5EF4-FFF2-40B4-BE49-F238E27FC236}">
+                    <a16:creationId xmlns:a16="http://schemas.microsoft.com/office/drawing/2014/main" id="{250FA927-5C1D-508C-58CF-C4C8CAEDC822}"/>
+                  </a:ext>
+                </a:extLst>
+              </p:cNvPr>
+              <p:cNvPicPr/>
+              <p:nvPr/>
+            </p:nvPicPr>
+            <p:blipFill>
+              <a:blip r:embed="rId12"/>
+              <a:stretch>
+                <a:fillRect/>
+              </a:stretch>
+            </p:blipFill>
+            <p:spPr>
+              <a:xfrm>
+                <a:off x="1888560" y="4978440"/>
+                <a:ext cx="7067520" cy="231480"/>
+              </a:xfrm>
+              <a:prstGeom prst="rect">
+                <a:avLst/>
+              </a:prstGeom>
+            </p:spPr>
+          </p:pic>
+        </mc:Fallback>
+      </mc:AlternateContent>
     </p:spTree>
     <p:extLst>
       <p:ext uri="{BB962C8B-B14F-4D97-AF65-F5344CB8AC3E}">
@@ -15298,7 +18477,7 @@
 </p:sld>
 </file>
 
-<file path=ppt/slides/slide7.xml><?xml version="1.0" encoding="utf-8"?>
+<file path=ppt/slides/slide8.xml><?xml version="1.0" encoding="utf-8"?>
 <p:sld xmlns:a="http://schemas.openxmlformats.org/drawingml/2006/main" xmlns:r="http://schemas.openxmlformats.org/officeDocument/2006/relationships" xmlns:p="http://schemas.openxmlformats.org/presentationml/2006/main">
   <p:cSld>
     <p:bg>
@@ -17080,6 +20259,57 @@
           </a:p>
         </p:txBody>
       </p:sp>
+      <mc:AlternateContent xmlns:mc="http://schemas.openxmlformats.org/markup-compatibility/2006">
+        <mc:Choice xmlns:p14="http://schemas.microsoft.com/office/powerpoint/2010/main" Requires="p14">
+          <p:contentPart p14:bwMode="auto" r:id="rId11">
+            <p14:nvContentPartPr>
+              <p14:cNvPr id="9" name="Ink 8">
+                <a:extLst>
+                  <a:ext uri="{FF2B5EF4-FFF2-40B4-BE49-F238E27FC236}">
+                    <a16:creationId xmlns:a16="http://schemas.microsoft.com/office/drawing/2014/main" id="{59CDDAA2-CDD6-75A5-C205-C697F5511632}"/>
+                  </a:ext>
+                </a:extLst>
+              </p14:cNvPr>
+              <p14:cNvContentPartPr/>
+              <p14:nvPr/>
+            </p14:nvContentPartPr>
+            <p14:xfrm>
+              <a:off x="762120" y="2596320"/>
+              <a:ext cx="8128800" cy="3444120"/>
+            </p14:xfrm>
+          </p:contentPart>
+        </mc:Choice>
+        <mc:Fallback>
+          <p:pic>
+            <p:nvPicPr>
+              <p:cNvPr id="9" name="Ink 8">
+                <a:extLst>
+                  <a:ext uri="{FF2B5EF4-FFF2-40B4-BE49-F238E27FC236}">
+                    <a16:creationId xmlns:a16="http://schemas.microsoft.com/office/drawing/2014/main" id="{59CDDAA2-CDD6-75A5-C205-C697F5511632}"/>
+                  </a:ext>
+                </a:extLst>
+              </p:cNvPr>
+              <p:cNvPicPr/>
+              <p:nvPr/>
+            </p:nvPicPr>
+            <p:blipFill>
+              <a:blip r:embed="rId12"/>
+              <a:stretch>
+                <a:fillRect/>
+              </a:stretch>
+            </p:blipFill>
+            <p:spPr>
+              <a:xfrm>
+                <a:off x="752760" y="2586960"/>
+                <a:ext cx="8147520" cy="3462840"/>
+              </a:xfrm>
+              <a:prstGeom prst="rect">
+                <a:avLst/>
+              </a:prstGeom>
+            </p:spPr>
+          </p:pic>
+        </mc:Fallback>
+      </mc:AlternateContent>
     </p:spTree>
     <p:extLst>
       <p:ext uri="{BB962C8B-B14F-4D97-AF65-F5344CB8AC3E}">
@@ -17703,7 +20933,7 @@
 </p:sld>
 </file>
 
-<file path=ppt/slides/slide8.xml><?xml version="1.0" encoding="utf-8"?>
+<file path=ppt/slides/slide9.xml><?xml version="1.0" encoding="utf-8"?>
 <p:sld xmlns:a="http://schemas.openxmlformats.org/drawingml/2006/main" xmlns:r="http://schemas.openxmlformats.org/officeDocument/2006/relationships" xmlns:p="http://schemas.openxmlformats.org/presentationml/2006/main">
   <p:cSld>
     <p:bg>
@@ -19182,6 +22412,57 @@
           </a:p>
         </p:txBody>
       </p:sp>
+      <mc:AlternateContent xmlns:mc="http://schemas.openxmlformats.org/markup-compatibility/2006">
+        <mc:Choice xmlns:p14="http://schemas.microsoft.com/office/powerpoint/2010/main" Requires="p14">
+          <p:contentPart p14:bwMode="auto" r:id="rId11">
+            <p14:nvContentPartPr>
+              <p14:cNvPr id="6" name="Ink 5">
+                <a:extLst>
+                  <a:ext uri="{FF2B5EF4-FFF2-40B4-BE49-F238E27FC236}">
+                    <a16:creationId xmlns:a16="http://schemas.microsoft.com/office/drawing/2014/main" id="{6507BB9E-F95E-8E8B-42CB-AC71681125E2}"/>
+                  </a:ext>
+                </a:extLst>
+              </p14:cNvPr>
+              <p14:cNvContentPartPr/>
+              <p14:nvPr/>
+            </p14:nvContentPartPr>
+            <p14:xfrm>
+              <a:off x="1911960" y="4747680"/>
+              <a:ext cx="8354880" cy="1348920"/>
+            </p14:xfrm>
+          </p:contentPart>
+        </mc:Choice>
+        <mc:Fallback>
+          <p:pic>
+            <p:nvPicPr>
+              <p:cNvPr id="6" name="Ink 5">
+                <a:extLst>
+                  <a:ext uri="{FF2B5EF4-FFF2-40B4-BE49-F238E27FC236}">
+                    <a16:creationId xmlns:a16="http://schemas.microsoft.com/office/drawing/2014/main" id="{6507BB9E-F95E-8E8B-42CB-AC71681125E2}"/>
+                  </a:ext>
+                </a:extLst>
+              </p:cNvPr>
+              <p:cNvPicPr/>
+              <p:nvPr/>
+            </p:nvPicPr>
+            <p:blipFill>
+              <a:blip r:embed="rId12"/>
+              <a:stretch>
+                <a:fillRect/>
+              </a:stretch>
+            </p:blipFill>
+            <p:spPr>
+              <a:xfrm>
+                <a:off x="1902600" y="4738320"/>
+                <a:ext cx="8373600" cy="1367640"/>
+              </a:xfrm>
+              <a:prstGeom prst="rect">
+                <a:avLst/>
+              </a:prstGeom>
+            </p:spPr>
+          </p:pic>
+        </mc:Fallback>
+      </mc:AlternateContent>
     </p:spTree>
     <p:extLst>
       <p:ext uri="{BB962C8B-B14F-4D97-AF65-F5344CB8AC3E}">
@@ -19901,2564 +23182,6 @@
 </p:sld>
 </file>
 
-<file path=ppt/slides/slide9.xml><?xml version="1.0" encoding="utf-8"?>
-<p:sld xmlns:a="http://schemas.openxmlformats.org/drawingml/2006/main" xmlns:r="http://schemas.openxmlformats.org/officeDocument/2006/relationships" xmlns:p="http://schemas.openxmlformats.org/presentationml/2006/main">
-  <p:cSld>
-    <p:bg>
-      <p:bgPr>
-        <a:blipFill dpi="0" rotWithShape="1">
-          <a:blip r:embed="rId3">
-            <a:alphaModFix amt="99000"/>
-            <a:lum/>
-          </a:blip>
-          <a:srcRect/>
-          <a:stretch>
-            <a:fillRect t="89000" r="85000" b="-1000"/>
-          </a:stretch>
-        </a:blipFill>
-        <a:effectLst/>
-      </p:bgPr>
-    </p:bg>
-    <p:spTree>
-      <p:nvGrpSpPr>
-        <p:cNvPr id="1" name=""/>
-        <p:cNvGrpSpPr/>
-        <p:nvPr/>
-      </p:nvGrpSpPr>
-      <p:grpSpPr>
-        <a:xfrm>
-          <a:off x="0" y="0"/>
-          <a:ext cx="0" cy="0"/>
-          <a:chOff x="0" y="0"/>
-          <a:chExt cx="0" cy="0"/>
-        </a:xfrm>
-      </p:grpSpPr>
-      <p:sp>
-        <p:nvSpPr>
-          <p:cNvPr id="2" name="Title 1">
-            <a:extLst>
-              <a:ext uri="{FF2B5EF4-FFF2-40B4-BE49-F238E27FC236}">
-                <a16:creationId xmlns:a16="http://schemas.microsoft.com/office/drawing/2014/main" id="{6A3DCE86-C2BA-4713-9E7A-73589E8D6CCF}"/>
-              </a:ext>
-            </a:extLst>
-          </p:cNvPr>
-          <p:cNvSpPr>
-            <a:spLocks noGrp="1"/>
-          </p:cNvSpPr>
-          <p:nvPr>
-            <p:ph type="ctrTitle"/>
-          </p:nvPr>
-        </p:nvSpPr>
-        <p:spPr>
-          <a:xfrm>
-            <a:off x="1524000" y="497150"/>
-            <a:ext cx="9144000" cy="718459"/>
-          </a:xfrm>
-        </p:spPr>
-        <p:txBody>
-          <a:bodyPr>
-            <a:normAutofit fontScale="90000"/>
-          </a:bodyPr>
-          <a:lstStyle/>
-          <a:p>
-            <a:r>
-              <a:rPr lang="en-US" b="1" dirty="0"/>
-              <a:t>Depth First Search</a:t>
-            </a:r>
-            <a:endParaRPr lang="en-PH" b="1" dirty="0"/>
-          </a:p>
-        </p:txBody>
-      </p:sp>
-      <p:sp>
-        <p:nvSpPr>
-          <p:cNvPr id="4" name="Footer Placeholder 3">
-            <a:extLst>
-              <a:ext uri="{FF2B5EF4-FFF2-40B4-BE49-F238E27FC236}">
-                <a16:creationId xmlns:a16="http://schemas.microsoft.com/office/drawing/2014/main" id="{638E7DE1-45EE-476A-A474-0F3C264AEDA3}"/>
-              </a:ext>
-            </a:extLst>
-          </p:cNvPr>
-          <p:cNvSpPr>
-            <a:spLocks noGrp="1"/>
-          </p:cNvSpPr>
-          <p:nvPr>
-            <p:ph type="ftr" sz="quarter" idx="11"/>
-          </p:nvPr>
-        </p:nvSpPr>
-        <p:spPr>
-          <a:xfrm>
-            <a:off x="0" y="6139541"/>
-            <a:ext cx="12192000" cy="718459"/>
-          </a:xfrm>
-          <a:ln w="28575">
-            <a:solidFill>
-              <a:schemeClr val="accent5">
-                <a:lumMod val="50000"/>
-              </a:schemeClr>
-            </a:solidFill>
-          </a:ln>
-        </p:spPr>
-        <p:txBody>
-          <a:bodyPr/>
-          <a:lstStyle/>
-          <a:p>
-            <a:pPr algn="r"/>
-            <a:r>
-              <a:rPr lang="en-PH" b="1" dirty="0">
-                <a:solidFill>
-                  <a:schemeClr val="tx1"/>
-                </a:solidFill>
-              </a:rPr>
-              <a:t>CCALCOMP</a:t>
-            </a:r>
-          </a:p>
-        </p:txBody>
-      </p:sp>
-      <p:sp>
-        <p:nvSpPr>
-          <p:cNvPr id="3" name="Title 1">
-            <a:extLst>
-              <a:ext uri="{FF2B5EF4-FFF2-40B4-BE49-F238E27FC236}">
-                <a16:creationId xmlns:a16="http://schemas.microsoft.com/office/drawing/2014/main" id="{3E741B53-3742-63BE-6C0A-5A2CE756D436}"/>
-              </a:ext>
-            </a:extLst>
-          </p:cNvPr>
-          <p:cNvSpPr txBox="1">
-            <a:spLocks/>
-          </p:cNvSpPr>
-          <p:nvPr/>
-        </p:nvSpPr>
-        <p:spPr>
-          <a:xfrm>
-            <a:off x="4352096" y="2635500"/>
-            <a:ext cx="5313123" cy="2378034"/>
-          </a:xfrm>
-          <a:prstGeom prst="rect">
-            <a:avLst/>
-          </a:prstGeom>
-        </p:spPr>
-        <p:txBody>
-          <a:bodyPr vert="horz" lIns="91440" tIns="45720" rIns="91440" bIns="45720" rtlCol="0" anchor="b">
-            <a:normAutofit fontScale="97500"/>
-          </a:bodyPr>
-          <a:lstStyle>
-            <a:lvl1pPr algn="ctr" defTabSz="914400" rtl="0" eaLnBrk="1" latinLnBrk="0" hangingPunct="1">
-              <a:lnSpc>
-                <a:spcPct val="90000"/>
-              </a:lnSpc>
-              <a:spcBef>
-                <a:spcPct val="0"/>
-              </a:spcBef>
-              <a:buNone/>
-              <a:defRPr sz="6000" kern="1200">
-                <a:solidFill>
-                  <a:schemeClr val="tx1"/>
-                </a:solidFill>
-                <a:latin typeface="+mj-lt"/>
-                <a:ea typeface="+mj-ea"/>
-                <a:cs typeface="+mj-cs"/>
-              </a:defRPr>
-            </a:lvl1pPr>
-          </a:lstStyle>
-          <a:p>
-            <a:pPr algn="l"/>
-            <a:endParaRPr lang="en-US" sz="3000" b="1" dirty="0"/>
-          </a:p>
-          <a:p>
-            <a:pPr algn="l"/>
-            <a:endParaRPr lang="en-US" sz="3000" b="1" i="0" dirty="0">
-              <a:effectLst/>
-            </a:endParaRPr>
-          </a:p>
-          <a:p>
-            <a:pPr algn="l"/>
-            <a:endParaRPr lang="en-US" sz="3000" dirty="0"/>
-          </a:p>
-          <a:p>
-            <a:pPr algn="l"/>
-            <a:endParaRPr lang="en-US" sz="3000" b="1" i="0" dirty="0">
-              <a:effectLst/>
-            </a:endParaRPr>
-          </a:p>
-          <a:p>
-            <a:pPr algn="l"/>
-            <a:endParaRPr lang="en-US" sz="3000" b="1" dirty="0"/>
-          </a:p>
-          <a:p>
-            <a:pPr algn="l"/>
-            <a:endParaRPr lang="en-US" sz="3000" b="1" i="0" dirty="0">
-              <a:effectLst/>
-            </a:endParaRPr>
-          </a:p>
-          <a:p>
-            <a:pPr algn="l"/>
-            <a:endParaRPr lang="en-US" sz="3000" b="1" dirty="0"/>
-          </a:p>
-          <a:p>
-            <a:pPr algn="l"/>
-            <a:endParaRPr lang="en-US" sz="3000" b="1" i="0" dirty="0">
-              <a:effectLst/>
-            </a:endParaRPr>
-          </a:p>
-          <a:p>
-            <a:pPr algn="l"/>
-            <a:endParaRPr lang="en-US" sz="3000" b="1" dirty="0"/>
-          </a:p>
-          <a:p>
-            <a:pPr algn="l"/>
-            <a:endParaRPr lang="en-US" sz="3000" b="1" i="0" dirty="0">
-              <a:effectLst/>
-            </a:endParaRPr>
-          </a:p>
-          <a:p>
-            <a:pPr algn="l"/>
-            <a:endParaRPr lang="en-US" sz="3000" b="1" dirty="0"/>
-          </a:p>
-          <a:p>
-            <a:pPr algn="l"/>
-            <a:endParaRPr lang="en-US" sz="3000" b="0" i="0" dirty="0">
-              <a:effectLst/>
-            </a:endParaRPr>
-          </a:p>
-        </p:txBody>
-      </p:sp>
-      <p:sp>
-        <p:nvSpPr>
-          <p:cNvPr id="5" name="Oval 4" descr="Man with facial hair">
-            <a:extLst>
-              <a:ext uri="{FF2B5EF4-FFF2-40B4-BE49-F238E27FC236}">
-                <a16:creationId xmlns:a16="http://schemas.microsoft.com/office/drawing/2014/main" id="{63A1CEE5-8454-5AFC-3986-C716BF7E15FA}"/>
-              </a:ext>
-            </a:extLst>
-          </p:cNvPr>
-          <p:cNvSpPr/>
-          <p:nvPr/>
-        </p:nvSpPr>
-        <p:spPr>
-          <a:xfrm>
-            <a:off x="4912160" y="2380268"/>
-            <a:ext cx="695856" cy="585227"/>
-          </a:xfrm>
-          <a:prstGeom prst="ellipse">
-            <a:avLst/>
-          </a:prstGeom>
-          <a:blipFill dpi="0" rotWithShape="1">
-            <a:blip r:embed="rId4"/>
-            <a:srcRect/>
-            <a:stretch>
-              <a:fillRect/>
-            </a:stretch>
-          </a:blipFill>
-        </p:spPr>
-        <p:style>
-          <a:lnRef idx="2">
-            <a:schemeClr val="accent1">
-              <a:shade val="50000"/>
-            </a:schemeClr>
-          </a:lnRef>
-          <a:fillRef idx="1">
-            <a:schemeClr val="accent1"/>
-          </a:fillRef>
-          <a:effectRef idx="0">
-            <a:schemeClr val="accent1"/>
-          </a:effectRef>
-          <a:fontRef idx="minor">
-            <a:schemeClr val="lt1"/>
-          </a:fontRef>
-        </p:style>
-        <p:txBody>
-          <a:bodyPr rtlCol="0" anchor="ctr"/>
-          <a:lstStyle/>
-          <a:p>
-            <a:pPr algn="ctr"/>
-            <a:endParaRPr lang="en-PH" sz="1200" dirty="0"/>
-          </a:p>
-        </p:txBody>
-      </p:sp>
-      <p:cxnSp>
-        <p:nvCxnSpPr>
-          <p:cNvPr id="23" name="Straight Connector 22">
-            <a:extLst>
-              <a:ext uri="{FF2B5EF4-FFF2-40B4-BE49-F238E27FC236}">
-                <a16:creationId xmlns:a16="http://schemas.microsoft.com/office/drawing/2014/main" id="{C4718157-2E5D-0E4B-3C97-5E586A411FCC}"/>
-              </a:ext>
-            </a:extLst>
-          </p:cNvPr>
-          <p:cNvCxnSpPr>
-            <a:cxnSpLocks/>
-            <a:stCxn id="5" idx="3"/>
-            <a:endCxn id="65" idx="7"/>
-          </p:cNvCxnSpPr>
-          <p:nvPr/>
-        </p:nvCxnSpPr>
-        <p:spPr>
-          <a:xfrm flipH="1">
-            <a:off x="4716553" y="2879790"/>
-            <a:ext cx="297513" cy="636758"/>
-          </a:xfrm>
-          <a:prstGeom prst="line">
-            <a:avLst/>
-          </a:prstGeom>
-          <a:ln>
-            <a:headEnd type="none" w="med" len="med"/>
-            <a:tailEnd type="none" w="med" len="med"/>
-          </a:ln>
-        </p:spPr>
-        <p:style>
-          <a:lnRef idx="3">
-            <a:schemeClr val="dk1"/>
-          </a:lnRef>
-          <a:fillRef idx="0">
-            <a:schemeClr val="dk1"/>
-          </a:fillRef>
-          <a:effectRef idx="2">
-            <a:schemeClr val="dk1"/>
-          </a:effectRef>
-          <a:fontRef idx="minor">
-            <a:schemeClr val="tx1"/>
-          </a:fontRef>
-        </p:style>
-      </p:cxnSp>
-      <p:cxnSp>
-        <p:nvCxnSpPr>
-          <p:cNvPr id="25" name="Straight Connector 24">
-            <a:extLst>
-              <a:ext uri="{FF2B5EF4-FFF2-40B4-BE49-F238E27FC236}">
-                <a16:creationId xmlns:a16="http://schemas.microsoft.com/office/drawing/2014/main" id="{D081D08D-0368-61AA-69A6-5FE139B91F48}"/>
-              </a:ext>
-            </a:extLst>
-          </p:cNvPr>
-          <p:cNvCxnSpPr>
-            <a:cxnSpLocks/>
-            <a:stCxn id="5" idx="1"/>
-            <a:endCxn id="74" idx="5"/>
-          </p:cNvCxnSpPr>
-          <p:nvPr/>
-        </p:nvCxnSpPr>
-        <p:spPr>
-          <a:xfrm flipH="1" flipV="1">
-            <a:off x="3953507" y="1861070"/>
-            <a:ext cx="1060559" cy="604903"/>
-          </a:xfrm>
-          <a:prstGeom prst="line">
-            <a:avLst/>
-          </a:prstGeom>
-          <a:ln>
-            <a:headEnd type="none" w="med" len="med"/>
-            <a:tailEnd type="none" w="med" len="med"/>
-          </a:ln>
-        </p:spPr>
-        <p:style>
-          <a:lnRef idx="3">
-            <a:schemeClr val="dk1"/>
-          </a:lnRef>
-          <a:fillRef idx="0">
-            <a:schemeClr val="dk1"/>
-          </a:fillRef>
-          <a:effectRef idx="2">
-            <a:schemeClr val="dk1"/>
-          </a:effectRef>
-          <a:fontRef idx="minor">
-            <a:schemeClr val="tx1"/>
-          </a:fontRef>
-        </p:style>
-      </p:cxnSp>
-      <p:sp>
-        <p:nvSpPr>
-          <p:cNvPr id="60" name="Oval 59" descr="Man with facial hair">
-            <a:extLst>
-              <a:ext uri="{FF2B5EF4-FFF2-40B4-BE49-F238E27FC236}">
-                <a16:creationId xmlns:a16="http://schemas.microsoft.com/office/drawing/2014/main" id="{F89895EF-1293-B363-6E0A-C52EBBF1486D}"/>
-              </a:ext>
-            </a:extLst>
-          </p:cNvPr>
-          <p:cNvSpPr/>
-          <p:nvPr/>
-        </p:nvSpPr>
-        <p:spPr>
-          <a:xfrm>
-            <a:off x="2926957" y="3464535"/>
-            <a:ext cx="695856" cy="585227"/>
-          </a:xfrm>
-          <a:prstGeom prst="ellipse">
-            <a:avLst/>
-          </a:prstGeom>
-          <a:blipFill dpi="0" rotWithShape="1">
-            <a:blip r:embed="rId5"/>
-            <a:srcRect/>
-            <a:stretch>
-              <a:fillRect/>
-            </a:stretch>
-          </a:blipFill>
-        </p:spPr>
-        <p:style>
-          <a:lnRef idx="2">
-            <a:schemeClr val="accent1">
-              <a:shade val="50000"/>
-            </a:schemeClr>
-          </a:lnRef>
-          <a:fillRef idx="1">
-            <a:schemeClr val="accent1"/>
-          </a:fillRef>
-          <a:effectRef idx="0">
-            <a:schemeClr val="accent1"/>
-          </a:effectRef>
-          <a:fontRef idx="minor">
-            <a:schemeClr val="lt1"/>
-          </a:fontRef>
-        </p:style>
-        <p:txBody>
-          <a:bodyPr rtlCol="0" anchor="ctr"/>
-          <a:lstStyle/>
-          <a:p>
-            <a:pPr algn="ctr"/>
-            <a:endParaRPr lang="en-PH" sz="1200" dirty="0"/>
-          </a:p>
-        </p:txBody>
-      </p:sp>
-      <p:sp>
-        <p:nvSpPr>
-          <p:cNvPr id="65" name="Oval 64" descr="Man with facial hair">
-            <a:extLst>
-              <a:ext uri="{FF2B5EF4-FFF2-40B4-BE49-F238E27FC236}">
-                <a16:creationId xmlns:a16="http://schemas.microsoft.com/office/drawing/2014/main" id="{35078AE6-2ADF-644E-37F8-21FD3B7268A6}"/>
-              </a:ext>
-            </a:extLst>
-          </p:cNvPr>
-          <p:cNvSpPr/>
-          <p:nvPr/>
-        </p:nvSpPr>
-        <p:spPr>
-          <a:xfrm>
-            <a:off x="4122603" y="3430843"/>
-            <a:ext cx="695856" cy="585227"/>
-          </a:xfrm>
-          <a:prstGeom prst="ellipse">
-            <a:avLst/>
-          </a:prstGeom>
-          <a:blipFill dpi="0" rotWithShape="1">
-            <a:blip r:embed="rId6"/>
-            <a:srcRect/>
-            <a:stretch>
-              <a:fillRect/>
-            </a:stretch>
-          </a:blipFill>
-        </p:spPr>
-        <p:style>
-          <a:lnRef idx="2">
-            <a:schemeClr val="accent1">
-              <a:shade val="50000"/>
-            </a:schemeClr>
-          </a:lnRef>
-          <a:fillRef idx="1">
-            <a:schemeClr val="accent1"/>
-          </a:fillRef>
-          <a:effectRef idx="0">
-            <a:schemeClr val="accent1"/>
-          </a:effectRef>
-          <a:fontRef idx="minor">
-            <a:schemeClr val="lt1"/>
-          </a:fontRef>
-        </p:style>
-        <p:txBody>
-          <a:bodyPr rtlCol="0" anchor="ctr"/>
-          <a:lstStyle/>
-          <a:p>
-            <a:pPr algn="ctr"/>
-            <a:endParaRPr lang="en-PH" sz="1200" dirty="0"/>
-          </a:p>
-        </p:txBody>
-      </p:sp>
-      <p:sp>
-        <p:nvSpPr>
-          <p:cNvPr id="68" name="Oval 67" descr="Man with facial hair">
-            <a:extLst>
-              <a:ext uri="{FF2B5EF4-FFF2-40B4-BE49-F238E27FC236}">
-                <a16:creationId xmlns:a16="http://schemas.microsoft.com/office/drawing/2014/main" id="{3114BD07-9FDA-1D23-DC95-22C3E8D5EAFE}"/>
-              </a:ext>
-            </a:extLst>
-          </p:cNvPr>
-          <p:cNvSpPr/>
-          <p:nvPr/>
-        </p:nvSpPr>
-        <p:spPr>
-          <a:xfrm>
-            <a:off x="2097156" y="2380268"/>
-            <a:ext cx="695856" cy="585227"/>
-          </a:xfrm>
-          <a:prstGeom prst="ellipse">
-            <a:avLst/>
-          </a:prstGeom>
-          <a:blipFill dpi="0" rotWithShape="1">
-            <a:blip r:embed="rId7"/>
-            <a:srcRect/>
-            <a:stretch>
-              <a:fillRect/>
-            </a:stretch>
-          </a:blipFill>
-        </p:spPr>
-        <p:style>
-          <a:lnRef idx="2">
-            <a:schemeClr val="accent1">
-              <a:shade val="50000"/>
-            </a:schemeClr>
-          </a:lnRef>
-          <a:fillRef idx="1">
-            <a:schemeClr val="accent1"/>
-          </a:fillRef>
-          <a:effectRef idx="0">
-            <a:schemeClr val="accent1"/>
-          </a:effectRef>
-          <a:fontRef idx="minor">
-            <a:schemeClr val="lt1"/>
-          </a:fontRef>
-        </p:style>
-        <p:txBody>
-          <a:bodyPr rtlCol="0" anchor="ctr"/>
-          <a:lstStyle/>
-          <a:p>
-            <a:pPr algn="ctr"/>
-            <a:endParaRPr lang="en-PH" sz="1200" dirty="0"/>
-          </a:p>
-        </p:txBody>
-      </p:sp>
-      <p:sp>
-        <p:nvSpPr>
-          <p:cNvPr id="74" name="Oval 73" descr="Man with facial hair">
-            <a:extLst>
-              <a:ext uri="{FF2B5EF4-FFF2-40B4-BE49-F238E27FC236}">
-                <a16:creationId xmlns:a16="http://schemas.microsoft.com/office/drawing/2014/main" id="{6BBEF8C2-C8CC-AF77-3AEF-33FF14E887BA}"/>
-              </a:ext>
-            </a:extLst>
-          </p:cNvPr>
-          <p:cNvSpPr/>
-          <p:nvPr/>
-        </p:nvSpPr>
-        <p:spPr>
-          <a:xfrm>
-            <a:off x="3359557" y="1361548"/>
-            <a:ext cx="695856" cy="585227"/>
-          </a:xfrm>
-          <a:prstGeom prst="ellipse">
-            <a:avLst/>
-          </a:prstGeom>
-          <a:blipFill dpi="0" rotWithShape="1">
-            <a:blip r:embed="rId8"/>
-            <a:srcRect/>
-            <a:stretch>
-              <a:fillRect/>
-            </a:stretch>
-          </a:blipFill>
-        </p:spPr>
-        <p:style>
-          <a:lnRef idx="2">
-            <a:schemeClr val="accent1">
-              <a:shade val="50000"/>
-            </a:schemeClr>
-          </a:lnRef>
-          <a:fillRef idx="1">
-            <a:schemeClr val="accent1"/>
-          </a:fillRef>
-          <a:effectRef idx="0">
-            <a:schemeClr val="accent1"/>
-          </a:effectRef>
-          <a:fontRef idx="minor">
-            <a:schemeClr val="lt1"/>
-          </a:fontRef>
-        </p:style>
-        <p:txBody>
-          <a:bodyPr rtlCol="0" anchor="ctr"/>
-          <a:lstStyle/>
-          <a:p>
-            <a:pPr algn="ctr"/>
-            <a:endParaRPr lang="en-PH" sz="1200" dirty="0"/>
-          </a:p>
-        </p:txBody>
-      </p:sp>
-      <p:cxnSp>
-        <p:nvCxnSpPr>
-          <p:cNvPr id="76" name="Straight Connector 75">
-            <a:extLst>
-              <a:ext uri="{FF2B5EF4-FFF2-40B4-BE49-F238E27FC236}">
-                <a16:creationId xmlns:a16="http://schemas.microsoft.com/office/drawing/2014/main" id="{AF1A4223-31F3-6A97-2060-0DE0EE85D91D}"/>
-              </a:ext>
-            </a:extLst>
-          </p:cNvPr>
-          <p:cNvCxnSpPr>
-            <a:cxnSpLocks/>
-            <a:stCxn id="68" idx="7"/>
-            <a:endCxn id="74" idx="3"/>
-          </p:cNvCxnSpPr>
-          <p:nvPr/>
-        </p:nvCxnSpPr>
-        <p:spPr>
-          <a:xfrm flipV="1">
-            <a:off x="2691106" y="1861070"/>
-            <a:ext cx="770357" cy="604903"/>
-          </a:xfrm>
-          <a:prstGeom prst="line">
-            <a:avLst/>
-          </a:prstGeom>
-          <a:ln>
-            <a:headEnd type="none" w="med" len="med"/>
-            <a:tailEnd type="none" w="med" len="med"/>
-          </a:ln>
-        </p:spPr>
-        <p:style>
-          <a:lnRef idx="3">
-            <a:schemeClr val="dk1"/>
-          </a:lnRef>
-          <a:fillRef idx="0">
-            <a:schemeClr val="dk1"/>
-          </a:fillRef>
-          <a:effectRef idx="2">
-            <a:schemeClr val="dk1"/>
-          </a:effectRef>
-          <a:fontRef idx="minor">
-            <a:schemeClr val="tx1"/>
-          </a:fontRef>
-        </p:style>
-      </p:cxnSp>
-      <p:cxnSp>
-        <p:nvCxnSpPr>
-          <p:cNvPr id="79" name="Straight Connector 78">
-            <a:extLst>
-              <a:ext uri="{FF2B5EF4-FFF2-40B4-BE49-F238E27FC236}">
-                <a16:creationId xmlns:a16="http://schemas.microsoft.com/office/drawing/2014/main" id="{CE1792BF-ED07-C692-F0F6-8F1BC2261412}"/>
-              </a:ext>
-            </a:extLst>
-          </p:cNvPr>
-          <p:cNvCxnSpPr>
-            <a:cxnSpLocks/>
-            <a:stCxn id="60" idx="1"/>
-            <a:endCxn id="68" idx="5"/>
-          </p:cNvCxnSpPr>
-          <p:nvPr/>
-        </p:nvCxnSpPr>
-        <p:spPr>
-          <a:xfrm flipH="1" flipV="1">
-            <a:off x="2691106" y="2879790"/>
-            <a:ext cx="337757" cy="670450"/>
-          </a:xfrm>
-          <a:prstGeom prst="line">
-            <a:avLst/>
-          </a:prstGeom>
-          <a:ln>
-            <a:headEnd type="none" w="med" len="med"/>
-            <a:tailEnd type="none" w="med" len="med"/>
-          </a:ln>
-        </p:spPr>
-        <p:style>
-          <a:lnRef idx="3">
-            <a:schemeClr val="dk1"/>
-          </a:lnRef>
-          <a:fillRef idx="0">
-            <a:schemeClr val="dk1"/>
-          </a:fillRef>
-          <a:effectRef idx="2">
-            <a:schemeClr val="dk1"/>
-          </a:effectRef>
-          <a:fontRef idx="minor">
-            <a:schemeClr val="tx1"/>
-          </a:fontRef>
-        </p:style>
-      </p:cxnSp>
-      <p:sp>
-        <p:nvSpPr>
-          <p:cNvPr id="86" name="Oval 85" descr="Man with facial hair">
-            <a:extLst>
-              <a:ext uri="{FF2B5EF4-FFF2-40B4-BE49-F238E27FC236}">
-                <a16:creationId xmlns:a16="http://schemas.microsoft.com/office/drawing/2014/main" id="{8B878285-B960-D0BD-E06D-E2B659E2D59F}"/>
-              </a:ext>
-            </a:extLst>
-          </p:cNvPr>
-          <p:cNvSpPr/>
-          <p:nvPr/>
-        </p:nvSpPr>
-        <p:spPr>
-          <a:xfrm>
-            <a:off x="1313042" y="3393369"/>
-            <a:ext cx="695856" cy="585227"/>
-          </a:xfrm>
-          <a:prstGeom prst="ellipse">
-            <a:avLst/>
-          </a:prstGeom>
-          <a:blipFill dpi="0" rotWithShape="1">
-            <a:blip r:embed="rId9"/>
-            <a:srcRect/>
-            <a:stretch>
-              <a:fillRect/>
-            </a:stretch>
-          </a:blipFill>
-        </p:spPr>
-        <p:style>
-          <a:lnRef idx="2">
-            <a:schemeClr val="accent1">
-              <a:shade val="50000"/>
-            </a:schemeClr>
-          </a:lnRef>
-          <a:fillRef idx="1">
-            <a:schemeClr val="accent1"/>
-          </a:fillRef>
-          <a:effectRef idx="0">
-            <a:schemeClr val="accent1"/>
-          </a:effectRef>
-          <a:fontRef idx="minor">
-            <a:schemeClr val="lt1"/>
-          </a:fontRef>
-        </p:style>
-        <p:txBody>
-          <a:bodyPr rtlCol="0" anchor="ctr"/>
-          <a:lstStyle/>
-          <a:p>
-            <a:pPr algn="ctr"/>
-            <a:endParaRPr lang="en-PH" sz="1200" dirty="0"/>
-          </a:p>
-        </p:txBody>
-      </p:sp>
-      <p:cxnSp>
-        <p:nvCxnSpPr>
-          <p:cNvPr id="87" name="Straight Connector 86">
-            <a:extLst>
-              <a:ext uri="{FF2B5EF4-FFF2-40B4-BE49-F238E27FC236}">
-                <a16:creationId xmlns:a16="http://schemas.microsoft.com/office/drawing/2014/main" id="{0B76348E-D5E8-FF94-99F0-FF92970B66E0}"/>
-              </a:ext>
-            </a:extLst>
-          </p:cNvPr>
-          <p:cNvCxnSpPr>
-            <a:cxnSpLocks/>
-            <a:stCxn id="68" idx="3"/>
-            <a:endCxn id="86" idx="7"/>
-          </p:cNvCxnSpPr>
-          <p:nvPr/>
-        </p:nvCxnSpPr>
-        <p:spPr>
-          <a:xfrm flipH="1">
-            <a:off x="1906992" y="2879790"/>
-            <a:ext cx="292070" cy="599284"/>
-          </a:xfrm>
-          <a:prstGeom prst="line">
-            <a:avLst/>
-          </a:prstGeom>
-          <a:ln>
-            <a:headEnd type="none" w="med" len="med"/>
-            <a:tailEnd type="none" w="med" len="med"/>
-          </a:ln>
-        </p:spPr>
-        <p:style>
-          <a:lnRef idx="3">
-            <a:schemeClr val="dk1"/>
-          </a:lnRef>
-          <a:fillRef idx="0">
-            <a:schemeClr val="dk1"/>
-          </a:fillRef>
-          <a:effectRef idx="2">
-            <a:schemeClr val="dk1"/>
-          </a:effectRef>
-          <a:fontRef idx="minor">
-            <a:schemeClr val="tx1"/>
-          </a:fontRef>
-        </p:style>
-      </p:cxnSp>
-      <p:sp>
-        <p:nvSpPr>
-          <p:cNvPr id="91" name="Oval 90" descr="Man with facial hair">
-            <a:extLst>
-              <a:ext uri="{FF2B5EF4-FFF2-40B4-BE49-F238E27FC236}">
-                <a16:creationId xmlns:a16="http://schemas.microsoft.com/office/drawing/2014/main" id="{5D990BB9-C604-F0E3-E59C-8923FAC243A6}"/>
-              </a:ext>
-            </a:extLst>
-          </p:cNvPr>
-          <p:cNvSpPr/>
-          <p:nvPr/>
-        </p:nvSpPr>
-        <p:spPr>
-          <a:xfrm>
-            <a:off x="5912199" y="3426463"/>
-            <a:ext cx="695856" cy="585227"/>
-          </a:xfrm>
-          <a:prstGeom prst="ellipse">
-            <a:avLst/>
-          </a:prstGeom>
-          <a:blipFill dpi="0" rotWithShape="1">
-            <a:blip r:embed="rId10"/>
-            <a:srcRect/>
-            <a:stretch>
-              <a:fillRect/>
-            </a:stretch>
-          </a:blipFill>
-        </p:spPr>
-        <p:style>
-          <a:lnRef idx="2">
-            <a:schemeClr val="accent1">
-              <a:shade val="50000"/>
-            </a:schemeClr>
-          </a:lnRef>
-          <a:fillRef idx="1">
-            <a:schemeClr val="accent1"/>
-          </a:fillRef>
-          <a:effectRef idx="0">
-            <a:schemeClr val="accent1"/>
-          </a:effectRef>
-          <a:fontRef idx="minor">
-            <a:schemeClr val="lt1"/>
-          </a:fontRef>
-        </p:style>
-        <p:txBody>
-          <a:bodyPr rtlCol="0" anchor="ctr"/>
-          <a:lstStyle/>
-          <a:p>
-            <a:pPr algn="ctr"/>
-            <a:endParaRPr lang="en-PH" sz="1200" dirty="0"/>
-          </a:p>
-        </p:txBody>
-      </p:sp>
-      <p:sp>
-        <p:nvSpPr>
-          <p:cNvPr id="132" name="TextBox 131">
-            <a:extLst>
-              <a:ext uri="{FF2B5EF4-FFF2-40B4-BE49-F238E27FC236}">
-                <a16:creationId xmlns:a16="http://schemas.microsoft.com/office/drawing/2014/main" id="{CF6924C2-10A8-20E5-0873-7B536FA09D7F}"/>
-              </a:ext>
-            </a:extLst>
-          </p:cNvPr>
-          <p:cNvSpPr txBox="1"/>
-          <p:nvPr/>
-        </p:nvSpPr>
-        <p:spPr>
-          <a:xfrm>
-            <a:off x="4945585" y="3044414"/>
-            <a:ext cx="629005" cy="276999"/>
-          </a:xfrm>
-          <a:prstGeom prst="rect">
-            <a:avLst/>
-          </a:prstGeom>
-          <a:noFill/>
-        </p:spPr>
-        <p:txBody>
-          <a:bodyPr wrap="square" rtlCol="0">
-            <a:spAutoFit/>
-          </a:bodyPr>
-          <a:lstStyle/>
-          <a:p>
-            <a:r>
-              <a:rPr lang="en-PH" sz="1200" b="1" dirty="0"/>
-              <a:t>Jethro</a:t>
-            </a:r>
-          </a:p>
-        </p:txBody>
-      </p:sp>
-      <p:sp>
-        <p:nvSpPr>
-          <p:cNvPr id="133" name="TextBox 132">
-            <a:extLst>
-              <a:ext uri="{FF2B5EF4-FFF2-40B4-BE49-F238E27FC236}">
-                <a16:creationId xmlns:a16="http://schemas.microsoft.com/office/drawing/2014/main" id="{C0AEDEC3-603E-74F8-598F-E4D59A5FAD4D}"/>
-              </a:ext>
-            </a:extLst>
-          </p:cNvPr>
-          <p:cNvSpPr txBox="1"/>
-          <p:nvPr/>
-        </p:nvSpPr>
-        <p:spPr>
-          <a:xfrm>
-            <a:off x="2979527" y="4065850"/>
-            <a:ext cx="551767" cy="276999"/>
-          </a:xfrm>
-          <a:prstGeom prst="rect">
-            <a:avLst/>
-          </a:prstGeom>
-          <a:noFill/>
-        </p:spPr>
-        <p:txBody>
-          <a:bodyPr wrap="square" rtlCol="0">
-            <a:spAutoFit/>
-          </a:bodyPr>
-          <a:lstStyle/>
-          <a:p>
-            <a:r>
-              <a:rPr lang="en-PH" sz="1200" b="1" dirty="0" err="1"/>
-              <a:t>Ronn</a:t>
-            </a:r>
-            <a:endParaRPr lang="en-PH" sz="1200" b="1" dirty="0"/>
-          </a:p>
-        </p:txBody>
-      </p:sp>
-      <p:sp>
-        <p:nvSpPr>
-          <p:cNvPr id="135" name="TextBox 134">
-            <a:extLst>
-              <a:ext uri="{FF2B5EF4-FFF2-40B4-BE49-F238E27FC236}">
-                <a16:creationId xmlns:a16="http://schemas.microsoft.com/office/drawing/2014/main" id="{05EFB568-9C1A-6F2A-7A68-2A70CE2C46A9}"/>
-              </a:ext>
-            </a:extLst>
-          </p:cNvPr>
-          <p:cNvSpPr txBox="1"/>
-          <p:nvPr/>
-        </p:nvSpPr>
-        <p:spPr>
-          <a:xfrm>
-            <a:off x="3435393" y="1955063"/>
-            <a:ext cx="544183" cy="276999"/>
-          </a:xfrm>
-          <a:prstGeom prst="rect">
-            <a:avLst/>
-          </a:prstGeom>
-          <a:noFill/>
-        </p:spPr>
-        <p:txBody>
-          <a:bodyPr wrap="square" rtlCol="0">
-            <a:spAutoFit/>
-          </a:bodyPr>
-          <a:lstStyle/>
-          <a:p>
-            <a:r>
-              <a:rPr lang="en-PH" sz="1200" b="1" dirty="0"/>
-              <a:t>Nica</a:t>
-            </a:r>
-          </a:p>
-        </p:txBody>
-      </p:sp>
-      <p:sp>
-        <p:nvSpPr>
-          <p:cNvPr id="136" name="TextBox 135">
-            <a:extLst>
-              <a:ext uri="{FF2B5EF4-FFF2-40B4-BE49-F238E27FC236}">
-                <a16:creationId xmlns:a16="http://schemas.microsoft.com/office/drawing/2014/main" id="{051D467A-6BE1-BC43-A4E5-26773EE58827}"/>
-              </a:ext>
-            </a:extLst>
-          </p:cNvPr>
-          <p:cNvSpPr txBox="1"/>
-          <p:nvPr/>
-        </p:nvSpPr>
-        <p:spPr>
-          <a:xfrm>
-            <a:off x="5948408" y="4059933"/>
-            <a:ext cx="659647" cy="276999"/>
-          </a:xfrm>
-          <a:prstGeom prst="rect">
-            <a:avLst/>
-          </a:prstGeom>
-          <a:noFill/>
-        </p:spPr>
-        <p:txBody>
-          <a:bodyPr wrap="square" rtlCol="0">
-            <a:spAutoFit/>
-          </a:bodyPr>
-          <a:lstStyle/>
-          <a:p>
-            <a:r>
-              <a:rPr lang="en-PH" sz="1200" b="1" dirty="0" err="1"/>
-              <a:t>Jonnah</a:t>
-            </a:r>
-            <a:endParaRPr lang="en-PH" sz="1200" b="1" dirty="0"/>
-          </a:p>
-        </p:txBody>
-      </p:sp>
-      <p:sp>
-        <p:nvSpPr>
-          <p:cNvPr id="138" name="TextBox 137">
-            <a:extLst>
-              <a:ext uri="{FF2B5EF4-FFF2-40B4-BE49-F238E27FC236}">
-                <a16:creationId xmlns:a16="http://schemas.microsoft.com/office/drawing/2014/main" id="{92602348-F076-25E5-04FA-5CFE51C23ACB}"/>
-              </a:ext>
-            </a:extLst>
-          </p:cNvPr>
-          <p:cNvSpPr txBox="1"/>
-          <p:nvPr/>
-        </p:nvSpPr>
-        <p:spPr>
-          <a:xfrm>
-            <a:off x="1416338" y="3956962"/>
-            <a:ext cx="551767" cy="276999"/>
-          </a:xfrm>
-          <a:prstGeom prst="rect">
-            <a:avLst/>
-          </a:prstGeom>
-          <a:noFill/>
-        </p:spPr>
-        <p:txBody>
-          <a:bodyPr wrap="square" rtlCol="0">
-            <a:spAutoFit/>
-          </a:bodyPr>
-          <a:lstStyle/>
-          <a:p>
-            <a:r>
-              <a:rPr lang="en-PH" sz="1200" b="1" dirty="0"/>
-              <a:t>Neal</a:t>
-            </a:r>
-          </a:p>
-        </p:txBody>
-      </p:sp>
-      <p:sp>
-        <p:nvSpPr>
-          <p:cNvPr id="139" name="TextBox 138">
-            <a:extLst>
-              <a:ext uri="{FF2B5EF4-FFF2-40B4-BE49-F238E27FC236}">
-                <a16:creationId xmlns:a16="http://schemas.microsoft.com/office/drawing/2014/main" id="{5D603AEE-A5D1-BEA0-252E-6AFA444A7647}"/>
-              </a:ext>
-            </a:extLst>
-          </p:cNvPr>
-          <p:cNvSpPr txBox="1"/>
-          <p:nvPr/>
-        </p:nvSpPr>
-        <p:spPr>
-          <a:xfrm>
-            <a:off x="2097156" y="3002711"/>
-            <a:ext cx="695856" cy="276999"/>
-          </a:xfrm>
-          <a:prstGeom prst="rect">
-            <a:avLst/>
-          </a:prstGeom>
-          <a:noFill/>
-        </p:spPr>
-        <p:txBody>
-          <a:bodyPr wrap="square" rtlCol="0">
-            <a:spAutoFit/>
-          </a:bodyPr>
-          <a:lstStyle/>
-          <a:p>
-            <a:r>
-              <a:rPr lang="en-PH" sz="1200" b="1" dirty="0"/>
-              <a:t>J-</a:t>
-            </a:r>
-            <a:r>
-              <a:rPr lang="en-PH" sz="1200" b="1" dirty="0" err="1"/>
-              <a:t>Rhyzz</a:t>
-            </a:r>
-            <a:endParaRPr lang="en-PH" sz="1200" b="1" dirty="0"/>
-          </a:p>
-        </p:txBody>
-      </p:sp>
-      <p:cxnSp>
-        <p:nvCxnSpPr>
-          <p:cNvPr id="81" name="Straight Connector 80">
-            <a:extLst>
-              <a:ext uri="{FF2B5EF4-FFF2-40B4-BE49-F238E27FC236}">
-                <a16:creationId xmlns:a16="http://schemas.microsoft.com/office/drawing/2014/main" id="{2F156CB5-55ED-800E-8CBC-2F70BE5B71B6}"/>
-              </a:ext>
-            </a:extLst>
-          </p:cNvPr>
-          <p:cNvCxnSpPr>
-            <a:cxnSpLocks/>
-            <a:stCxn id="91" idx="1"/>
-            <a:endCxn id="5" idx="5"/>
-          </p:cNvCxnSpPr>
-          <p:nvPr/>
-        </p:nvCxnSpPr>
-        <p:spPr>
-          <a:xfrm flipH="1" flipV="1">
-            <a:off x="5506110" y="2879790"/>
-            <a:ext cx="507995" cy="632378"/>
-          </a:xfrm>
-          <a:prstGeom prst="line">
-            <a:avLst/>
-          </a:prstGeom>
-          <a:ln>
-            <a:headEnd type="none" w="med" len="med"/>
-            <a:tailEnd type="none" w="med" len="med"/>
-          </a:ln>
-        </p:spPr>
-        <p:style>
-          <a:lnRef idx="3">
-            <a:schemeClr val="dk1"/>
-          </a:lnRef>
-          <a:fillRef idx="0">
-            <a:schemeClr val="dk1"/>
-          </a:fillRef>
-          <a:effectRef idx="2">
-            <a:schemeClr val="dk1"/>
-          </a:effectRef>
-          <a:fontRef idx="minor">
-            <a:schemeClr val="tx1"/>
-          </a:fontRef>
-        </p:style>
-      </p:cxnSp>
-      <p:sp>
-        <p:nvSpPr>
-          <p:cNvPr id="85" name="TextBox 84">
-            <a:extLst>
-              <a:ext uri="{FF2B5EF4-FFF2-40B4-BE49-F238E27FC236}">
-                <a16:creationId xmlns:a16="http://schemas.microsoft.com/office/drawing/2014/main" id="{8061A0F7-35C3-0E8E-1F6A-9A37BC351FFF}"/>
-              </a:ext>
-            </a:extLst>
-          </p:cNvPr>
-          <p:cNvSpPr txBox="1"/>
-          <p:nvPr/>
-        </p:nvSpPr>
-        <p:spPr>
-          <a:xfrm>
-            <a:off x="4149206" y="4055854"/>
-            <a:ext cx="659647" cy="276999"/>
-          </a:xfrm>
-          <a:prstGeom prst="rect">
-            <a:avLst/>
-          </a:prstGeom>
-          <a:noFill/>
-        </p:spPr>
-        <p:txBody>
-          <a:bodyPr wrap="square" rtlCol="0">
-            <a:spAutoFit/>
-          </a:bodyPr>
-          <a:lstStyle/>
-          <a:p>
-            <a:r>
-              <a:rPr lang="en-PH" sz="1200" b="1" dirty="0"/>
-              <a:t>Tristan</a:t>
-            </a:r>
-          </a:p>
-        </p:txBody>
-      </p:sp>
-      <p:sp>
-        <p:nvSpPr>
-          <p:cNvPr id="88" name="Oval 87" descr="Man with facial hair">
-            <a:extLst>
-              <a:ext uri="{FF2B5EF4-FFF2-40B4-BE49-F238E27FC236}">
-                <a16:creationId xmlns:a16="http://schemas.microsoft.com/office/drawing/2014/main" id="{3553F5F1-CDD1-515E-3AA1-A29A3186AA82}"/>
-              </a:ext>
-            </a:extLst>
-          </p:cNvPr>
-          <p:cNvSpPr/>
-          <p:nvPr/>
-        </p:nvSpPr>
-        <p:spPr>
-          <a:xfrm>
-            <a:off x="536340" y="5148437"/>
-            <a:ext cx="695856" cy="585227"/>
-          </a:xfrm>
-          <a:prstGeom prst="ellipse">
-            <a:avLst/>
-          </a:prstGeom>
-          <a:blipFill dpi="0" rotWithShape="1">
-            <a:blip r:embed="rId8"/>
-            <a:srcRect/>
-            <a:stretch>
-              <a:fillRect/>
-            </a:stretch>
-          </a:blipFill>
-        </p:spPr>
-        <p:style>
-          <a:lnRef idx="2">
-            <a:schemeClr val="accent1">
-              <a:shade val="50000"/>
-            </a:schemeClr>
-          </a:lnRef>
-          <a:fillRef idx="1">
-            <a:schemeClr val="accent1"/>
-          </a:fillRef>
-          <a:effectRef idx="0">
-            <a:schemeClr val="accent1"/>
-          </a:effectRef>
-          <a:fontRef idx="minor">
-            <a:schemeClr val="lt1"/>
-          </a:fontRef>
-        </p:style>
-        <p:txBody>
-          <a:bodyPr rtlCol="0" anchor="ctr"/>
-          <a:lstStyle/>
-          <a:p>
-            <a:pPr algn="ctr"/>
-            <a:endParaRPr lang="en-PH" sz="1200" dirty="0"/>
-          </a:p>
-        </p:txBody>
-      </p:sp>
-      <p:sp>
-        <p:nvSpPr>
-          <p:cNvPr id="89" name="Oval 88" descr="Man with facial hair">
-            <a:extLst>
-              <a:ext uri="{FF2B5EF4-FFF2-40B4-BE49-F238E27FC236}">
-                <a16:creationId xmlns:a16="http://schemas.microsoft.com/office/drawing/2014/main" id="{CB2702C9-14A7-E48C-C266-C50EFEB3D423}"/>
-              </a:ext>
-            </a:extLst>
-          </p:cNvPr>
-          <p:cNvSpPr/>
-          <p:nvPr/>
-        </p:nvSpPr>
-        <p:spPr>
-          <a:xfrm>
-            <a:off x="1586738" y="5148436"/>
-            <a:ext cx="695856" cy="585227"/>
-          </a:xfrm>
-          <a:prstGeom prst="ellipse">
-            <a:avLst/>
-          </a:prstGeom>
-          <a:blipFill dpi="0" rotWithShape="1">
-            <a:blip r:embed="rId7"/>
-            <a:srcRect/>
-            <a:stretch>
-              <a:fillRect/>
-            </a:stretch>
-          </a:blipFill>
-        </p:spPr>
-        <p:style>
-          <a:lnRef idx="2">
-            <a:schemeClr val="accent1">
-              <a:shade val="50000"/>
-            </a:schemeClr>
-          </a:lnRef>
-          <a:fillRef idx="1">
-            <a:schemeClr val="accent1"/>
-          </a:fillRef>
-          <a:effectRef idx="0">
-            <a:schemeClr val="accent1"/>
-          </a:effectRef>
-          <a:fontRef idx="minor">
-            <a:schemeClr val="lt1"/>
-          </a:fontRef>
-        </p:style>
-        <p:txBody>
-          <a:bodyPr rtlCol="0" anchor="ctr"/>
-          <a:lstStyle/>
-          <a:p>
-            <a:pPr algn="ctr"/>
-            <a:endParaRPr lang="en-PH" sz="1200" dirty="0"/>
-          </a:p>
-        </p:txBody>
-      </p:sp>
-      <p:sp>
-        <p:nvSpPr>
-          <p:cNvPr id="90" name="Oval 89" descr="Man with facial hair">
-            <a:extLst>
-              <a:ext uri="{FF2B5EF4-FFF2-40B4-BE49-F238E27FC236}">
-                <a16:creationId xmlns:a16="http://schemas.microsoft.com/office/drawing/2014/main" id="{0783158D-0173-45A6-610E-73F66965A0F7}"/>
-              </a:ext>
-            </a:extLst>
-          </p:cNvPr>
-          <p:cNvSpPr/>
-          <p:nvPr/>
-        </p:nvSpPr>
-        <p:spPr>
-          <a:xfrm>
-            <a:off x="3750020" y="5148535"/>
-            <a:ext cx="695856" cy="585227"/>
-          </a:xfrm>
-          <a:prstGeom prst="ellipse">
-            <a:avLst/>
-          </a:prstGeom>
-          <a:blipFill dpi="0" rotWithShape="1">
-            <a:blip r:embed="rId5"/>
-            <a:srcRect/>
-            <a:stretch>
-              <a:fillRect/>
-            </a:stretch>
-          </a:blipFill>
-        </p:spPr>
-        <p:style>
-          <a:lnRef idx="2">
-            <a:schemeClr val="accent1">
-              <a:shade val="50000"/>
-            </a:schemeClr>
-          </a:lnRef>
-          <a:fillRef idx="1">
-            <a:schemeClr val="accent1"/>
-          </a:fillRef>
-          <a:effectRef idx="0">
-            <a:schemeClr val="accent1"/>
-          </a:effectRef>
-          <a:fontRef idx="minor">
-            <a:schemeClr val="lt1"/>
-          </a:fontRef>
-        </p:style>
-        <p:txBody>
-          <a:bodyPr rtlCol="0" anchor="ctr"/>
-          <a:lstStyle/>
-          <a:p>
-            <a:pPr algn="ctr"/>
-            <a:endParaRPr lang="en-PH" sz="1200" dirty="0"/>
-          </a:p>
-        </p:txBody>
-      </p:sp>
-      <p:sp>
-        <p:nvSpPr>
-          <p:cNvPr id="94" name="Oval 93" descr="Man with facial hair">
-            <a:extLst>
-              <a:ext uri="{FF2B5EF4-FFF2-40B4-BE49-F238E27FC236}">
-                <a16:creationId xmlns:a16="http://schemas.microsoft.com/office/drawing/2014/main" id="{2CCEB941-A4D2-4226-99E4-782F2B0C94AE}"/>
-              </a:ext>
-            </a:extLst>
-          </p:cNvPr>
-          <p:cNvSpPr/>
-          <p:nvPr/>
-        </p:nvSpPr>
-        <p:spPr>
-          <a:xfrm>
-            <a:off x="2682126" y="5148536"/>
-            <a:ext cx="695856" cy="585227"/>
-          </a:xfrm>
-          <a:prstGeom prst="ellipse">
-            <a:avLst/>
-          </a:prstGeom>
-          <a:blipFill dpi="0" rotWithShape="1">
-            <a:blip r:embed="rId9"/>
-            <a:srcRect/>
-            <a:stretch>
-              <a:fillRect/>
-            </a:stretch>
-          </a:blipFill>
-        </p:spPr>
-        <p:style>
-          <a:lnRef idx="2">
-            <a:schemeClr val="accent1">
-              <a:shade val="50000"/>
-            </a:schemeClr>
-          </a:lnRef>
-          <a:fillRef idx="1">
-            <a:schemeClr val="accent1"/>
-          </a:fillRef>
-          <a:effectRef idx="0">
-            <a:schemeClr val="accent1"/>
-          </a:effectRef>
-          <a:fontRef idx="minor">
-            <a:schemeClr val="lt1"/>
-          </a:fontRef>
-        </p:style>
-        <p:txBody>
-          <a:bodyPr rtlCol="0" anchor="ctr"/>
-          <a:lstStyle/>
-          <a:p>
-            <a:pPr algn="ctr"/>
-            <a:endParaRPr lang="en-PH" sz="1200" dirty="0"/>
-          </a:p>
-        </p:txBody>
-      </p:sp>
-      <p:sp>
-        <p:nvSpPr>
-          <p:cNvPr id="95" name="Oval 94" descr="Man with facial hair">
-            <a:extLst>
-              <a:ext uri="{FF2B5EF4-FFF2-40B4-BE49-F238E27FC236}">
-                <a16:creationId xmlns:a16="http://schemas.microsoft.com/office/drawing/2014/main" id="{547C43A4-C8E4-41A8-76F1-740ABE798CD9}"/>
-              </a:ext>
-            </a:extLst>
-          </p:cNvPr>
-          <p:cNvSpPr/>
-          <p:nvPr/>
-        </p:nvSpPr>
-        <p:spPr>
-          <a:xfrm>
-            <a:off x="5948408" y="5148041"/>
-            <a:ext cx="695856" cy="585227"/>
-          </a:xfrm>
-          <a:prstGeom prst="ellipse">
-            <a:avLst/>
-          </a:prstGeom>
-          <a:blipFill dpi="0" rotWithShape="1">
-            <a:blip r:embed="rId6"/>
-            <a:srcRect/>
-            <a:stretch>
-              <a:fillRect/>
-            </a:stretch>
-          </a:blipFill>
-        </p:spPr>
-        <p:style>
-          <a:lnRef idx="2">
-            <a:schemeClr val="accent1">
-              <a:shade val="50000"/>
-            </a:schemeClr>
-          </a:lnRef>
-          <a:fillRef idx="1">
-            <a:schemeClr val="accent1"/>
-          </a:fillRef>
-          <a:effectRef idx="0">
-            <a:schemeClr val="accent1"/>
-          </a:effectRef>
-          <a:fontRef idx="minor">
-            <a:schemeClr val="lt1"/>
-          </a:fontRef>
-        </p:style>
-        <p:txBody>
-          <a:bodyPr rtlCol="0" anchor="ctr"/>
-          <a:lstStyle/>
-          <a:p>
-            <a:pPr algn="ctr"/>
-            <a:endParaRPr lang="en-PH" sz="1200" dirty="0"/>
-          </a:p>
-        </p:txBody>
-      </p:sp>
-      <p:sp>
-        <p:nvSpPr>
-          <p:cNvPr id="97" name="Oval 96" descr="Man with facial hair">
-            <a:extLst>
-              <a:ext uri="{FF2B5EF4-FFF2-40B4-BE49-F238E27FC236}">
-                <a16:creationId xmlns:a16="http://schemas.microsoft.com/office/drawing/2014/main" id="{2516A271-F079-44B6-A3DD-FBB15D204315}"/>
-              </a:ext>
-            </a:extLst>
-          </p:cNvPr>
-          <p:cNvSpPr/>
-          <p:nvPr/>
-        </p:nvSpPr>
-        <p:spPr>
-          <a:xfrm>
-            <a:off x="6961614" y="5146581"/>
-            <a:ext cx="695856" cy="585227"/>
-          </a:xfrm>
-          <a:prstGeom prst="ellipse">
-            <a:avLst/>
-          </a:prstGeom>
-          <a:blipFill dpi="0" rotWithShape="1">
-            <a:blip r:embed="rId10"/>
-            <a:srcRect/>
-            <a:stretch>
-              <a:fillRect/>
-            </a:stretch>
-          </a:blipFill>
-        </p:spPr>
-        <p:style>
-          <a:lnRef idx="2">
-            <a:schemeClr val="accent1">
-              <a:shade val="50000"/>
-            </a:schemeClr>
-          </a:lnRef>
-          <a:fillRef idx="1">
-            <a:schemeClr val="accent1"/>
-          </a:fillRef>
-          <a:effectRef idx="0">
-            <a:schemeClr val="accent1"/>
-          </a:effectRef>
-          <a:fontRef idx="minor">
-            <a:schemeClr val="lt1"/>
-          </a:fontRef>
-        </p:style>
-        <p:txBody>
-          <a:bodyPr rtlCol="0" anchor="ctr"/>
-          <a:lstStyle/>
-          <a:p>
-            <a:pPr algn="ctr"/>
-            <a:endParaRPr lang="en-PH" sz="1200" dirty="0"/>
-          </a:p>
-        </p:txBody>
-      </p:sp>
-      <p:sp>
-        <p:nvSpPr>
-          <p:cNvPr id="98" name="Oval 97" descr="Man with facial hair">
-            <a:extLst>
-              <a:ext uri="{FF2B5EF4-FFF2-40B4-BE49-F238E27FC236}">
-                <a16:creationId xmlns:a16="http://schemas.microsoft.com/office/drawing/2014/main" id="{A00B8EB9-AB3E-102B-45F9-164872240E58}"/>
-              </a:ext>
-            </a:extLst>
-          </p:cNvPr>
-          <p:cNvSpPr/>
-          <p:nvPr/>
-        </p:nvSpPr>
-        <p:spPr>
-          <a:xfrm>
-            <a:off x="4878523" y="5146581"/>
-            <a:ext cx="695856" cy="585227"/>
-          </a:xfrm>
-          <a:prstGeom prst="ellipse">
-            <a:avLst/>
-          </a:prstGeom>
-          <a:blipFill dpi="0" rotWithShape="1">
-            <a:blip r:embed="rId4"/>
-            <a:srcRect/>
-            <a:stretch>
-              <a:fillRect/>
-            </a:stretch>
-          </a:blipFill>
-        </p:spPr>
-        <p:style>
-          <a:lnRef idx="2">
-            <a:schemeClr val="accent1">
-              <a:shade val="50000"/>
-            </a:schemeClr>
-          </a:lnRef>
-          <a:fillRef idx="1">
-            <a:schemeClr val="accent1"/>
-          </a:fillRef>
-          <a:effectRef idx="0">
-            <a:schemeClr val="accent1"/>
-          </a:effectRef>
-          <a:fontRef idx="minor">
-            <a:schemeClr val="lt1"/>
-          </a:fontRef>
-        </p:style>
-        <p:txBody>
-          <a:bodyPr rtlCol="0" anchor="ctr"/>
-          <a:lstStyle/>
-          <a:p>
-            <a:pPr algn="ctr"/>
-            <a:endParaRPr lang="en-PH" sz="1200" dirty="0"/>
-          </a:p>
-        </p:txBody>
-      </p:sp>
-      <p:graphicFrame>
-        <p:nvGraphicFramePr>
-          <p:cNvPr id="6" name="Table 6">
-            <a:extLst>
-              <a:ext uri="{FF2B5EF4-FFF2-40B4-BE49-F238E27FC236}">
-                <a16:creationId xmlns:a16="http://schemas.microsoft.com/office/drawing/2014/main" id="{CF718AE7-B3A0-AF3B-DD8A-D3B37E4DE23D}"/>
-              </a:ext>
-            </a:extLst>
-          </p:cNvPr>
-          <p:cNvGraphicFramePr>
-            <a:graphicFrameLocks noGrp="1"/>
-          </p:cNvGraphicFramePr>
-          <p:nvPr>
-            <p:extLst>
-              <p:ext uri="{D42A27DB-BD31-4B8C-83A1-F6EECF244321}">
-                <p14:modId xmlns:p14="http://schemas.microsoft.com/office/powerpoint/2010/main" val="70841785"/>
-              </p:ext>
-            </p:extLst>
-          </p:nvPr>
-        </p:nvGraphicFramePr>
-        <p:xfrm>
-          <a:off x="9665219" y="1100048"/>
-          <a:ext cx="2059707" cy="4824239"/>
-        </p:xfrm>
-        <a:graphic>
-          <a:graphicData uri="http://schemas.openxmlformats.org/drawingml/2006/table">
-            <a:tbl>
-              <a:tblPr firstRow="1" bandRow="1">
-                <a:tableStyleId>{5940675A-B579-460E-94D1-54222C63F5DA}</a:tableStyleId>
-              </a:tblPr>
-              <a:tblGrid>
-                <a:gridCol w="2059707">
-                  <a:extLst>
-                    <a:ext uri="{9D8B030D-6E8A-4147-A177-3AD203B41FA5}">
-                      <a16:colId xmlns:a16="http://schemas.microsoft.com/office/drawing/2014/main" val="2206560095"/>
-                    </a:ext>
-                  </a:extLst>
-                </a:gridCol>
-              </a:tblGrid>
-              <a:tr h="689177">
-                <a:tc>
-                  <a:txBody>
-                    <a:bodyPr/>
-                    <a:lstStyle/>
-                    <a:p>
-                      <a:endParaRPr lang="en-PH"/>
-                    </a:p>
-                  </a:txBody>
-                  <a:tcPr/>
-                </a:tc>
-                <a:extLst>
-                  <a:ext uri="{0D108BD9-81ED-4DB2-BD59-A6C34878D82A}">
-                    <a16:rowId xmlns:a16="http://schemas.microsoft.com/office/drawing/2014/main" val="1145170285"/>
-                  </a:ext>
-                </a:extLst>
-              </a:tr>
-              <a:tr h="689177">
-                <a:tc>
-                  <a:txBody>
-                    <a:bodyPr/>
-                    <a:lstStyle/>
-                    <a:p>
-                      <a:endParaRPr lang="en-PH"/>
-                    </a:p>
-                  </a:txBody>
-                  <a:tcPr/>
-                </a:tc>
-                <a:extLst>
-                  <a:ext uri="{0D108BD9-81ED-4DB2-BD59-A6C34878D82A}">
-                    <a16:rowId xmlns:a16="http://schemas.microsoft.com/office/drawing/2014/main" val="2234402146"/>
-                  </a:ext>
-                </a:extLst>
-              </a:tr>
-              <a:tr h="689177">
-                <a:tc>
-                  <a:txBody>
-                    <a:bodyPr/>
-                    <a:lstStyle/>
-                    <a:p>
-                      <a:endParaRPr lang="en-PH"/>
-                    </a:p>
-                  </a:txBody>
-                  <a:tcPr/>
-                </a:tc>
-                <a:extLst>
-                  <a:ext uri="{0D108BD9-81ED-4DB2-BD59-A6C34878D82A}">
-                    <a16:rowId xmlns:a16="http://schemas.microsoft.com/office/drawing/2014/main" val="1159182239"/>
-                  </a:ext>
-                </a:extLst>
-              </a:tr>
-              <a:tr h="689177">
-                <a:tc>
-                  <a:txBody>
-                    <a:bodyPr/>
-                    <a:lstStyle/>
-                    <a:p>
-                      <a:endParaRPr lang="en-PH"/>
-                    </a:p>
-                  </a:txBody>
-                  <a:tcPr/>
-                </a:tc>
-                <a:extLst>
-                  <a:ext uri="{0D108BD9-81ED-4DB2-BD59-A6C34878D82A}">
-                    <a16:rowId xmlns:a16="http://schemas.microsoft.com/office/drawing/2014/main" val="2946919081"/>
-                  </a:ext>
-                </a:extLst>
-              </a:tr>
-              <a:tr h="689177">
-                <a:tc>
-                  <a:txBody>
-                    <a:bodyPr/>
-                    <a:lstStyle/>
-                    <a:p>
-                      <a:endParaRPr lang="en-PH" dirty="0"/>
-                    </a:p>
-                  </a:txBody>
-                  <a:tcPr/>
-                </a:tc>
-                <a:extLst>
-                  <a:ext uri="{0D108BD9-81ED-4DB2-BD59-A6C34878D82A}">
-                    <a16:rowId xmlns:a16="http://schemas.microsoft.com/office/drawing/2014/main" val="2030972411"/>
-                  </a:ext>
-                </a:extLst>
-              </a:tr>
-              <a:tr h="689177">
-                <a:tc>
-                  <a:txBody>
-                    <a:bodyPr/>
-                    <a:lstStyle/>
-                    <a:p>
-                      <a:endParaRPr lang="en-PH" dirty="0"/>
-                    </a:p>
-                  </a:txBody>
-                  <a:tcPr/>
-                </a:tc>
-                <a:extLst>
-                  <a:ext uri="{0D108BD9-81ED-4DB2-BD59-A6C34878D82A}">
-                    <a16:rowId xmlns:a16="http://schemas.microsoft.com/office/drawing/2014/main" val="3918752681"/>
-                  </a:ext>
-                </a:extLst>
-              </a:tr>
-              <a:tr h="689177">
-                <a:tc>
-                  <a:txBody>
-                    <a:bodyPr/>
-                    <a:lstStyle/>
-                    <a:p>
-                      <a:endParaRPr lang="en-PH" dirty="0"/>
-                    </a:p>
-                  </a:txBody>
-                  <a:tcPr/>
-                </a:tc>
-                <a:extLst>
-                  <a:ext uri="{0D108BD9-81ED-4DB2-BD59-A6C34878D82A}">
-                    <a16:rowId xmlns:a16="http://schemas.microsoft.com/office/drawing/2014/main" val="2026822622"/>
-                  </a:ext>
-                </a:extLst>
-              </a:tr>
-            </a:tbl>
-          </a:graphicData>
-        </a:graphic>
-      </p:graphicFrame>
-      <p:sp>
-        <p:nvSpPr>
-          <p:cNvPr id="7" name="Oval 6" descr="Man with facial hair">
-            <a:extLst>
-              <a:ext uri="{FF2B5EF4-FFF2-40B4-BE49-F238E27FC236}">
-                <a16:creationId xmlns:a16="http://schemas.microsoft.com/office/drawing/2014/main" id="{90F659EE-3C14-5EC5-97FD-EA14989F4281}"/>
-              </a:ext>
-            </a:extLst>
-          </p:cNvPr>
-          <p:cNvSpPr/>
-          <p:nvPr/>
-        </p:nvSpPr>
-        <p:spPr>
-          <a:xfrm>
-            <a:off x="10330497" y="5283924"/>
-            <a:ext cx="695856" cy="585227"/>
-          </a:xfrm>
-          <a:prstGeom prst="ellipse">
-            <a:avLst/>
-          </a:prstGeom>
-          <a:blipFill dpi="0" rotWithShape="1">
-            <a:blip r:embed="rId8"/>
-            <a:srcRect/>
-            <a:stretch>
-              <a:fillRect/>
-            </a:stretch>
-          </a:blipFill>
-        </p:spPr>
-        <p:style>
-          <a:lnRef idx="2">
-            <a:schemeClr val="accent1">
-              <a:shade val="50000"/>
-            </a:schemeClr>
-          </a:lnRef>
-          <a:fillRef idx="1">
-            <a:schemeClr val="accent1"/>
-          </a:fillRef>
-          <a:effectRef idx="0">
-            <a:schemeClr val="accent1"/>
-          </a:effectRef>
-          <a:fontRef idx="minor">
-            <a:schemeClr val="lt1"/>
-          </a:fontRef>
-        </p:style>
-        <p:txBody>
-          <a:bodyPr rtlCol="0" anchor="ctr"/>
-          <a:lstStyle/>
-          <a:p>
-            <a:pPr algn="ctr"/>
-            <a:endParaRPr lang="en-PH" sz="1200" dirty="0"/>
-          </a:p>
-        </p:txBody>
-      </p:sp>
-      <p:sp>
-        <p:nvSpPr>
-          <p:cNvPr id="8" name="Oval 7" descr="Man with facial hair">
-            <a:extLst>
-              <a:ext uri="{FF2B5EF4-FFF2-40B4-BE49-F238E27FC236}">
-                <a16:creationId xmlns:a16="http://schemas.microsoft.com/office/drawing/2014/main" id="{59D7B626-6F48-FDC0-B65C-1908D44B7CEA}"/>
-              </a:ext>
-            </a:extLst>
-          </p:cNvPr>
-          <p:cNvSpPr/>
-          <p:nvPr/>
-        </p:nvSpPr>
-        <p:spPr>
-          <a:xfrm>
-            <a:off x="10334785" y="4591070"/>
-            <a:ext cx="695856" cy="585227"/>
-          </a:xfrm>
-          <a:prstGeom prst="ellipse">
-            <a:avLst/>
-          </a:prstGeom>
-          <a:blipFill dpi="0" rotWithShape="1">
-            <a:blip r:embed="rId7"/>
-            <a:srcRect/>
-            <a:stretch>
-              <a:fillRect/>
-            </a:stretch>
-          </a:blipFill>
-        </p:spPr>
-        <p:style>
-          <a:lnRef idx="2">
-            <a:schemeClr val="accent1">
-              <a:shade val="50000"/>
-            </a:schemeClr>
-          </a:lnRef>
-          <a:fillRef idx="1">
-            <a:schemeClr val="accent1"/>
-          </a:fillRef>
-          <a:effectRef idx="0">
-            <a:schemeClr val="accent1"/>
-          </a:effectRef>
-          <a:fontRef idx="minor">
-            <a:schemeClr val="lt1"/>
-          </a:fontRef>
-        </p:style>
-        <p:txBody>
-          <a:bodyPr rtlCol="0" anchor="ctr"/>
-          <a:lstStyle/>
-          <a:p>
-            <a:pPr algn="ctr"/>
-            <a:endParaRPr lang="en-PH" sz="1200" dirty="0"/>
-          </a:p>
-        </p:txBody>
-      </p:sp>
-      <p:sp>
-        <p:nvSpPr>
-          <p:cNvPr id="9" name="Oval 8" descr="Man with facial hair">
-            <a:extLst>
-              <a:ext uri="{FF2B5EF4-FFF2-40B4-BE49-F238E27FC236}">
-                <a16:creationId xmlns:a16="http://schemas.microsoft.com/office/drawing/2014/main" id="{9DF3E987-D88D-3828-25E3-61FE0262788A}"/>
-              </a:ext>
-            </a:extLst>
-          </p:cNvPr>
-          <p:cNvSpPr/>
-          <p:nvPr/>
-        </p:nvSpPr>
-        <p:spPr>
-          <a:xfrm>
-            <a:off x="10348512" y="4591069"/>
-            <a:ext cx="695856" cy="585227"/>
-          </a:xfrm>
-          <a:prstGeom prst="ellipse">
-            <a:avLst/>
-          </a:prstGeom>
-          <a:blipFill dpi="0" rotWithShape="1">
-            <a:blip r:embed="rId4"/>
-            <a:srcRect/>
-            <a:stretch>
-              <a:fillRect/>
-            </a:stretch>
-          </a:blipFill>
-        </p:spPr>
-        <p:style>
-          <a:lnRef idx="2">
-            <a:schemeClr val="accent1">
-              <a:shade val="50000"/>
-            </a:schemeClr>
-          </a:lnRef>
-          <a:fillRef idx="1">
-            <a:schemeClr val="accent1"/>
-          </a:fillRef>
-          <a:effectRef idx="0">
-            <a:schemeClr val="accent1"/>
-          </a:effectRef>
-          <a:fontRef idx="minor">
-            <a:schemeClr val="lt1"/>
-          </a:fontRef>
-        </p:style>
-        <p:txBody>
-          <a:bodyPr rtlCol="0" anchor="ctr"/>
-          <a:lstStyle/>
-          <a:p>
-            <a:pPr algn="ctr"/>
-            <a:endParaRPr lang="en-PH" sz="1200" dirty="0"/>
-          </a:p>
-        </p:txBody>
-      </p:sp>
-      <p:sp>
-        <p:nvSpPr>
-          <p:cNvPr id="10" name="TextBox 9">
-            <a:extLst>
-              <a:ext uri="{FF2B5EF4-FFF2-40B4-BE49-F238E27FC236}">
-                <a16:creationId xmlns:a16="http://schemas.microsoft.com/office/drawing/2014/main" id="{C6F41C8A-F01D-8DF0-BCCB-36D107A8211E}"/>
-              </a:ext>
-            </a:extLst>
-          </p:cNvPr>
-          <p:cNvSpPr txBox="1"/>
-          <p:nvPr/>
-        </p:nvSpPr>
-        <p:spPr>
-          <a:xfrm>
-            <a:off x="10348512" y="730716"/>
-            <a:ext cx="713195" cy="369332"/>
-          </a:xfrm>
-          <a:prstGeom prst="rect">
-            <a:avLst/>
-          </a:prstGeom>
-          <a:noFill/>
-        </p:spPr>
-        <p:txBody>
-          <a:bodyPr wrap="square" rtlCol="0">
-            <a:spAutoFit/>
-          </a:bodyPr>
-          <a:lstStyle/>
-          <a:p>
-            <a:r>
-              <a:rPr lang="en-PH" dirty="0"/>
-              <a:t>Stack</a:t>
-            </a:r>
-          </a:p>
-        </p:txBody>
-      </p:sp>
-    </p:spTree>
-    <p:extLst>
-      <p:ext uri="{BB962C8B-B14F-4D97-AF65-F5344CB8AC3E}">
-        <p14:creationId xmlns:p14="http://schemas.microsoft.com/office/powerpoint/2010/main" val="2449463821"/>
-      </p:ext>
-    </p:extLst>
-  </p:cSld>
-  <p:clrMapOvr>
-    <a:masterClrMapping/>
-  </p:clrMapOvr>
-  <p:timing>
-    <p:tnLst>
-      <p:par>
-        <p:cTn id="1" dur="indefinite" restart="never" nodeType="tmRoot">
-          <p:childTnLst>
-            <p:seq concurrent="1" nextAc="seek">
-              <p:cTn id="2" dur="indefinite" nodeType="mainSeq">
-                <p:childTnLst>
-                  <p:par>
-                    <p:cTn id="3" fill="hold">
-                      <p:stCondLst>
-                        <p:cond delay="indefinite"/>
-                      </p:stCondLst>
-                      <p:childTnLst>
-                        <p:par>
-                          <p:cTn id="4" fill="hold">
-                            <p:stCondLst>
-                              <p:cond delay="0"/>
-                            </p:stCondLst>
-                            <p:childTnLst>
-                              <p:par>
-                                <p:cTn id="5" presetID="14" presetClass="entr" presetSubtype="10" fill="hold" grpId="0" nodeType="clickEffect">
-                                  <p:stCondLst>
-                                    <p:cond delay="0"/>
-                                  </p:stCondLst>
-                                  <p:childTnLst>
-                                    <p:set>
-                                      <p:cBhvr>
-                                        <p:cTn id="6" dur="1" fill="hold">
-                                          <p:stCondLst>
-                                            <p:cond delay="0"/>
-                                          </p:stCondLst>
-                                        </p:cTn>
-                                        <p:tgtEl>
-                                          <p:spTgt spid="88"/>
-                                        </p:tgtEl>
-                                        <p:attrNameLst>
-                                          <p:attrName>style.visibility</p:attrName>
-                                        </p:attrNameLst>
-                                      </p:cBhvr>
-                                      <p:to>
-                                        <p:strVal val="visible"/>
-                                      </p:to>
-                                    </p:set>
-                                    <p:animEffect transition="in" filter="randombar(horizontal)">
-                                      <p:cBhvr>
-                                        <p:cTn id="7" dur="500"/>
-                                        <p:tgtEl>
-                                          <p:spTgt spid="88"/>
-                                        </p:tgtEl>
-                                      </p:cBhvr>
-                                    </p:animEffect>
-                                  </p:childTnLst>
-                                </p:cTn>
-                              </p:par>
-                            </p:childTnLst>
-                          </p:cTn>
-                        </p:par>
-                      </p:childTnLst>
-                    </p:cTn>
-                  </p:par>
-                  <p:par>
-                    <p:cTn id="8" fill="hold">
-                      <p:stCondLst>
-                        <p:cond delay="indefinite"/>
-                      </p:stCondLst>
-                      <p:childTnLst>
-                        <p:par>
-                          <p:cTn id="9" fill="hold">
-                            <p:stCondLst>
-                              <p:cond delay="0"/>
-                            </p:stCondLst>
-                            <p:childTnLst>
-                              <p:par>
-                                <p:cTn id="10" presetID="14" presetClass="entr" presetSubtype="10" fill="hold" grpId="0" nodeType="clickEffect">
-                                  <p:stCondLst>
-                                    <p:cond delay="0"/>
-                                  </p:stCondLst>
-                                  <p:childTnLst>
-                                    <p:set>
-                                      <p:cBhvr>
-                                        <p:cTn id="11" dur="1" fill="hold">
-                                          <p:stCondLst>
-                                            <p:cond delay="0"/>
-                                          </p:stCondLst>
-                                        </p:cTn>
-                                        <p:tgtEl>
-                                          <p:spTgt spid="7"/>
-                                        </p:tgtEl>
-                                        <p:attrNameLst>
-                                          <p:attrName>style.visibility</p:attrName>
-                                        </p:attrNameLst>
-                                      </p:cBhvr>
-                                      <p:to>
-                                        <p:strVal val="visible"/>
-                                      </p:to>
-                                    </p:set>
-                                    <p:animEffect transition="in" filter="randombar(horizontal)">
-                                      <p:cBhvr>
-                                        <p:cTn id="12" dur="500"/>
-                                        <p:tgtEl>
-                                          <p:spTgt spid="7"/>
-                                        </p:tgtEl>
-                                      </p:cBhvr>
-                                    </p:animEffect>
-                                  </p:childTnLst>
-                                </p:cTn>
-                              </p:par>
-                            </p:childTnLst>
-                          </p:cTn>
-                        </p:par>
-                      </p:childTnLst>
-                    </p:cTn>
-                  </p:par>
-                  <p:par>
-                    <p:cTn id="13" fill="hold">
-                      <p:stCondLst>
-                        <p:cond delay="indefinite"/>
-                      </p:stCondLst>
-                      <p:childTnLst>
-                        <p:par>
-                          <p:cTn id="14" fill="hold">
-                            <p:stCondLst>
-                              <p:cond delay="0"/>
-                            </p:stCondLst>
-                            <p:childTnLst>
-                              <p:par>
-                                <p:cTn id="15" presetID="14" presetClass="entr" presetSubtype="10" fill="hold" grpId="0" nodeType="clickEffect">
-                                  <p:stCondLst>
-                                    <p:cond delay="0"/>
-                                  </p:stCondLst>
-                                  <p:childTnLst>
-                                    <p:set>
-                                      <p:cBhvr>
-                                        <p:cTn id="16" dur="1" fill="hold">
-                                          <p:stCondLst>
-                                            <p:cond delay="0"/>
-                                          </p:stCondLst>
-                                        </p:cTn>
-                                        <p:tgtEl>
-                                          <p:spTgt spid="89"/>
-                                        </p:tgtEl>
-                                        <p:attrNameLst>
-                                          <p:attrName>style.visibility</p:attrName>
-                                        </p:attrNameLst>
-                                      </p:cBhvr>
-                                      <p:to>
-                                        <p:strVal val="visible"/>
-                                      </p:to>
-                                    </p:set>
-                                    <p:animEffect transition="in" filter="randombar(horizontal)">
-                                      <p:cBhvr>
-                                        <p:cTn id="17" dur="500"/>
-                                        <p:tgtEl>
-                                          <p:spTgt spid="89"/>
-                                        </p:tgtEl>
-                                      </p:cBhvr>
-                                    </p:animEffect>
-                                  </p:childTnLst>
-                                </p:cTn>
-                              </p:par>
-                            </p:childTnLst>
-                          </p:cTn>
-                        </p:par>
-                      </p:childTnLst>
-                    </p:cTn>
-                  </p:par>
-                  <p:par>
-                    <p:cTn id="18" fill="hold">
-                      <p:stCondLst>
-                        <p:cond delay="indefinite"/>
-                      </p:stCondLst>
-                      <p:childTnLst>
-                        <p:par>
-                          <p:cTn id="19" fill="hold">
-                            <p:stCondLst>
-                              <p:cond delay="0"/>
-                            </p:stCondLst>
-                            <p:childTnLst>
-                              <p:par>
-                                <p:cTn id="20" presetID="14" presetClass="entr" presetSubtype="10" fill="hold" grpId="0" nodeType="clickEffect">
-                                  <p:stCondLst>
-                                    <p:cond delay="0"/>
-                                  </p:stCondLst>
-                                  <p:childTnLst>
-                                    <p:set>
-                                      <p:cBhvr>
-                                        <p:cTn id="21" dur="1" fill="hold">
-                                          <p:stCondLst>
-                                            <p:cond delay="0"/>
-                                          </p:stCondLst>
-                                        </p:cTn>
-                                        <p:tgtEl>
-                                          <p:spTgt spid="8"/>
-                                        </p:tgtEl>
-                                        <p:attrNameLst>
-                                          <p:attrName>style.visibility</p:attrName>
-                                        </p:attrNameLst>
-                                      </p:cBhvr>
-                                      <p:to>
-                                        <p:strVal val="visible"/>
-                                      </p:to>
-                                    </p:set>
-                                    <p:animEffect transition="in" filter="randombar(horizontal)">
-                                      <p:cBhvr>
-                                        <p:cTn id="22" dur="500"/>
-                                        <p:tgtEl>
-                                          <p:spTgt spid="8"/>
-                                        </p:tgtEl>
-                                      </p:cBhvr>
-                                    </p:animEffect>
-                                  </p:childTnLst>
-                                </p:cTn>
-                              </p:par>
-                            </p:childTnLst>
-                          </p:cTn>
-                        </p:par>
-                      </p:childTnLst>
-                    </p:cTn>
-                  </p:par>
-                  <p:par>
-                    <p:cTn id="23" fill="hold">
-                      <p:stCondLst>
-                        <p:cond delay="indefinite"/>
-                      </p:stCondLst>
-                      <p:childTnLst>
-                        <p:par>
-                          <p:cTn id="24" fill="hold">
-                            <p:stCondLst>
-                              <p:cond delay="0"/>
-                            </p:stCondLst>
-                            <p:childTnLst>
-                              <p:par>
-                                <p:cTn id="25" presetID="14" presetClass="entr" presetSubtype="10" fill="hold" grpId="0" nodeType="clickEffect">
-                                  <p:stCondLst>
-                                    <p:cond delay="0"/>
-                                  </p:stCondLst>
-                                  <p:childTnLst>
-                                    <p:set>
-                                      <p:cBhvr>
-                                        <p:cTn id="26" dur="1" fill="hold">
-                                          <p:stCondLst>
-                                            <p:cond delay="0"/>
-                                          </p:stCondLst>
-                                        </p:cTn>
-                                        <p:tgtEl>
-                                          <p:spTgt spid="94"/>
-                                        </p:tgtEl>
-                                        <p:attrNameLst>
-                                          <p:attrName>style.visibility</p:attrName>
-                                        </p:attrNameLst>
-                                      </p:cBhvr>
-                                      <p:to>
-                                        <p:strVal val="visible"/>
-                                      </p:to>
-                                    </p:set>
-                                    <p:animEffect transition="in" filter="randombar(horizontal)">
-                                      <p:cBhvr>
-                                        <p:cTn id="27" dur="500"/>
-                                        <p:tgtEl>
-                                          <p:spTgt spid="94"/>
-                                        </p:tgtEl>
-                                      </p:cBhvr>
-                                    </p:animEffect>
-                                  </p:childTnLst>
-                                </p:cTn>
-                              </p:par>
-                            </p:childTnLst>
-                          </p:cTn>
-                        </p:par>
-                      </p:childTnLst>
-                    </p:cTn>
-                  </p:par>
-                  <p:par>
-                    <p:cTn id="28" fill="hold">
-                      <p:stCondLst>
-                        <p:cond delay="indefinite"/>
-                      </p:stCondLst>
-                      <p:childTnLst>
-                        <p:par>
-                          <p:cTn id="29" fill="hold">
-                            <p:stCondLst>
-                              <p:cond delay="0"/>
-                            </p:stCondLst>
-                            <p:childTnLst>
-                              <p:par>
-                                <p:cTn id="30" presetID="14" presetClass="entr" presetSubtype="10" fill="hold" grpId="0" nodeType="clickEffect">
-                                  <p:stCondLst>
-                                    <p:cond delay="0"/>
-                                  </p:stCondLst>
-                                  <p:childTnLst>
-                                    <p:set>
-                                      <p:cBhvr>
-                                        <p:cTn id="31" dur="1" fill="hold">
-                                          <p:stCondLst>
-                                            <p:cond delay="0"/>
-                                          </p:stCondLst>
-                                        </p:cTn>
-                                        <p:tgtEl>
-                                          <p:spTgt spid="90"/>
-                                        </p:tgtEl>
-                                        <p:attrNameLst>
-                                          <p:attrName>style.visibility</p:attrName>
-                                        </p:attrNameLst>
-                                      </p:cBhvr>
-                                      <p:to>
-                                        <p:strVal val="visible"/>
-                                      </p:to>
-                                    </p:set>
-                                    <p:animEffect transition="in" filter="randombar(horizontal)">
-                                      <p:cBhvr>
-                                        <p:cTn id="32" dur="500"/>
-                                        <p:tgtEl>
-                                          <p:spTgt spid="90"/>
-                                        </p:tgtEl>
-                                      </p:cBhvr>
-                                    </p:animEffect>
-                                  </p:childTnLst>
-                                </p:cTn>
-                              </p:par>
-                            </p:childTnLst>
-                          </p:cTn>
-                        </p:par>
-                      </p:childTnLst>
-                    </p:cTn>
-                  </p:par>
-                  <p:par>
-                    <p:cTn id="33" fill="hold">
-                      <p:stCondLst>
-                        <p:cond delay="indefinite"/>
-                      </p:stCondLst>
-                      <p:childTnLst>
-                        <p:par>
-                          <p:cTn id="34" fill="hold">
-                            <p:stCondLst>
-                              <p:cond delay="0"/>
-                            </p:stCondLst>
-                            <p:childTnLst>
-                              <p:par>
-                                <p:cTn id="35" presetID="1" presetClass="exit" presetSubtype="0" fill="hold" grpId="1" nodeType="clickEffect">
-                                  <p:stCondLst>
-                                    <p:cond delay="0"/>
-                                  </p:stCondLst>
-                                  <p:childTnLst>
-                                    <p:set>
-                                      <p:cBhvr>
-                                        <p:cTn id="36" dur="1" fill="hold">
-                                          <p:stCondLst>
-                                            <p:cond delay="0"/>
-                                          </p:stCondLst>
-                                        </p:cTn>
-                                        <p:tgtEl>
-                                          <p:spTgt spid="8"/>
-                                        </p:tgtEl>
-                                        <p:attrNameLst>
-                                          <p:attrName>style.visibility</p:attrName>
-                                        </p:attrNameLst>
-                                      </p:cBhvr>
-                                      <p:to>
-                                        <p:strVal val="hidden"/>
-                                      </p:to>
-                                    </p:set>
-                                  </p:childTnLst>
-                                </p:cTn>
-                              </p:par>
-                            </p:childTnLst>
-                          </p:cTn>
-                        </p:par>
-                      </p:childTnLst>
-                    </p:cTn>
-                  </p:par>
-                  <p:par>
-                    <p:cTn id="37" fill="hold">
-                      <p:stCondLst>
-                        <p:cond delay="indefinite"/>
-                      </p:stCondLst>
-                      <p:childTnLst>
-                        <p:par>
-                          <p:cTn id="38" fill="hold">
-                            <p:stCondLst>
-                              <p:cond delay="0"/>
-                            </p:stCondLst>
-                            <p:childTnLst>
-                              <p:par>
-                                <p:cTn id="39" presetID="14" presetClass="entr" presetSubtype="10" fill="hold" grpId="0" nodeType="clickEffect">
-                                  <p:stCondLst>
-                                    <p:cond delay="0"/>
-                                  </p:stCondLst>
-                                  <p:childTnLst>
-                                    <p:set>
-                                      <p:cBhvr>
-                                        <p:cTn id="40" dur="1" fill="hold">
-                                          <p:stCondLst>
-                                            <p:cond delay="0"/>
-                                          </p:stCondLst>
-                                        </p:cTn>
-                                        <p:tgtEl>
-                                          <p:spTgt spid="98"/>
-                                        </p:tgtEl>
-                                        <p:attrNameLst>
-                                          <p:attrName>style.visibility</p:attrName>
-                                        </p:attrNameLst>
-                                      </p:cBhvr>
-                                      <p:to>
-                                        <p:strVal val="visible"/>
-                                      </p:to>
-                                    </p:set>
-                                    <p:animEffect transition="in" filter="randombar(horizontal)">
-                                      <p:cBhvr>
-                                        <p:cTn id="41" dur="500"/>
-                                        <p:tgtEl>
-                                          <p:spTgt spid="98"/>
-                                        </p:tgtEl>
-                                      </p:cBhvr>
-                                    </p:animEffect>
-                                  </p:childTnLst>
-                                </p:cTn>
-                              </p:par>
-                            </p:childTnLst>
-                          </p:cTn>
-                        </p:par>
-                      </p:childTnLst>
-                    </p:cTn>
-                  </p:par>
-                  <p:par>
-                    <p:cTn id="42" fill="hold">
-                      <p:stCondLst>
-                        <p:cond delay="indefinite"/>
-                      </p:stCondLst>
-                      <p:childTnLst>
-                        <p:par>
-                          <p:cTn id="43" fill="hold">
-                            <p:stCondLst>
-                              <p:cond delay="0"/>
-                            </p:stCondLst>
-                            <p:childTnLst>
-                              <p:par>
-                                <p:cTn id="44" presetID="14" presetClass="entr" presetSubtype="10" fill="hold" grpId="0" nodeType="clickEffect">
-                                  <p:stCondLst>
-                                    <p:cond delay="0"/>
-                                  </p:stCondLst>
-                                  <p:childTnLst>
-                                    <p:set>
-                                      <p:cBhvr>
-                                        <p:cTn id="45" dur="1" fill="hold">
-                                          <p:stCondLst>
-                                            <p:cond delay="0"/>
-                                          </p:stCondLst>
-                                        </p:cTn>
-                                        <p:tgtEl>
-                                          <p:spTgt spid="9"/>
-                                        </p:tgtEl>
-                                        <p:attrNameLst>
-                                          <p:attrName>style.visibility</p:attrName>
-                                        </p:attrNameLst>
-                                      </p:cBhvr>
-                                      <p:to>
-                                        <p:strVal val="visible"/>
-                                      </p:to>
-                                    </p:set>
-                                    <p:animEffect transition="in" filter="randombar(horizontal)">
-                                      <p:cBhvr>
-                                        <p:cTn id="46" dur="500"/>
-                                        <p:tgtEl>
-                                          <p:spTgt spid="9"/>
-                                        </p:tgtEl>
-                                      </p:cBhvr>
-                                    </p:animEffect>
-                                  </p:childTnLst>
-                                </p:cTn>
-                              </p:par>
-                            </p:childTnLst>
-                          </p:cTn>
-                        </p:par>
-                      </p:childTnLst>
-                    </p:cTn>
-                  </p:par>
-                  <p:par>
-                    <p:cTn id="47" fill="hold">
-                      <p:stCondLst>
-                        <p:cond delay="indefinite"/>
-                      </p:stCondLst>
-                      <p:childTnLst>
-                        <p:par>
-                          <p:cTn id="48" fill="hold">
-                            <p:stCondLst>
-                              <p:cond delay="0"/>
-                            </p:stCondLst>
-                            <p:childTnLst>
-                              <p:par>
-                                <p:cTn id="49" presetID="14" presetClass="entr" presetSubtype="10" fill="hold" grpId="0" nodeType="clickEffect">
-                                  <p:stCondLst>
-                                    <p:cond delay="0"/>
-                                  </p:stCondLst>
-                                  <p:childTnLst>
-                                    <p:set>
-                                      <p:cBhvr>
-                                        <p:cTn id="50" dur="1" fill="hold">
-                                          <p:stCondLst>
-                                            <p:cond delay="0"/>
-                                          </p:stCondLst>
-                                        </p:cTn>
-                                        <p:tgtEl>
-                                          <p:spTgt spid="95"/>
-                                        </p:tgtEl>
-                                        <p:attrNameLst>
-                                          <p:attrName>style.visibility</p:attrName>
-                                        </p:attrNameLst>
-                                      </p:cBhvr>
-                                      <p:to>
-                                        <p:strVal val="visible"/>
-                                      </p:to>
-                                    </p:set>
-                                    <p:animEffect transition="in" filter="randombar(horizontal)">
-                                      <p:cBhvr>
-                                        <p:cTn id="51" dur="500"/>
-                                        <p:tgtEl>
-                                          <p:spTgt spid="95"/>
-                                        </p:tgtEl>
-                                      </p:cBhvr>
-                                    </p:animEffect>
-                                  </p:childTnLst>
-                                </p:cTn>
-                              </p:par>
-                            </p:childTnLst>
-                          </p:cTn>
-                        </p:par>
-                      </p:childTnLst>
-                    </p:cTn>
-                  </p:par>
-                  <p:par>
-                    <p:cTn id="52" fill="hold">
-                      <p:stCondLst>
-                        <p:cond delay="indefinite"/>
-                      </p:stCondLst>
-                      <p:childTnLst>
-                        <p:par>
-                          <p:cTn id="53" fill="hold">
-                            <p:stCondLst>
-                              <p:cond delay="0"/>
-                            </p:stCondLst>
-                            <p:childTnLst>
-                              <p:par>
-                                <p:cTn id="54" presetID="14" presetClass="entr" presetSubtype="10" fill="hold" grpId="0" nodeType="clickEffect">
-                                  <p:stCondLst>
-                                    <p:cond delay="0"/>
-                                  </p:stCondLst>
-                                  <p:childTnLst>
-                                    <p:set>
-                                      <p:cBhvr>
-                                        <p:cTn id="55" dur="1" fill="hold">
-                                          <p:stCondLst>
-                                            <p:cond delay="0"/>
-                                          </p:stCondLst>
-                                        </p:cTn>
-                                        <p:tgtEl>
-                                          <p:spTgt spid="97"/>
-                                        </p:tgtEl>
-                                        <p:attrNameLst>
-                                          <p:attrName>style.visibility</p:attrName>
-                                        </p:attrNameLst>
-                                      </p:cBhvr>
-                                      <p:to>
-                                        <p:strVal val="visible"/>
-                                      </p:to>
-                                    </p:set>
-                                    <p:animEffect transition="in" filter="randombar(horizontal)">
-                                      <p:cBhvr>
-                                        <p:cTn id="56" dur="500"/>
-                                        <p:tgtEl>
-                                          <p:spTgt spid="97"/>
-                                        </p:tgtEl>
-                                      </p:cBhvr>
-                                    </p:animEffect>
-                                  </p:childTnLst>
-                                </p:cTn>
-                              </p:par>
-                            </p:childTnLst>
-                          </p:cTn>
-                        </p:par>
-                      </p:childTnLst>
-                    </p:cTn>
-                  </p:par>
-                  <p:par>
-                    <p:cTn id="57" fill="hold">
-                      <p:stCondLst>
-                        <p:cond delay="indefinite"/>
-                      </p:stCondLst>
-                      <p:childTnLst>
-                        <p:par>
-                          <p:cTn id="58" fill="hold">
-                            <p:stCondLst>
-                              <p:cond delay="0"/>
-                            </p:stCondLst>
-                            <p:childTnLst>
-                              <p:par>
-                                <p:cTn id="59" presetID="1" presetClass="exit" presetSubtype="0" fill="hold" grpId="1" nodeType="clickEffect">
-                                  <p:stCondLst>
-                                    <p:cond delay="0"/>
-                                  </p:stCondLst>
-                                  <p:childTnLst>
-                                    <p:set>
-                                      <p:cBhvr>
-                                        <p:cTn id="60" dur="1" fill="hold">
-                                          <p:stCondLst>
-                                            <p:cond delay="0"/>
-                                          </p:stCondLst>
-                                        </p:cTn>
-                                        <p:tgtEl>
-                                          <p:spTgt spid="9"/>
-                                        </p:tgtEl>
-                                        <p:attrNameLst>
-                                          <p:attrName>style.visibility</p:attrName>
-                                        </p:attrNameLst>
-                                      </p:cBhvr>
-                                      <p:to>
-                                        <p:strVal val="hidden"/>
-                                      </p:to>
-                                    </p:set>
-                                  </p:childTnLst>
-                                </p:cTn>
-                              </p:par>
-                            </p:childTnLst>
-                          </p:cTn>
-                        </p:par>
-                      </p:childTnLst>
-                    </p:cTn>
-                  </p:par>
-                  <p:par>
-                    <p:cTn id="61" fill="hold">
-                      <p:stCondLst>
-                        <p:cond delay="indefinite"/>
-                      </p:stCondLst>
-                      <p:childTnLst>
-                        <p:par>
-                          <p:cTn id="62" fill="hold">
-                            <p:stCondLst>
-                              <p:cond delay="0"/>
-                            </p:stCondLst>
-                            <p:childTnLst>
-                              <p:par>
-                                <p:cTn id="63" presetID="1" presetClass="exit" presetSubtype="0" fill="hold" grpId="1" nodeType="clickEffect">
-                                  <p:stCondLst>
-                                    <p:cond delay="0"/>
-                                  </p:stCondLst>
-                                  <p:childTnLst>
-                                    <p:set>
-                                      <p:cBhvr>
-                                        <p:cTn id="64" dur="1" fill="hold">
-                                          <p:stCondLst>
-                                            <p:cond delay="0"/>
-                                          </p:stCondLst>
-                                        </p:cTn>
-                                        <p:tgtEl>
-                                          <p:spTgt spid="7"/>
-                                        </p:tgtEl>
-                                        <p:attrNameLst>
-                                          <p:attrName>style.visibility</p:attrName>
-                                        </p:attrNameLst>
-                                      </p:cBhvr>
-                                      <p:to>
-                                        <p:strVal val="hidden"/>
-                                      </p:to>
-                                    </p:set>
-                                  </p:childTnLst>
-                                </p:cTn>
-                              </p:par>
-                            </p:childTnLst>
-                          </p:cTn>
-                        </p:par>
-                      </p:childTnLst>
-                    </p:cTn>
-                  </p:par>
-                </p:childTnLst>
-              </p:cTn>
-              <p:prevCondLst>
-                <p:cond evt="onPrev" delay="0">
-                  <p:tgtEl>
-                    <p:sldTgt/>
-                  </p:tgtEl>
-                </p:cond>
-              </p:prevCondLst>
-              <p:nextCondLst>
-                <p:cond evt="onNext" delay="0">
-                  <p:tgtEl>
-                    <p:sldTgt/>
-                  </p:tgtEl>
-                </p:cond>
-              </p:nextCondLst>
-            </p:seq>
-          </p:childTnLst>
-        </p:cTn>
-      </p:par>
-    </p:tnLst>
-    <p:bldLst>
-      <p:bldP spid="88" grpId="0" animBg="1"/>
-      <p:bldP spid="89" grpId="0" animBg="1"/>
-      <p:bldP spid="90" grpId="0" animBg="1"/>
-      <p:bldP spid="94" grpId="0" animBg="1"/>
-      <p:bldP spid="95" grpId="0" animBg="1"/>
-      <p:bldP spid="97" grpId="0" animBg="1"/>
-      <p:bldP spid="98" grpId="0" animBg="1"/>
-      <p:bldP spid="7" grpId="0" animBg="1"/>
-      <p:bldP spid="7" grpId="1" animBg="1"/>
-      <p:bldP spid="8" grpId="0" animBg="1"/>
-      <p:bldP spid="8" grpId="1" animBg="1"/>
-      <p:bldP spid="9" grpId="0" animBg="1"/>
-      <p:bldP spid="9" grpId="1" animBg="1"/>
-    </p:bldLst>
-  </p:timing>
-</p:sld>
-</file>
-
 <file path=ppt/theme/theme1.xml><?xml version="1.0" encoding="utf-8"?>
 <a:theme xmlns:a="http://schemas.openxmlformats.org/drawingml/2006/main" name="Office Theme">
   <a:themeElements>
@@ -23050,6 +23773,12 @@
 </file>
 
 <file path=customXml/item1.xml><?xml version="1.0" encoding="utf-8"?>
+<p:properties xmlns:p="http://schemas.microsoft.com/office/2006/metadata/properties" xmlns:xsi="http://www.w3.org/2001/XMLSchema-instance" xmlns:pc="http://schemas.microsoft.com/office/infopath/2007/PartnerControls">
+  <documentManagement/>
+</p:properties>
+</file>
+
+<file path=customXml/item2.xml><?xml version="1.0" encoding="utf-8"?>
 <?mso-contentType ?>
 <FormTemplates xmlns="http://schemas.microsoft.com/sharepoint/v3/contenttype/forms">
   <Display>DocumentLibraryForm</Display>
@@ -23058,7 +23787,7 @@
 </FormTemplates>
 </file>
 
-<file path=customXml/item2.xml><?xml version="1.0" encoding="utf-8"?>
+<file path=customXml/item3.xml><?xml version="1.0" encoding="utf-8"?>
 <ct:contentTypeSchema xmlns:ct="http://schemas.microsoft.com/office/2006/metadata/contentType" xmlns:ma="http://schemas.microsoft.com/office/2006/metadata/properties/metaAttributes" ct:_="" ma:_="" ma:contentTypeName="Document" ma:contentTypeID="0x0101007188BDCA587B344BBA6CB1A93FAE6998" ma:contentTypeVersion="2" ma:contentTypeDescription="Create a new document." ma:contentTypeScope="" ma:versionID="7a8e4b6720badb2566a0cfeddfaf2856">
   <xsd:schema xmlns:xsd="http://www.w3.org/2001/XMLSchema" xmlns:xs="http://www.w3.org/2001/XMLSchema" xmlns:p="http://schemas.microsoft.com/office/2006/metadata/properties" xmlns:ns2="ba111d12-426d-4af0-bcb6-460e36974645" targetNamespace="http://schemas.microsoft.com/office/2006/metadata/properties" ma:root="true" ma:fieldsID="989b05398519136c88ba0a8d54e3c3da" ns2:_="">
     <xsd:import namespace="ba111d12-426d-4af0-bcb6-460e36974645"/>
@@ -23190,13 +23919,16 @@
 </ct:contentTypeSchema>
 </file>
 
-<file path=customXml/item3.xml><?xml version="1.0" encoding="utf-8"?>
-<p:properties xmlns:p="http://schemas.microsoft.com/office/2006/metadata/properties" xmlns:xsi="http://www.w3.org/2001/XMLSchema-instance" xmlns:pc="http://schemas.microsoft.com/office/infopath/2007/PartnerControls">
-  <documentManagement/>
-</p:properties>
+<file path=customXml/itemProps1.xml><?xml version="1.0" encoding="utf-8"?>
+<ds:datastoreItem xmlns:ds="http://schemas.openxmlformats.org/officeDocument/2006/customXml" ds:itemID="{D8DE4E70-25B1-4F7D-9B72-79F62005F317}">
+  <ds:schemaRefs>
+    <ds:schemaRef ds:uri="http://schemas.microsoft.com/office/2006/metadata/properties"/>
+    <ds:schemaRef ds:uri="http://schemas.microsoft.com/office/infopath/2007/PartnerControls"/>
+  </ds:schemaRefs>
+</ds:datastoreItem>
 </file>
 
-<file path=customXml/itemProps1.xml><?xml version="1.0" encoding="utf-8"?>
+<file path=customXml/itemProps2.xml><?xml version="1.0" encoding="utf-8"?>
 <ds:datastoreItem xmlns:ds="http://schemas.openxmlformats.org/officeDocument/2006/customXml" ds:itemID="{CEC43B35-0ED9-4049-9140-3D0CD32DDD39}">
   <ds:schemaRefs>
     <ds:schemaRef ds:uri="http://schemas.microsoft.com/sharepoint/v3/contenttype/forms"/>
@@ -23204,7 +23936,7 @@
 </ds:datastoreItem>
 </file>
 
-<file path=customXml/itemProps2.xml><?xml version="1.0" encoding="utf-8"?>
+<file path=customXml/itemProps3.xml><?xml version="1.0" encoding="utf-8"?>
 <ds:datastoreItem xmlns:ds="http://schemas.openxmlformats.org/officeDocument/2006/customXml" ds:itemID="{71A1CB29-DD5D-4EF5-83F1-7DD60E77D76A}">
   <ds:schemaRefs>
     <ds:schemaRef ds:uri="http://schemas.microsoft.com/office/2006/metadata/contentType"/>
@@ -23220,13 +23952,4 @@
     <ds:schemaRef ds:uri="http://schemas.microsoft.com/internal/obd"/>
   </ds:schemaRefs>
 </ds:datastoreItem>
-</file>
-
-<file path=customXml/itemProps3.xml><?xml version="1.0" encoding="utf-8"?>
-<ds:datastoreItem xmlns:ds="http://schemas.openxmlformats.org/officeDocument/2006/customXml" ds:itemID="{D8DE4E70-25B1-4F7D-9B72-79F62005F317}">
-  <ds:schemaRefs>
-    <ds:schemaRef ds:uri="http://schemas.microsoft.com/office/2006/metadata/properties"/>
-    <ds:schemaRef ds:uri="http://schemas.microsoft.com/office/infopath/2007/PartnerControls"/>
-  </ds:schemaRefs>
-</ds:datastoreItem>
 </file>